--- a/Real Estate Investment - Top Zip Codespptx.pptx
+++ b/Real Estate Investment - Top Zip Codespptx.pptx
@@ -6,16 +6,18 @@
   </p:sldMasterIdLst>
   <p:sldIdLst>
     <p:sldId id="256" r:id="rId2"/>
-    <p:sldId id="260" r:id="rId3"/>
-    <p:sldId id="262" r:id="rId4"/>
-    <p:sldId id="263" r:id="rId5"/>
-    <p:sldId id="261" r:id="rId6"/>
-    <p:sldId id="264" r:id="rId7"/>
-    <p:sldId id="257" r:id="rId8"/>
-    <p:sldId id="258" r:id="rId9"/>
-    <p:sldId id="265" r:id="rId10"/>
-    <p:sldId id="266" r:id="rId11"/>
-    <p:sldId id="259" r:id="rId12"/>
+    <p:sldId id="267" r:id="rId3"/>
+    <p:sldId id="269" r:id="rId4"/>
+    <p:sldId id="260" r:id="rId5"/>
+    <p:sldId id="270" r:id="rId6"/>
+    <p:sldId id="271" r:id="rId7"/>
+    <p:sldId id="262" r:id="rId8"/>
+    <p:sldId id="263" r:id="rId9"/>
+    <p:sldId id="261" r:id="rId10"/>
+    <p:sldId id="257" r:id="rId11"/>
+    <p:sldId id="272" r:id="rId12"/>
+    <p:sldId id="273" r:id="rId13"/>
+    <p:sldId id="259" r:id="rId14"/>
   </p:sldIdLst>
   <p:sldSz cx="12192000" cy="6858000"/>
   <p:notesSz cx="6858000" cy="9144000"/>
@@ -114,7 +116,3695 @@
       </a:defRPr>
     </a:lvl9pPr>
   </p:defaultTextStyle>
+  <p:extLst>
+    <p:ext uri="{EFAFB233-063F-42B5-8137-9DF3F51BA10A}">
+      <p15:sldGuideLst xmlns:p15="http://schemas.microsoft.com/office/powerpoint/2012/main"/>
+    </p:ext>
+  </p:extLst>
 </p:presentation>
+</file>
+
+<file path=ppt/diagrams/colors1.xml><?xml version="1.0" encoding="utf-8"?>
+<dgm:colorsDef xmlns:dgm="http://schemas.openxmlformats.org/drawingml/2006/diagram" xmlns:a="http://schemas.openxmlformats.org/drawingml/2006/main" uniqueId="urn:microsoft.com/office/officeart/2005/8/colors/accent2_2">
+  <dgm:title val=""/>
+  <dgm:desc val=""/>
+  <dgm:catLst>
+    <dgm:cat type="accent2" pri="11200"/>
+  </dgm:catLst>
+  <dgm:styleLbl name="node0">
+    <dgm:fillClrLst meth="repeat">
+      <a:schemeClr val="accent2"/>
+    </dgm:fillClrLst>
+    <dgm:linClrLst meth="repeat">
+      <a:schemeClr val="lt1"/>
+    </dgm:linClrLst>
+    <dgm:effectClrLst/>
+    <dgm:txLinClrLst/>
+    <dgm:txFillClrLst/>
+    <dgm:txEffectClrLst/>
+  </dgm:styleLbl>
+  <dgm:styleLbl name="node1">
+    <dgm:fillClrLst meth="repeat">
+      <a:schemeClr val="accent2"/>
+    </dgm:fillClrLst>
+    <dgm:linClrLst meth="repeat">
+      <a:schemeClr val="lt1"/>
+    </dgm:linClrLst>
+    <dgm:effectClrLst/>
+    <dgm:txLinClrLst/>
+    <dgm:txFillClrLst/>
+    <dgm:txEffectClrLst/>
+  </dgm:styleLbl>
+  <dgm:styleLbl name="alignNode1">
+    <dgm:fillClrLst meth="repeat">
+      <a:schemeClr val="accent2"/>
+    </dgm:fillClrLst>
+    <dgm:linClrLst meth="repeat">
+      <a:schemeClr val="accent2"/>
+    </dgm:linClrLst>
+    <dgm:effectClrLst/>
+    <dgm:txLinClrLst/>
+    <dgm:txFillClrLst/>
+    <dgm:txEffectClrLst/>
+  </dgm:styleLbl>
+  <dgm:styleLbl name="lnNode1">
+    <dgm:fillClrLst meth="repeat">
+      <a:schemeClr val="accent2"/>
+    </dgm:fillClrLst>
+    <dgm:linClrLst meth="repeat">
+      <a:schemeClr val="lt1"/>
+    </dgm:linClrLst>
+    <dgm:effectClrLst/>
+    <dgm:txLinClrLst/>
+    <dgm:txFillClrLst/>
+    <dgm:txEffectClrLst/>
+  </dgm:styleLbl>
+  <dgm:styleLbl name="vennNode1">
+    <dgm:fillClrLst meth="repeat">
+      <a:schemeClr val="accent2">
+        <a:alpha val="50000"/>
+      </a:schemeClr>
+    </dgm:fillClrLst>
+    <dgm:linClrLst meth="repeat">
+      <a:schemeClr val="lt1"/>
+    </dgm:linClrLst>
+    <dgm:effectClrLst/>
+    <dgm:txLinClrLst/>
+    <dgm:txFillClrLst/>
+    <dgm:txEffectClrLst/>
+  </dgm:styleLbl>
+  <dgm:styleLbl name="node2">
+    <dgm:fillClrLst meth="repeat">
+      <a:schemeClr val="accent2"/>
+    </dgm:fillClrLst>
+    <dgm:linClrLst meth="repeat">
+      <a:schemeClr val="lt1"/>
+    </dgm:linClrLst>
+    <dgm:effectClrLst/>
+    <dgm:txLinClrLst/>
+    <dgm:txFillClrLst/>
+    <dgm:txEffectClrLst/>
+  </dgm:styleLbl>
+  <dgm:styleLbl name="node3">
+    <dgm:fillClrLst meth="repeat">
+      <a:schemeClr val="accent2"/>
+    </dgm:fillClrLst>
+    <dgm:linClrLst meth="repeat">
+      <a:schemeClr val="lt1"/>
+    </dgm:linClrLst>
+    <dgm:effectClrLst/>
+    <dgm:txLinClrLst/>
+    <dgm:txFillClrLst/>
+    <dgm:txEffectClrLst/>
+  </dgm:styleLbl>
+  <dgm:styleLbl name="node4">
+    <dgm:fillClrLst meth="repeat">
+      <a:schemeClr val="accent2"/>
+    </dgm:fillClrLst>
+    <dgm:linClrLst meth="repeat">
+      <a:schemeClr val="lt1"/>
+    </dgm:linClrLst>
+    <dgm:effectClrLst/>
+    <dgm:txLinClrLst/>
+    <dgm:txFillClrLst/>
+    <dgm:txEffectClrLst/>
+  </dgm:styleLbl>
+  <dgm:styleLbl name="fgImgPlace1">
+    <dgm:fillClrLst meth="repeat">
+      <a:schemeClr val="accent2">
+        <a:tint val="50000"/>
+      </a:schemeClr>
+    </dgm:fillClrLst>
+    <dgm:linClrLst meth="repeat">
+      <a:schemeClr val="lt1"/>
+    </dgm:linClrLst>
+    <dgm:effectClrLst/>
+    <dgm:txLinClrLst/>
+    <dgm:txFillClrLst meth="repeat">
+      <a:schemeClr val="lt1"/>
+    </dgm:txFillClrLst>
+    <dgm:txEffectClrLst/>
+  </dgm:styleLbl>
+  <dgm:styleLbl name="alignImgPlace1">
+    <dgm:fillClrLst meth="repeat">
+      <a:schemeClr val="accent2">
+        <a:tint val="50000"/>
+      </a:schemeClr>
+    </dgm:fillClrLst>
+    <dgm:linClrLst meth="repeat">
+      <a:schemeClr val="lt1"/>
+    </dgm:linClrLst>
+    <dgm:effectClrLst/>
+    <dgm:txLinClrLst/>
+    <dgm:txFillClrLst meth="repeat">
+      <a:schemeClr val="lt1"/>
+    </dgm:txFillClrLst>
+    <dgm:txEffectClrLst/>
+  </dgm:styleLbl>
+  <dgm:styleLbl name="bgImgPlace1">
+    <dgm:fillClrLst meth="repeat">
+      <a:schemeClr val="accent2">
+        <a:tint val="50000"/>
+      </a:schemeClr>
+    </dgm:fillClrLst>
+    <dgm:linClrLst meth="repeat">
+      <a:schemeClr val="lt1"/>
+    </dgm:linClrLst>
+    <dgm:effectClrLst/>
+    <dgm:txLinClrLst/>
+    <dgm:txFillClrLst meth="repeat">
+      <a:schemeClr val="lt1"/>
+    </dgm:txFillClrLst>
+    <dgm:txEffectClrLst/>
+  </dgm:styleLbl>
+  <dgm:styleLbl name="sibTrans2D1">
+    <dgm:fillClrLst meth="repeat">
+      <a:schemeClr val="accent2">
+        <a:tint val="60000"/>
+      </a:schemeClr>
+    </dgm:fillClrLst>
+    <dgm:linClrLst meth="repeat">
+      <a:schemeClr val="accent2">
+        <a:tint val="60000"/>
+      </a:schemeClr>
+    </dgm:linClrLst>
+    <dgm:effectClrLst/>
+    <dgm:txLinClrLst/>
+    <dgm:txFillClrLst/>
+    <dgm:txEffectClrLst/>
+  </dgm:styleLbl>
+  <dgm:styleLbl name="fgSibTrans2D1">
+    <dgm:fillClrLst meth="repeat">
+      <a:schemeClr val="accent2">
+        <a:tint val="60000"/>
+      </a:schemeClr>
+    </dgm:fillClrLst>
+    <dgm:linClrLst meth="repeat">
+      <a:schemeClr val="accent2">
+        <a:tint val="60000"/>
+      </a:schemeClr>
+    </dgm:linClrLst>
+    <dgm:effectClrLst/>
+    <dgm:txLinClrLst/>
+    <dgm:txFillClrLst/>
+    <dgm:txEffectClrLst/>
+  </dgm:styleLbl>
+  <dgm:styleLbl name="bgSibTrans2D1">
+    <dgm:fillClrLst meth="repeat">
+      <a:schemeClr val="accent2">
+        <a:tint val="60000"/>
+      </a:schemeClr>
+    </dgm:fillClrLst>
+    <dgm:linClrLst meth="repeat">
+      <a:schemeClr val="accent2">
+        <a:tint val="60000"/>
+      </a:schemeClr>
+    </dgm:linClrLst>
+    <dgm:effectClrLst/>
+    <dgm:txLinClrLst/>
+    <dgm:txFillClrLst/>
+    <dgm:txEffectClrLst/>
+  </dgm:styleLbl>
+  <dgm:styleLbl name="sibTrans1D1">
+    <dgm:fillClrLst meth="repeat">
+      <a:schemeClr val="accent2"/>
+    </dgm:fillClrLst>
+    <dgm:linClrLst meth="repeat">
+      <a:schemeClr val="accent2"/>
+    </dgm:linClrLst>
+    <dgm:effectClrLst/>
+    <dgm:txLinClrLst/>
+    <dgm:txFillClrLst meth="repeat">
+      <a:schemeClr val="tx1"/>
+    </dgm:txFillClrLst>
+    <dgm:txEffectClrLst/>
+  </dgm:styleLbl>
+  <dgm:styleLbl name="callout">
+    <dgm:fillClrLst meth="repeat">
+      <a:schemeClr val="accent2"/>
+    </dgm:fillClrLst>
+    <dgm:linClrLst meth="repeat">
+      <a:schemeClr val="accent2">
+        <a:tint val="50000"/>
+      </a:schemeClr>
+    </dgm:linClrLst>
+    <dgm:effectClrLst/>
+    <dgm:txLinClrLst/>
+    <dgm:txFillClrLst meth="repeat">
+      <a:schemeClr val="tx1"/>
+    </dgm:txFillClrLst>
+    <dgm:txEffectClrLst/>
+  </dgm:styleLbl>
+  <dgm:styleLbl name="asst0">
+    <dgm:fillClrLst meth="repeat">
+      <a:schemeClr val="accent2"/>
+    </dgm:fillClrLst>
+    <dgm:linClrLst meth="repeat">
+      <a:schemeClr val="lt1"/>
+    </dgm:linClrLst>
+    <dgm:effectClrLst/>
+    <dgm:txLinClrLst/>
+    <dgm:txFillClrLst/>
+    <dgm:txEffectClrLst/>
+  </dgm:styleLbl>
+  <dgm:styleLbl name="asst1">
+    <dgm:fillClrLst meth="repeat">
+      <a:schemeClr val="accent2"/>
+    </dgm:fillClrLst>
+    <dgm:linClrLst meth="repeat">
+      <a:schemeClr val="lt1"/>
+    </dgm:linClrLst>
+    <dgm:effectClrLst/>
+    <dgm:txLinClrLst/>
+    <dgm:txFillClrLst/>
+    <dgm:txEffectClrLst/>
+  </dgm:styleLbl>
+  <dgm:styleLbl name="asst2">
+    <dgm:fillClrLst meth="repeat">
+      <a:schemeClr val="accent2"/>
+    </dgm:fillClrLst>
+    <dgm:linClrLst meth="repeat">
+      <a:schemeClr val="lt1"/>
+    </dgm:linClrLst>
+    <dgm:effectClrLst/>
+    <dgm:txLinClrLst/>
+    <dgm:txFillClrLst/>
+    <dgm:txEffectClrLst/>
+  </dgm:styleLbl>
+  <dgm:styleLbl name="asst3">
+    <dgm:fillClrLst meth="repeat">
+      <a:schemeClr val="accent2"/>
+    </dgm:fillClrLst>
+    <dgm:linClrLst meth="repeat">
+      <a:schemeClr val="lt1"/>
+    </dgm:linClrLst>
+    <dgm:effectClrLst/>
+    <dgm:txLinClrLst/>
+    <dgm:txFillClrLst/>
+    <dgm:txEffectClrLst/>
+  </dgm:styleLbl>
+  <dgm:styleLbl name="asst4">
+    <dgm:fillClrLst meth="repeat">
+      <a:schemeClr val="accent2"/>
+    </dgm:fillClrLst>
+    <dgm:linClrLst meth="repeat">
+      <a:schemeClr val="lt1"/>
+    </dgm:linClrLst>
+    <dgm:effectClrLst/>
+    <dgm:txLinClrLst/>
+    <dgm:txFillClrLst/>
+    <dgm:txEffectClrLst/>
+  </dgm:styleLbl>
+  <dgm:styleLbl name="parChTrans2D1">
+    <dgm:fillClrLst meth="repeat">
+      <a:schemeClr val="accent2">
+        <a:tint val="60000"/>
+      </a:schemeClr>
+    </dgm:fillClrLst>
+    <dgm:linClrLst meth="repeat">
+      <a:schemeClr val="accent2">
+        <a:tint val="60000"/>
+      </a:schemeClr>
+    </dgm:linClrLst>
+    <dgm:effectClrLst/>
+    <dgm:txLinClrLst/>
+    <dgm:txFillClrLst meth="repeat">
+      <a:schemeClr val="lt1"/>
+    </dgm:txFillClrLst>
+    <dgm:txEffectClrLst/>
+  </dgm:styleLbl>
+  <dgm:styleLbl name="parChTrans2D2">
+    <dgm:fillClrLst meth="repeat">
+      <a:schemeClr val="accent2"/>
+    </dgm:fillClrLst>
+    <dgm:linClrLst meth="repeat">
+      <a:schemeClr val="accent2"/>
+    </dgm:linClrLst>
+    <dgm:effectClrLst/>
+    <dgm:txLinClrLst/>
+    <dgm:txFillClrLst meth="repeat">
+      <a:schemeClr val="lt1"/>
+    </dgm:txFillClrLst>
+    <dgm:txEffectClrLst/>
+  </dgm:styleLbl>
+  <dgm:styleLbl name="parChTrans2D3">
+    <dgm:fillClrLst meth="repeat">
+      <a:schemeClr val="accent2"/>
+    </dgm:fillClrLst>
+    <dgm:linClrLst meth="repeat">
+      <a:schemeClr val="accent2"/>
+    </dgm:linClrLst>
+    <dgm:effectClrLst/>
+    <dgm:txLinClrLst/>
+    <dgm:txFillClrLst meth="repeat">
+      <a:schemeClr val="lt1"/>
+    </dgm:txFillClrLst>
+    <dgm:txEffectClrLst/>
+  </dgm:styleLbl>
+  <dgm:styleLbl name="parChTrans2D4">
+    <dgm:fillClrLst meth="repeat">
+      <a:schemeClr val="accent2"/>
+    </dgm:fillClrLst>
+    <dgm:linClrLst meth="repeat">
+      <a:schemeClr val="accent2"/>
+    </dgm:linClrLst>
+    <dgm:effectClrLst/>
+    <dgm:txLinClrLst/>
+    <dgm:txFillClrLst meth="repeat">
+      <a:schemeClr val="lt1"/>
+    </dgm:txFillClrLst>
+    <dgm:txEffectClrLst/>
+  </dgm:styleLbl>
+  <dgm:styleLbl name="parChTrans1D1">
+    <dgm:fillClrLst meth="repeat">
+      <a:schemeClr val="accent2"/>
+    </dgm:fillClrLst>
+    <dgm:linClrLst meth="repeat">
+      <a:schemeClr val="accent2">
+        <a:shade val="60000"/>
+      </a:schemeClr>
+    </dgm:linClrLst>
+    <dgm:effectClrLst/>
+    <dgm:txLinClrLst/>
+    <dgm:txFillClrLst meth="repeat">
+      <a:schemeClr val="tx1"/>
+    </dgm:txFillClrLst>
+    <dgm:txEffectClrLst/>
+  </dgm:styleLbl>
+  <dgm:styleLbl name="parChTrans1D2">
+    <dgm:fillClrLst meth="repeat">
+      <a:schemeClr val="accent2"/>
+    </dgm:fillClrLst>
+    <dgm:linClrLst meth="repeat">
+      <a:schemeClr val="accent2">
+        <a:shade val="60000"/>
+      </a:schemeClr>
+    </dgm:linClrLst>
+    <dgm:effectClrLst/>
+    <dgm:txLinClrLst/>
+    <dgm:txFillClrLst meth="repeat">
+      <a:schemeClr val="tx1"/>
+    </dgm:txFillClrLst>
+    <dgm:txEffectClrLst/>
+  </dgm:styleLbl>
+  <dgm:styleLbl name="parChTrans1D3">
+    <dgm:fillClrLst meth="repeat">
+      <a:schemeClr val="accent2"/>
+    </dgm:fillClrLst>
+    <dgm:linClrLst meth="repeat">
+      <a:schemeClr val="accent2">
+        <a:shade val="80000"/>
+      </a:schemeClr>
+    </dgm:linClrLst>
+    <dgm:effectClrLst/>
+    <dgm:txLinClrLst/>
+    <dgm:txFillClrLst meth="repeat">
+      <a:schemeClr val="tx1"/>
+    </dgm:txFillClrLst>
+    <dgm:txEffectClrLst/>
+  </dgm:styleLbl>
+  <dgm:styleLbl name="parChTrans1D4">
+    <dgm:fillClrLst meth="repeat">
+      <a:schemeClr val="accent2"/>
+    </dgm:fillClrLst>
+    <dgm:linClrLst meth="repeat">
+      <a:schemeClr val="accent2">
+        <a:shade val="80000"/>
+      </a:schemeClr>
+    </dgm:linClrLst>
+    <dgm:effectClrLst/>
+    <dgm:txLinClrLst/>
+    <dgm:txFillClrLst meth="repeat">
+      <a:schemeClr val="tx1"/>
+    </dgm:txFillClrLst>
+    <dgm:txEffectClrLst/>
+  </dgm:styleLbl>
+  <dgm:styleLbl name="fgAcc1">
+    <dgm:fillClrLst meth="repeat">
+      <a:schemeClr val="lt1">
+        <a:alpha val="90000"/>
+      </a:schemeClr>
+    </dgm:fillClrLst>
+    <dgm:linClrLst meth="repeat">
+      <a:schemeClr val="accent2"/>
+    </dgm:linClrLst>
+    <dgm:effectClrLst/>
+    <dgm:txLinClrLst/>
+    <dgm:txFillClrLst meth="repeat">
+      <a:schemeClr val="dk1"/>
+    </dgm:txFillClrLst>
+    <dgm:txEffectClrLst/>
+  </dgm:styleLbl>
+  <dgm:styleLbl name="conFgAcc1">
+    <dgm:fillClrLst meth="repeat">
+      <a:schemeClr val="lt1">
+        <a:alpha val="90000"/>
+      </a:schemeClr>
+    </dgm:fillClrLst>
+    <dgm:linClrLst meth="repeat">
+      <a:schemeClr val="accent2"/>
+    </dgm:linClrLst>
+    <dgm:effectClrLst/>
+    <dgm:txLinClrLst/>
+    <dgm:txFillClrLst meth="repeat">
+      <a:schemeClr val="dk1"/>
+    </dgm:txFillClrLst>
+    <dgm:txEffectClrLst/>
+  </dgm:styleLbl>
+  <dgm:styleLbl name="alignAcc1">
+    <dgm:fillClrLst meth="repeat">
+      <a:schemeClr val="lt1">
+        <a:alpha val="90000"/>
+      </a:schemeClr>
+    </dgm:fillClrLst>
+    <dgm:linClrLst meth="repeat">
+      <a:schemeClr val="accent2"/>
+    </dgm:linClrLst>
+    <dgm:effectClrLst/>
+    <dgm:txLinClrLst/>
+    <dgm:txFillClrLst meth="repeat">
+      <a:schemeClr val="dk1"/>
+    </dgm:txFillClrLst>
+    <dgm:txEffectClrLst/>
+  </dgm:styleLbl>
+  <dgm:styleLbl name="trAlignAcc1">
+    <dgm:fillClrLst meth="repeat">
+      <a:schemeClr val="lt1">
+        <a:alpha val="40000"/>
+      </a:schemeClr>
+    </dgm:fillClrLst>
+    <dgm:linClrLst meth="repeat">
+      <a:schemeClr val="accent2"/>
+    </dgm:linClrLst>
+    <dgm:effectClrLst/>
+    <dgm:txLinClrLst/>
+    <dgm:txFillClrLst meth="repeat">
+      <a:schemeClr val="dk1"/>
+    </dgm:txFillClrLst>
+    <dgm:txEffectClrLst/>
+  </dgm:styleLbl>
+  <dgm:styleLbl name="bgAcc1">
+    <dgm:fillClrLst meth="repeat">
+      <a:schemeClr val="lt1">
+        <a:alpha val="90000"/>
+      </a:schemeClr>
+    </dgm:fillClrLst>
+    <dgm:linClrLst meth="repeat">
+      <a:schemeClr val="accent2"/>
+    </dgm:linClrLst>
+    <dgm:effectClrLst/>
+    <dgm:txLinClrLst/>
+    <dgm:txFillClrLst meth="repeat">
+      <a:schemeClr val="dk1"/>
+    </dgm:txFillClrLst>
+    <dgm:txEffectClrLst/>
+  </dgm:styleLbl>
+  <dgm:styleLbl name="solidFgAcc1">
+    <dgm:fillClrLst meth="repeat">
+      <a:schemeClr val="lt1"/>
+    </dgm:fillClrLst>
+    <dgm:linClrLst meth="repeat">
+      <a:schemeClr val="accent2"/>
+    </dgm:linClrLst>
+    <dgm:effectClrLst/>
+    <dgm:txLinClrLst/>
+    <dgm:txFillClrLst meth="repeat">
+      <a:schemeClr val="dk1"/>
+    </dgm:txFillClrLst>
+    <dgm:txEffectClrLst/>
+  </dgm:styleLbl>
+  <dgm:styleLbl name="solidAlignAcc1">
+    <dgm:fillClrLst meth="repeat">
+      <a:schemeClr val="lt1"/>
+    </dgm:fillClrLst>
+    <dgm:linClrLst meth="repeat">
+      <a:schemeClr val="accent2"/>
+    </dgm:linClrLst>
+    <dgm:effectClrLst/>
+    <dgm:txLinClrLst/>
+    <dgm:txFillClrLst meth="repeat">
+      <a:schemeClr val="dk1"/>
+    </dgm:txFillClrLst>
+    <dgm:txEffectClrLst/>
+  </dgm:styleLbl>
+  <dgm:styleLbl name="solidBgAcc1">
+    <dgm:fillClrLst meth="repeat">
+      <a:schemeClr val="lt1"/>
+    </dgm:fillClrLst>
+    <dgm:linClrLst meth="repeat">
+      <a:schemeClr val="accent2"/>
+    </dgm:linClrLst>
+    <dgm:effectClrLst/>
+    <dgm:txLinClrLst/>
+    <dgm:txFillClrLst meth="repeat">
+      <a:schemeClr val="dk1"/>
+    </dgm:txFillClrLst>
+    <dgm:txEffectClrLst/>
+  </dgm:styleLbl>
+  <dgm:styleLbl name="fgAccFollowNode1">
+    <dgm:fillClrLst meth="repeat">
+      <a:schemeClr val="accent2">
+        <a:alpha val="90000"/>
+        <a:tint val="40000"/>
+      </a:schemeClr>
+    </dgm:fillClrLst>
+    <dgm:linClrLst meth="repeat">
+      <a:schemeClr val="accent2">
+        <a:alpha val="90000"/>
+        <a:tint val="40000"/>
+      </a:schemeClr>
+    </dgm:linClrLst>
+    <dgm:effectClrLst/>
+    <dgm:txLinClrLst/>
+    <dgm:txFillClrLst meth="repeat">
+      <a:schemeClr val="dk1"/>
+    </dgm:txFillClrLst>
+    <dgm:txEffectClrLst/>
+  </dgm:styleLbl>
+  <dgm:styleLbl name="alignAccFollowNode1">
+    <dgm:fillClrLst meth="repeat">
+      <a:schemeClr val="accent2">
+        <a:alpha val="90000"/>
+        <a:tint val="40000"/>
+      </a:schemeClr>
+    </dgm:fillClrLst>
+    <dgm:linClrLst meth="repeat">
+      <a:schemeClr val="accent2">
+        <a:alpha val="90000"/>
+        <a:tint val="40000"/>
+      </a:schemeClr>
+    </dgm:linClrLst>
+    <dgm:effectClrLst/>
+    <dgm:txLinClrLst/>
+    <dgm:txFillClrLst meth="repeat">
+      <a:schemeClr val="dk1"/>
+    </dgm:txFillClrLst>
+    <dgm:txEffectClrLst/>
+  </dgm:styleLbl>
+  <dgm:styleLbl name="bgAccFollowNode1">
+    <dgm:fillClrLst meth="repeat">
+      <a:schemeClr val="accent2">
+        <a:alpha val="90000"/>
+        <a:tint val="40000"/>
+      </a:schemeClr>
+    </dgm:fillClrLst>
+    <dgm:linClrLst meth="repeat">
+      <a:schemeClr val="accent2">
+        <a:alpha val="90000"/>
+        <a:tint val="40000"/>
+      </a:schemeClr>
+    </dgm:linClrLst>
+    <dgm:effectClrLst/>
+    <dgm:txLinClrLst/>
+    <dgm:txFillClrLst meth="repeat">
+      <a:schemeClr val="dk1"/>
+    </dgm:txFillClrLst>
+    <dgm:txEffectClrLst/>
+  </dgm:styleLbl>
+  <dgm:styleLbl name="fgAcc0">
+    <dgm:fillClrLst meth="repeat">
+      <a:schemeClr val="lt1">
+        <a:alpha val="90000"/>
+      </a:schemeClr>
+    </dgm:fillClrLst>
+    <dgm:linClrLst meth="repeat">
+      <a:schemeClr val="accent2"/>
+    </dgm:linClrLst>
+    <dgm:effectClrLst/>
+    <dgm:txLinClrLst/>
+    <dgm:txFillClrLst meth="repeat">
+      <a:schemeClr val="dk1"/>
+    </dgm:txFillClrLst>
+    <dgm:txEffectClrLst/>
+  </dgm:styleLbl>
+  <dgm:styleLbl name="fgAcc2">
+    <dgm:fillClrLst meth="repeat">
+      <a:schemeClr val="lt1">
+        <a:alpha val="90000"/>
+      </a:schemeClr>
+    </dgm:fillClrLst>
+    <dgm:linClrLst meth="repeat">
+      <a:schemeClr val="accent2"/>
+    </dgm:linClrLst>
+    <dgm:effectClrLst/>
+    <dgm:txLinClrLst/>
+    <dgm:txFillClrLst meth="repeat">
+      <a:schemeClr val="dk1"/>
+    </dgm:txFillClrLst>
+    <dgm:txEffectClrLst/>
+  </dgm:styleLbl>
+  <dgm:styleLbl name="fgAcc3">
+    <dgm:fillClrLst meth="repeat">
+      <a:schemeClr val="lt1">
+        <a:alpha val="90000"/>
+      </a:schemeClr>
+    </dgm:fillClrLst>
+    <dgm:linClrLst meth="repeat">
+      <a:schemeClr val="accent2"/>
+    </dgm:linClrLst>
+    <dgm:effectClrLst/>
+    <dgm:txLinClrLst/>
+    <dgm:txFillClrLst meth="repeat">
+      <a:schemeClr val="dk1"/>
+    </dgm:txFillClrLst>
+    <dgm:txEffectClrLst/>
+  </dgm:styleLbl>
+  <dgm:styleLbl name="fgAcc4">
+    <dgm:fillClrLst meth="repeat">
+      <a:schemeClr val="lt1">
+        <a:alpha val="90000"/>
+      </a:schemeClr>
+    </dgm:fillClrLst>
+    <dgm:linClrLst meth="repeat">
+      <a:schemeClr val="accent2"/>
+    </dgm:linClrLst>
+    <dgm:effectClrLst/>
+    <dgm:txLinClrLst/>
+    <dgm:txFillClrLst meth="repeat">
+      <a:schemeClr val="dk1"/>
+    </dgm:txFillClrLst>
+    <dgm:txEffectClrLst/>
+  </dgm:styleLbl>
+  <dgm:styleLbl name="bgShp">
+    <dgm:fillClrLst meth="repeat">
+      <a:schemeClr val="accent2">
+        <a:tint val="40000"/>
+      </a:schemeClr>
+    </dgm:fillClrLst>
+    <dgm:linClrLst meth="repeat">
+      <a:schemeClr val="accent2"/>
+    </dgm:linClrLst>
+    <dgm:effectClrLst/>
+    <dgm:txLinClrLst/>
+    <dgm:txFillClrLst meth="repeat">
+      <a:schemeClr val="dk1"/>
+    </dgm:txFillClrLst>
+    <dgm:txEffectClrLst/>
+  </dgm:styleLbl>
+  <dgm:styleLbl name="dkBgShp">
+    <dgm:fillClrLst meth="repeat">
+      <a:schemeClr val="accent2">
+        <a:shade val="80000"/>
+      </a:schemeClr>
+    </dgm:fillClrLst>
+    <dgm:linClrLst meth="repeat">
+      <a:schemeClr val="accent2"/>
+    </dgm:linClrLst>
+    <dgm:effectClrLst/>
+    <dgm:txLinClrLst/>
+    <dgm:txFillClrLst meth="repeat">
+      <a:schemeClr val="lt1"/>
+    </dgm:txFillClrLst>
+    <dgm:txEffectClrLst/>
+  </dgm:styleLbl>
+  <dgm:styleLbl name="trBgShp">
+    <dgm:fillClrLst meth="repeat">
+      <a:schemeClr val="accent2">
+        <a:tint val="50000"/>
+        <a:alpha val="40000"/>
+      </a:schemeClr>
+    </dgm:fillClrLst>
+    <dgm:linClrLst meth="repeat">
+      <a:schemeClr val="accent2"/>
+    </dgm:linClrLst>
+    <dgm:effectClrLst/>
+    <dgm:txLinClrLst/>
+    <dgm:txFillClrLst meth="repeat">
+      <a:schemeClr val="lt1"/>
+    </dgm:txFillClrLst>
+    <dgm:txEffectClrLst/>
+  </dgm:styleLbl>
+  <dgm:styleLbl name="fgShp">
+    <dgm:fillClrLst meth="repeat">
+      <a:schemeClr val="accent2">
+        <a:tint val="60000"/>
+      </a:schemeClr>
+    </dgm:fillClrLst>
+    <dgm:linClrLst meth="repeat">
+      <a:schemeClr val="lt1"/>
+    </dgm:linClrLst>
+    <dgm:effectClrLst/>
+    <dgm:txLinClrLst/>
+    <dgm:txFillClrLst meth="repeat">
+      <a:schemeClr val="dk1"/>
+    </dgm:txFillClrLst>
+    <dgm:txEffectClrLst/>
+  </dgm:styleLbl>
+  <dgm:styleLbl name="revTx">
+    <dgm:fillClrLst meth="repeat">
+      <a:schemeClr val="lt1">
+        <a:alpha val="0"/>
+      </a:schemeClr>
+    </dgm:fillClrLst>
+    <dgm:linClrLst meth="repeat">
+      <a:schemeClr val="dk1">
+        <a:alpha val="0"/>
+      </a:schemeClr>
+    </dgm:linClrLst>
+    <dgm:effectClrLst/>
+    <dgm:txLinClrLst/>
+    <dgm:txFillClrLst meth="repeat">
+      <a:schemeClr val="tx1"/>
+    </dgm:txFillClrLst>
+    <dgm:txEffectClrLst/>
+  </dgm:styleLbl>
+</dgm:colorsDef>
+</file>
+
+<file path=ppt/diagrams/data1.xml><?xml version="1.0" encoding="utf-8"?>
+<dgm:dataModel xmlns:dgm="http://schemas.openxmlformats.org/drawingml/2006/diagram" xmlns:a="http://schemas.openxmlformats.org/drawingml/2006/main">
+  <dgm:ptLst>
+    <dgm:pt modelId="{BC72F168-8872-45A1-8AAF-3158ED713FBC}" type="doc">
+      <dgm:prSet loTypeId="urn:microsoft.com/office/officeart/2008/layout/LinedList" loCatId="list" qsTypeId="urn:microsoft.com/office/officeart/2005/8/quickstyle/simple4" qsCatId="simple" csTypeId="urn:microsoft.com/office/officeart/2005/8/colors/accent2_2" csCatId="accent2" phldr="1"/>
+      <dgm:spPr/>
+      <dgm:t>
+        <a:bodyPr/>
+        <a:lstStyle/>
+        <a:p>
+          <a:endParaRPr lang="en-US"/>
+        </a:p>
+      </dgm:t>
+    </dgm:pt>
+    <dgm:pt modelId="{82E54ED8-19BB-4C55-A3F5-0D6820A02B0C}">
+      <dgm:prSet/>
+      <dgm:spPr/>
+      <dgm:t>
+        <a:bodyPr/>
+        <a:lstStyle/>
+        <a:p>
+          <a:r>
+            <a:rPr lang="en-US" dirty="0"/>
+            <a:t>Business Opportunity</a:t>
+          </a:r>
+        </a:p>
+      </dgm:t>
+    </dgm:pt>
+    <dgm:pt modelId="{46443E6B-7CBF-42E4-87CC-0AE27384AED3}" type="parTrans" cxnId="{55F0CB7C-D60C-4349-89D0-73A7251CE806}">
+      <dgm:prSet/>
+      <dgm:spPr/>
+      <dgm:t>
+        <a:bodyPr/>
+        <a:lstStyle/>
+        <a:p>
+          <a:endParaRPr lang="en-US"/>
+        </a:p>
+      </dgm:t>
+    </dgm:pt>
+    <dgm:pt modelId="{A8EF75EF-0917-4C03-A400-C2685FC85587}" type="sibTrans" cxnId="{55F0CB7C-D60C-4349-89D0-73A7251CE806}">
+      <dgm:prSet/>
+      <dgm:spPr/>
+      <dgm:t>
+        <a:bodyPr/>
+        <a:lstStyle/>
+        <a:p>
+          <a:endParaRPr lang="en-US"/>
+        </a:p>
+      </dgm:t>
+    </dgm:pt>
+    <dgm:pt modelId="{C0350612-A9D3-4588-A04D-1E98C8B850FF}">
+      <dgm:prSet/>
+      <dgm:spPr/>
+      <dgm:t>
+        <a:bodyPr/>
+        <a:lstStyle/>
+        <a:p>
+          <a:r>
+            <a:rPr lang="en-US" dirty="0"/>
+            <a:t>Summary</a:t>
+          </a:r>
+        </a:p>
+      </dgm:t>
+    </dgm:pt>
+    <dgm:pt modelId="{79C25E01-4830-442D-BF7C-6BDA144B8691}" type="parTrans" cxnId="{E0DCEE17-FFC8-479C-8FEF-38238E37838C}">
+      <dgm:prSet/>
+      <dgm:spPr/>
+      <dgm:t>
+        <a:bodyPr/>
+        <a:lstStyle/>
+        <a:p>
+          <a:endParaRPr lang="en-US"/>
+        </a:p>
+      </dgm:t>
+    </dgm:pt>
+    <dgm:pt modelId="{8F9A6A06-C58A-45E9-BEB5-199853335F3F}" type="sibTrans" cxnId="{E0DCEE17-FFC8-479C-8FEF-38238E37838C}">
+      <dgm:prSet/>
+      <dgm:spPr/>
+      <dgm:t>
+        <a:bodyPr/>
+        <a:lstStyle/>
+        <a:p>
+          <a:endParaRPr lang="en-US"/>
+        </a:p>
+      </dgm:t>
+    </dgm:pt>
+    <dgm:pt modelId="{45E69A1E-3364-4855-AB44-AE1B1BD94F43}">
+      <dgm:prSet/>
+      <dgm:spPr/>
+      <dgm:t>
+        <a:bodyPr/>
+        <a:lstStyle/>
+        <a:p>
+          <a:r>
+            <a:rPr lang="en-US" dirty="0"/>
+            <a:t>Data</a:t>
+          </a:r>
+        </a:p>
+      </dgm:t>
+    </dgm:pt>
+    <dgm:pt modelId="{4A1811D3-BE02-432B-B860-E57053A837D5}" type="parTrans" cxnId="{426672F6-4BFF-44A7-8864-A8F24DA52247}">
+      <dgm:prSet/>
+      <dgm:spPr/>
+      <dgm:t>
+        <a:bodyPr/>
+        <a:lstStyle/>
+        <a:p>
+          <a:endParaRPr lang="en-US"/>
+        </a:p>
+      </dgm:t>
+    </dgm:pt>
+    <dgm:pt modelId="{56B55F3E-45CD-4C88-B885-2D4A19ED23D0}" type="sibTrans" cxnId="{426672F6-4BFF-44A7-8864-A8F24DA52247}">
+      <dgm:prSet/>
+      <dgm:spPr/>
+      <dgm:t>
+        <a:bodyPr/>
+        <a:lstStyle/>
+        <a:p>
+          <a:endParaRPr lang="en-US"/>
+        </a:p>
+      </dgm:t>
+    </dgm:pt>
+    <dgm:pt modelId="{7DEBCF3C-9749-41D2-8721-15BF739F5607}">
+      <dgm:prSet/>
+      <dgm:spPr/>
+      <dgm:t>
+        <a:bodyPr/>
+        <a:lstStyle/>
+        <a:p>
+          <a:r>
+            <a:rPr lang="en-US"/>
+            <a:t>Methods</a:t>
+          </a:r>
+        </a:p>
+      </dgm:t>
+    </dgm:pt>
+    <dgm:pt modelId="{7EADD517-4840-4ECE-B0EE-5A2D6FFACA59}" type="parTrans" cxnId="{CD8CA16F-117B-4A75-9BAE-581A4833D728}">
+      <dgm:prSet/>
+      <dgm:spPr/>
+      <dgm:t>
+        <a:bodyPr/>
+        <a:lstStyle/>
+        <a:p>
+          <a:endParaRPr lang="en-US"/>
+        </a:p>
+      </dgm:t>
+    </dgm:pt>
+    <dgm:pt modelId="{53696F31-D819-431B-A1E9-466570F46881}" type="sibTrans" cxnId="{CD8CA16F-117B-4A75-9BAE-581A4833D728}">
+      <dgm:prSet/>
+      <dgm:spPr/>
+      <dgm:t>
+        <a:bodyPr/>
+        <a:lstStyle/>
+        <a:p>
+          <a:endParaRPr lang="en-US"/>
+        </a:p>
+      </dgm:t>
+    </dgm:pt>
+    <dgm:pt modelId="{BE40F1FC-8BF7-4248-AA7A-6CFAD04603DD}">
+      <dgm:prSet/>
+      <dgm:spPr/>
+      <dgm:t>
+        <a:bodyPr/>
+        <a:lstStyle/>
+        <a:p>
+          <a:r>
+            <a:rPr lang="en-US"/>
+            <a:t>Results</a:t>
+          </a:r>
+        </a:p>
+      </dgm:t>
+    </dgm:pt>
+    <dgm:pt modelId="{E432068E-44C6-4CB0-8D88-7E41337C5BAD}" type="parTrans" cxnId="{83B87251-340A-459D-9F29-CD2856C4FB97}">
+      <dgm:prSet/>
+      <dgm:spPr/>
+      <dgm:t>
+        <a:bodyPr/>
+        <a:lstStyle/>
+        <a:p>
+          <a:endParaRPr lang="en-US"/>
+        </a:p>
+      </dgm:t>
+    </dgm:pt>
+    <dgm:pt modelId="{5B8E75FB-004C-4E0E-B22E-BF6865D0B8BD}" type="sibTrans" cxnId="{83B87251-340A-459D-9F29-CD2856C4FB97}">
+      <dgm:prSet/>
+      <dgm:spPr/>
+      <dgm:t>
+        <a:bodyPr/>
+        <a:lstStyle/>
+        <a:p>
+          <a:endParaRPr lang="en-US"/>
+        </a:p>
+      </dgm:t>
+    </dgm:pt>
+    <dgm:pt modelId="{5E5956B9-57CC-43EC-AE69-DAD24282660C}">
+      <dgm:prSet/>
+      <dgm:spPr/>
+      <dgm:t>
+        <a:bodyPr/>
+        <a:lstStyle/>
+        <a:p>
+          <a:r>
+            <a:rPr lang="en-US" dirty="0"/>
+            <a:t>Conclusions</a:t>
+          </a:r>
+        </a:p>
+      </dgm:t>
+    </dgm:pt>
+    <dgm:pt modelId="{102DD32B-BE1C-41D6-8129-E376B0A0501C}" type="parTrans" cxnId="{748689DD-072A-4E31-984E-ECE69F542963}">
+      <dgm:prSet/>
+      <dgm:spPr/>
+      <dgm:t>
+        <a:bodyPr/>
+        <a:lstStyle/>
+        <a:p>
+          <a:endParaRPr lang="en-US"/>
+        </a:p>
+      </dgm:t>
+    </dgm:pt>
+    <dgm:pt modelId="{139B8780-8C73-4365-93D9-72C8F8BF93B0}" type="sibTrans" cxnId="{748689DD-072A-4E31-984E-ECE69F542963}">
+      <dgm:prSet/>
+      <dgm:spPr/>
+      <dgm:t>
+        <a:bodyPr/>
+        <a:lstStyle/>
+        <a:p>
+          <a:endParaRPr lang="en-US"/>
+        </a:p>
+      </dgm:t>
+    </dgm:pt>
+    <dgm:pt modelId="{9BF00837-22A9-C549-9810-5AE17191159D}">
+      <dgm:prSet/>
+      <dgm:spPr/>
+      <dgm:t>
+        <a:bodyPr/>
+        <a:lstStyle/>
+        <a:p>
+          <a:r>
+            <a:rPr lang="en-US" dirty="0"/>
+            <a:t>Further Study</a:t>
+          </a:r>
+        </a:p>
+      </dgm:t>
+    </dgm:pt>
+    <dgm:pt modelId="{1CEB22DD-7B07-6E41-90D7-16DA25C9ABC6}" type="parTrans" cxnId="{EB874820-223D-114B-B41D-72792717819D}">
+      <dgm:prSet/>
+      <dgm:spPr/>
+      <dgm:t>
+        <a:bodyPr/>
+        <a:lstStyle/>
+        <a:p>
+          <a:endParaRPr lang="en-US"/>
+        </a:p>
+      </dgm:t>
+    </dgm:pt>
+    <dgm:pt modelId="{A52BB50D-C371-AC4F-B174-4169C3AC210C}" type="sibTrans" cxnId="{EB874820-223D-114B-B41D-72792717819D}">
+      <dgm:prSet/>
+      <dgm:spPr/>
+      <dgm:t>
+        <a:bodyPr/>
+        <a:lstStyle/>
+        <a:p>
+          <a:endParaRPr lang="en-US"/>
+        </a:p>
+      </dgm:t>
+    </dgm:pt>
+    <dgm:pt modelId="{F2A35F5C-D629-F34B-9050-C981ECCC71F9}" type="pres">
+      <dgm:prSet presAssocID="{BC72F168-8872-45A1-8AAF-3158ED713FBC}" presName="vert0" presStyleCnt="0">
+        <dgm:presLayoutVars>
+          <dgm:dir/>
+          <dgm:animOne val="branch"/>
+          <dgm:animLvl val="lvl"/>
+        </dgm:presLayoutVars>
+      </dgm:prSet>
+      <dgm:spPr/>
+    </dgm:pt>
+    <dgm:pt modelId="{593388A4-D340-1443-A6C2-42F4E98C34F2}" type="pres">
+      <dgm:prSet presAssocID="{82E54ED8-19BB-4C55-A3F5-0D6820A02B0C}" presName="thickLine" presStyleLbl="alignNode1" presStyleIdx="0" presStyleCnt="7"/>
+      <dgm:spPr/>
+    </dgm:pt>
+    <dgm:pt modelId="{6AD1AD0E-1227-154E-B3FB-E67E00980432}" type="pres">
+      <dgm:prSet presAssocID="{82E54ED8-19BB-4C55-A3F5-0D6820A02B0C}" presName="horz1" presStyleCnt="0"/>
+      <dgm:spPr/>
+    </dgm:pt>
+    <dgm:pt modelId="{8A2BF7CB-C25A-8B4F-B211-6A4B60D53E59}" type="pres">
+      <dgm:prSet presAssocID="{82E54ED8-19BB-4C55-A3F5-0D6820A02B0C}" presName="tx1" presStyleLbl="revTx" presStyleIdx="0" presStyleCnt="7" custScaleX="446905"/>
+      <dgm:spPr/>
+    </dgm:pt>
+    <dgm:pt modelId="{75F3171A-CB2E-5A4C-9140-195C359E536B}" type="pres">
+      <dgm:prSet presAssocID="{82E54ED8-19BB-4C55-A3F5-0D6820A02B0C}" presName="vert1" presStyleCnt="0"/>
+      <dgm:spPr/>
+    </dgm:pt>
+    <dgm:pt modelId="{8B31FEDC-4082-0142-9CB1-F5361D07D5D7}" type="pres">
+      <dgm:prSet presAssocID="{C0350612-A9D3-4588-A04D-1E98C8B850FF}" presName="thickLine" presStyleLbl="alignNode1" presStyleIdx="1" presStyleCnt="7"/>
+      <dgm:spPr/>
+    </dgm:pt>
+    <dgm:pt modelId="{4C949DA8-1D7D-9F4B-93EC-2561E22D7610}" type="pres">
+      <dgm:prSet presAssocID="{C0350612-A9D3-4588-A04D-1E98C8B850FF}" presName="horz1" presStyleCnt="0"/>
+      <dgm:spPr/>
+    </dgm:pt>
+    <dgm:pt modelId="{6E34C315-F2FB-F346-BBFA-2FFB8DA1C12F}" type="pres">
+      <dgm:prSet presAssocID="{C0350612-A9D3-4588-A04D-1E98C8B850FF}" presName="tx1" presStyleLbl="revTx" presStyleIdx="1" presStyleCnt="7"/>
+      <dgm:spPr/>
+    </dgm:pt>
+    <dgm:pt modelId="{006EB3A3-68DD-ED47-AAF0-36309139AD00}" type="pres">
+      <dgm:prSet presAssocID="{C0350612-A9D3-4588-A04D-1E98C8B850FF}" presName="vert1" presStyleCnt="0"/>
+      <dgm:spPr/>
+    </dgm:pt>
+    <dgm:pt modelId="{C1FA4561-627C-5D49-90C8-26D13B7D68C7}" type="pres">
+      <dgm:prSet presAssocID="{45E69A1E-3364-4855-AB44-AE1B1BD94F43}" presName="thickLine" presStyleLbl="alignNode1" presStyleIdx="2" presStyleCnt="7"/>
+      <dgm:spPr/>
+    </dgm:pt>
+    <dgm:pt modelId="{81C02B60-C505-B342-8442-3A44BB73D5CB}" type="pres">
+      <dgm:prSet presAssocID="{45E69A1E-3364-4855-AB44-AE1B1BD94F43}" presName="horz1" presStyleCnt="0"/>
+      <dgm:spPr/>
+    </dgm:pt>
+    <dgm:pt modelId="{49EF1B3E-46CC-3A4B-98E2-AF4B455C912C}" type="pres">
+      <dgm:prSet presAssocID="{45E69A1E-3364-4855-AB44-AE1B1BD94F43}" presName="tx1" presStyleLbl="revTx" presStyleIdx="2" presStyleCnt="7"/>
+      <dgm:spPr/>
+    </dgm:pt>
+    <dgm:pt modelId="{0840E482-8244-144B-830C-35CCADB435BF}" type="pres">
+      <dgm:prSet presAssocID="{45E69A1E-3364-4855-AB44-AE1B1BD94F43}" presName="vert1" presStyleCnt="0"/>
+      <dgm:spPr/>
+    </dgm:pt>
+    <dgm:pt modelId="{824A1AAF-8292-0A4A-9F7B-528301D7115E}" type="pres">
+      <dgm:prSet presAssocID="{7DEBCF3C-9749-41D2-8721-15BF739F5607}" presName="thickLine" presStyleLbl="alignNode1" presStyleIdx="3" presStyleCnt="7"/>
+      <dgm:spPr/>
+    </dgm:pt>
+    <dgm:pt modelId="{15A9A34C-29CB-C945-8F4F-EB52E24E2808}" type="pres">
+      <dgm:prSet presAssocID="{7DEBCF3C-9749-41D2-8721-15BF739F5607}" presName="horz1" presStyleCnt="0"/>
+      <dgm:spPr/>
+    </dgm:pt>
+    <dgm:pt modelId="{F7C01D9E-702D-784C-BC9B-FD396316A8F6}" type="pres">
+      <dgm:prSet presAssocID="{7DEBCF3C-9749-41D2-8721-15BF739F5607}" presName="tx1" presStyleLbl="revTx" presStyleIdx="3" presStyleCnt="7"/>
+      <dgm:spPr/>
+    </dgm:pt>
+    <dgm:pt modelId="{AE3A4A78-8058-AF4E-BB97-5CDFEE15EEC0}" type="pres">
+      <dgm:prSet presAssocID="{7DEBCF3C-9749-41D2-8721-15BF739F5607}" presName="vert1" presStyleCnt="0"/>
+      <dgm:spPr/>
+    </dgm:pt>
+    <dgm:pt modelId="{41002695-AAAE-7E44-A434-A551B3CF5E22}" type="pres">
+      <dgm:prSet presAssocID="{BE40F1FC-8BF7-4248-AA7A-6CFAD04603DD}" presName="thickLine" presStyleLbl="alignNode1" presStyleIdx="4" presStyleCnt="7"/>
+      <dgm:spPr/>
+    </dgm:pt>
+    <dgm:pt modelId="{204D459D-6941-3E46-9935-99B77D3963B5}" type="pres">
+      <dgm:prSet presAssocID="{BE40F1FC-8BF7-4248-AA7A-6CFAD04603DD}" presName="horz1" presStyleCnt="0"/>
+      <dgm:spPr/>
+    </dgm:pt>
+    <dgm:pt modelId="{4B983A6B-B614-7348-BC11-ACE4FE31970D}" type="pres">
+      <dgm:prSet presAssocID="{BE40F1FC-8BF7-4248-AA7A-6CFAD04603DD}" presName="tx1" presStyleLbl="revTx" presStyleIdx="4" presStyleCnt="7"/>
+      <dgm:spPr/>
+    </dgm:pt>
+    <dgm:pt modelId="{7C041071-B360-CC45-8EFC-2B040531CA98}" type="pres">
+      <dgm:prSet presAssocID="{BE40F1FC-8BF7-4248-AA7A-6CFAD04603DD}" presName="vert1" presStyleCnt="0"/>
+      <dgm:spPr/>
+    </dgm:pt>
+    <dgm:pt modelId="{1EC6FC90-DCEE-8346-BA34-A1BE099C3143}" type="pres">
+      <dgm:prSet presAssocID="{5E5956B9-57CC-43EC-AE69-DAD24282660C}" presName="thickLine" presStyleLbl="alignNode1" presStyleIdx="5" presStyleCnt="7"/>
+      <dgm:spPr/>
+    </dgm:pt>
+    <dgm:pt modelId="{8D0BB708-F130-A643-8487-F4382F3A7DDE}" type="pres">
+      <dgm:prSet presAssocID="{5E5956B9-57CC-43EC-AE69-DAD24282660C}" presName="horz1" presStyleCnt="0"/>
+      <dgm:spPr/>
+    </dgm:pt>
+    <dgm:pt modelId="{89B77436-103A-464D-B974-59B8259548B9}" type="pres">
+      <dgm:prSet presAssocID="{5E5956B9-57CC-43EC-AE69-DAD24282660C}" presName="tx1" presStyleLbl="revTx" presStyleIdx="5" presStyleCnt="7"/>
+      <dgm:spPr/>
+    </dgm:pt>
+    <dgm:pt modelId="{E617BC2F-426F-EE49-A1A2-526A38685747}" type="pres">
+      <dgm:prSet presAssocID="{5E5956B9-57CC-43EC-AE69-DAD24282660C}" presName="vert1" presStyleCnt="0"/>
+      <dgm:spPr/>
+    </dgm:pt>
+    <dgm:pt modelId="{7D0645E0-DB94-0942-AFD2-5A5771DD6D3A}" type="pres">
+      <dgm:prSet presAssocID="{9BF00837-22A9-C549-9810-5AE17191159D}" presName="thickLine" presStyleLbl="alignNode1" presStyleIdx="6" presStyleCnt="7"/>
+      <dgm:spPr/>
+    </dgm:pt>
+    <dgm:pt modelId="{17F90831-A710-9B4F-B64C-1FA965DBC832}" type="pres">
+      <dgm:prSet presAssocID="{9BF00837-22A9-C549-9810-5AE17191159D}" presName="horz1" presStyleCnt="0"/>
+      <dgm:spPr/>
+    </dgm:pt>
+    <dgm:pt modelId="{BDFDC609-B24D-844B-802C-206657009EBF}" type="pres">
+      <dgm:prSet presAssocID="{9BF00837-22A9-C549-9810-5AE17191159D}" presName="tx1" presStyleLbl="revTx" presStyleIdx="6" presStyleCnt="7"/>
+      <dgm:spPr/>
+    </dgm:pt>
+    <dgm:pt modelId="{C4384E87-3048-644D-B7B2-E407BD163B20}" type="pres">
+      <dgm:prSet presAssocID="{9BF00837-22A9-C549-9810-5AE17191159D}" presName="vert1" presStyleCnt="0"/>
+      <dgm:spPr/>
+    </dgm:pt>
+  </dgm:ptLst>
+  <dgm:cxnLst>
+    <dgm:cxn modelId="{E0DCEE17-FFC8-479C-8FEF-38238E37838C}" srcId="{BC72F168-8872-45A1-8AAF-3158ED713FBC}" destId="{C0350612-A9D3-4588-A04D-1E98C8B850FF}" srcOrd="1" destOrd="0" parTransId="{79C25E01-4830-442D-BF7C-6BDA144B8691}" sibTransId="{8F9A6A06-C58A-45E9-BEB5-199853335F3F}"/>
+    <dgm:cxn modelId="{EB874820-223D-114B-B41D-72792717819D}" srcId="{BC72F168-8872-45A1-8AAF-3158ED713FBC}" destId="{9BF00837-22A9-C549-9810-5AE17191159D}" srcOrd="6" destOrd="0" parTransId="{1CEB22DD-7B07-6E41-90D7-16DA25C9ABC6}" sibTransId="{A52BB50D-C371-AC4F-B174-4169C3AC210C}"/>
+    <dgm:cxn modelId="{31661130-B72A-0C46-9F08-C2EEC2CBF1BA}" type="presOf" srcId="{82E54ED8-19BB-4C55-A3F5-0D6820A02B0C}" destId="{8A2BF7CB-C25A-8B4F-B211-6A4B60D53E59}" srcOrd="0" destOrd="0" presId="urn:microsoft.com/office/officeart/2008/layout/LinedList"/>
+    <dgm:cxn modelId="{83B87251-340A-459D-9F29-CD2856C4FB97}" srcId="{BC72F168-8872-45A1-8AAF-3158ED713FBC}" destId="{BE40F1FC-8BF7-4248-AA7A-6CFAD04603DD}" srcOrd="4" destOrd="0" parTransId="{E432068E-44C6-4CB0-8D88-7E41337C5BAD}" sibTransId="{5B8E75FB-004C-4E0E-B22E-BF6865D0B8BD}"/>
+    <dgm:cxn modelId="{950F5969-CB5B-C54F-ABC5-205C30F8AB63}" type="presOf" srcId="{9BF00837-22A9-C549-9810-5AE17191159D}" destId="{BDFDC609-B24D-844B-802C-206657009EBF}" srcOrd="0" destOrd="0" presId="urn:microsoft.com/office/officeart/2008/layout/LinedList"/>
+    <dgm:cxn modelId="{CD8CA16F-117B-4A75-9BAE-581A4833D728}" srcId="{BC72F168-8872-45A1-8AAF-3158ED713FBC}" destId="{7DEBCF3C-9749-41D2-8721-15BF739F5607}" srcOrd="3" destOrd="0" parTransId="{7EADD517-4840-4ECE-B0EE-5A2D6FFACA59}" sibTransId="{53696F31-D819-431B-A1E9-466570F46881}"/>
+    <dgm:cxn modelId="{55F0CB7C-D60C-4349-89D0-73A7251CE806}" srcId="{BC72F168-8872-45A1-8AAF-3158ED713FBC}" destId="{82E54ED8-19BB-4C55-A3F5-0D6820A02B0C}" srcOrd="0" destOrd="0" parTransId="{46443E6B-7CBF-42E4-87CC-0AE27384AED3}" sibTransId="{A8EF75EF-0917-4C03-A400-C2685FC85587}"/>
+    <dgm:cxn modelId="{F8E2AB90-B1B9-BD4C-9CC0-3FC394FFCE6B}" type="presOf" srcId="{5E5956B9-57CC-43EC-AE69-DAD24282660C}" destId="{89B77436-103A-464D-B974-59B8259548B9}" srcOrd="0" destOrd="0" presId="urn:microsoft.com/office/officeart/2008/layout/LinedList"/>
+    <dgm:cxn modelId="{7C7759B9-904D-3343-A2A1-4A34D37E2C58}" type="presOf" srcId="{45E69A1E-3364-4855-AB44-AE1B1BD94F43}" destId="{49EF1B3E-46CC-3A4B-98E2-AF4B455C912C}" srcOrd="0" destOrd="0" presId="urn:microsoft.com/office/officeart/2008/layout/LinedList"/>
+    <dgm:cxn modelId="{F7DFBDDA-FEB7-F74F-9DE5-3F9442705ACB}" type="presOf" srcId="{7DEBCF3C-9749-41D2-8721-15BF739F5607}" destId="{F7C01D9E-702D-784C-BC9B-FD396316A8F6}" srcOrd="0" destOrd="0" presId="urn:microsoft.com/office/officeart/2008/layout/LinedList"/>
+    <dgm:cxn modelId="{EECFC1DC-9602-774E-AFFC-1C4D32C838AE}" type="presOf" srcId="{C0350612-A9D3-4588-A04D-1E98C8B850FF}" destId="{6E34C315-F2FB-F346-BBFA-2FFB8DA1C12F}" srcOrd="0" destOrd="0" presId="urn:microsoft.com/office/officeart/2008/layout/LinedList"/>
+    <dgm:cxn modelId="{748689DD-072A-4E31-984E-ECE69F542963}" srcId="{BC72F168-8872-45A1-8AAF-3158ED713FBC}" destId="{5E5956B9-57CC-43EC-AE69-DAD24282660C}" srcOrd="5" destOrd="0" parTransId="{102DD32B-BE1C-41D6-8129-E376B0A0501C}" sibTransId="{139B8780-8C73-4365-93D9-72C8F8BF93B0}"/>
+    <dgm:cxn modelId="{B6DC45EB-4E26-9F44-BB49-5918BA460964}" type="presOf" srcId="{BE40F1FC-8BF7-4248-AA7A-6CFAD04603DD}" destId="{4B983A6B-B614-7348-BC11-ACE4FE31970D}" srcOrd="0" destOrd="0" presId="urn:microsoft.com/office/officeart/2008/layout/LinedList"/>
+    <dgm:cxn modelId="{63A872ED-21D5-114D-8916-D1CEFEA7323D}" type="presOf" srcId="{BC72F168-8872-45A1-8AAF-3158ED713FBC}" destId="{F2A35F5C-D629-F34B-9050-C981ECCC71F9}" srcOrd="0" destOrd="0" presId="urn:microsoft.com/office/officeart/2008/layout/LinedList"/>
+    <dgm:cxn modelId="{426672F6-4BFF-44A7-8864-A8F24DA52247}" srcId="{BC72F168-8872-45A1-8AAF-3158ED713FBC}" destId="{45E69A1E-3364-4855-AB44-AE1B1BD94F43}" srcOrd="2" destOrd="0" parTransId="{4A1811D3-BE02-432B-B860-E57053A837D5}" sibTransId="{56B55F3E-45CD-4C88-B885-2D4A19ED23D0}"/>
+    <dgm:cxn modelId="{1F68EEEE-E973-E14E-AFED-B842495A9CFE}" type="presParOf" srcId="{F2A35F5C-D629-F34B-9050-C981ECCC71F9}" destId="{593388A4-D340-1443-A6C2-42F4E98C34F2}" srcOrd="0" destOrd="0" presId="urn:microsoft.com/office/officeart/2008/layout/LinedList"/>
+    <dgm:cxn modelId="{71D1A1F4-B1BA-8B43-8B8C-2FF51E98C86D}" type="presParOf" srcId="{F2A35F5C-D629-F34B-9050-C981ECCC71F9}" destId="{6AD1AD0E-1227-154E-B3FB-E67E00980432}" srcOrd="1" destOrd="0" presId="urn:microsoft.com/office/officeart/2008/layout/LinedList"/>
+    <dgm:cxn modelId="{E5BC462B-29BD-3146-9A9F-180389FA0C12}" type="presParOf" srcId="{6AD1AD0E-1227-154E-B3FB-E67E00980432}" destId="{8A2BF7CB-C25A-8B4F-B211-6A4B60D53E59}" srcOrd="0" destOrd="0" presId="urn:microsoft.com/office/officeart/2008/layout/LinedList"/>
+    <dgm:cxn modelId="{2BE5D8BB-B452-9243-8713-CE02298C4E00}" type="presParOf" srcId="{6AD1AD0E-1227-154E-B3FB-E67E00980432}" destId="{75F3171A-CB2E-5A4C-9140-195C359E536B}" srcOrd="1" destOrd="0" presId="urn:microsoft.com/office/officeart/2008/layout/LinedList"/>
+    <dgm:cxn modelId="{90714ED1-394E-3E4F-A11E-6829B00717BD}" type="presParOf" srcId="{F2A35F5C-D629-F34B-9050-C981ECCC71F9}" destId="{8B31FEDC-4082-0142-9CB1-F5361D07D5D7}" srcOrd="2" destOrd="0" presId="urn:microsoft.com/office/officeart/2008/layout/LinedList"/>
+    <dgm:cxn modelId="{918306F8-E9BF-7A44-B484-279491EF4B47}" type="presParOf" srcId="{F2A35F5C-D629-F34B-9050-C981ECCC71F9}" destId="{4C949DA8-1D7D-9F4B-93EC-2561E22D7610}" srcOrd="3" destOrd="0" presId="urn:microsoft.com/office/officeart/2008/layout/LinedList"/>
+    <dgm:cxn modelId="{EC321752-A75E-FA45-953F-6997AF5BBF49}" type="presParOf" srcId="{4C949DA8-1D7D-9F4B-93EC-2561E22D7610}" destId="{6E34C315-F2FB-F346-BBFA-2FFB8DA1C12F}" srcOrd="0" destOrd="0" presId="urn:microsoft.com/office/officeart/2008/layout/LinedList"/>
+    <dgm:cxn modelId="{C5C58800-8F92-C441-B71D-6C8831970638}" type="presParOf" srcId="{4C949DA8-1D7D-9F4B-93EC-2561E22D7610}" destId="{006EB3A3-68DD-ED47-AAF0-36309139AD00}" srcOrd="1" destOrd="0" presId="urn:microsoft.com/office/officeart/2008/layout/LinedList"/>
+    <dgm:cxn modelId="{D512D70F-CF15-D648-ACE5-984304547702}" type="presParOf" srcId="{F2A35F5C-D629-F34B-9050-C981ECCC71F9}" destId="{C1FA4561-627C-5D49-90C8-26D13B7D68C7}" srcOrd="4" destOrd="0" presId="urn:microsoft.com/office/officeart/2008/layout/LinedList"/>
+    <dgm:cxn modelId="{6162F214-287B-9E44-B1C5-A938430E333A}" type="presParOf" srcId="{F2A35F5C-D629-F34B-9050-C981ECCC71F9}" destId="{81C02B60-C505-B342-8442-3A44BB73D5CB}" srcOrd="5" destOrd="0" presId="urn:microsoft.com/office/officeart/2008/layout/LinedList"/>
+    <dgm:cxn modelId="{BDA4BAF4-A29D-5843-94F7-C2AE49FDB55C}" type="presParOf" srcId="{81C02B60-C505-B342-8442-3A44BB73D5CB}" destId="{49EF1B3E-46CC-3A4B-98E2-AF4B455C912C}" srcOrd="0" destOrd="0" presId="urn:microsoft.com/office/officeart/2008/layout/LinedList"/>
+    <dgm:cxn modelId="{B86FEF4E-0AF9-8A46-9D55-E47DCC547C2B}" type="presParOf" srcId="{81C02B60-C505-B342-8442-3A44BB73D5CB}" destId="{0840E482-8244-144B-830C-35CCADB435BF}" srcOrd="1" destOrd="0" presId="urn:microsoft.com/office/officeart/2008/layout/LinedList"/>
+    <dgm:cxn modelId="{FD08A0A3-27C1-1A4D-A39A-9892A6F4E88C}" type="presParOf" srcId="{F2A35F5C-D629-F34B-9050-C981ECCC71F9}" destId="{824A1AAF-8292-0A4A-9F7B-528301D7115E}" srcOrd="6" destOrd="0" presId="urn:microsoft.com/office/officeart/2008/layout/LinedList"/>
+    <dgm:cxn modelId="{6E97D064-6C14-5D4D-9E72-A2315468252B}" type="presParOf" srcId="{F2A35F5C-D629-F34B-9050-C981ECCC71F9}" destId="{15A9A34C-29CB-C945-8F4F-EB52E24E2808}" srcOrd="7" destOrd="0" presId="urn:microsoft.com/office/officeart/2008/layout/LinedList"/>
+    <dgm:cxn modelId="{4F4A85AD-3E2C-2241-A740-D1831C104D76}" type="presParOf" srcId="{15A9A34C-29CB-C945-8F4F-EB52E24E2808}" destId="{F7C01D9E-702D-784C-BC9B-FD396316A8F6}" srcOrd="0" destOrd="0" presId="urn:microsoft.com/office/officeart/2008/layout/LinedList"/>
+    <dgm:cxn modelId="{CB32BB0A-87DB-1E48-BCF3-F737E5EE8CD7}" type="presParOf" srcId="{15A9A34C-29CB-C945-8F4F-EB52E24E2808}" destId="{AE3A4A78-8058-AF4E-BB97-5CDFEE15EEC0}" srcOrd="1" destOrd="0" presId="urn:microsoft.com/office/officeart/2008/layout/LinedList"/>
+    <dgm:cxn modelId="{CC6E7954-A2AF-B643-836F-D2964D335417}" type="presParOf" srcId="{F2A35F5C-D629-F34B-9050-C981ECCC71F9}" destId="{41002695-AAAE-7E44-A434-A551B3CF5E22}" srcOrd="8" destOrd="0" presId="urn:microsoft.com/office/officeart/2008/layout/LinedList"/>
+    <dgm:cxn modelId="{148422A2-1275-FF4F-ABB1-3041B42B8897}" type="presParOf" srcId="{F2A35F5C-D629-F34B-9050-C981ECCC71F9}" destId="{204D459D-6941-3E46-9935-99B77D3963B5}" srcOrd="9" destOrd="0" presId="urn:microsoft.com/office/officeart/2008/layout/LinedList"/>
+    <dgm:cxn modelId="{5F118925-23A7-EF43-8096-B29E61D38FD8}" type="presParOf" srcId="{204D459D-6941-3E46-9935-99B77D3963B5}" destId="{4B983A6B-B614-7348-BC11-ACE4FE31970D}" srcOrd="0" destOrd="0" presId="urn:microsoft.com/office/officeart/2008/layout/LinedList"/>
+    <dgm:cxn modelId="{64215B5A-3908-C146-AC0B-100E5730A5AB}" type="presParOf" srcId="{204D459D-6941-3E46-9935-99B77D3963B5}" destId="{7C041071-B360-CC45-8EFC-2B040531CA98}" srcOrd="1" destOrd="0" presId="urn:microsoft.com/office/officeart/2008/layout/LinedList"/>
+    <dgm:cxn modelId="{3ACCFB69-8E43-BB49-B7C7-2640270CB3A1}" type="presParOf" srcId="{F2A35F5C-D629-F34B-9050-C981ECCC71F9}" destId="{1EC6FC90-DCEE-8346-BA34-A1BE099C3143}" srcOrd="10" destOrd="0" presId="urn:microsoft.com/office/officeart/2008/layout/LinedList"/>
+    <dgm:cxn modelId="{029E2CE8-D493-BF4A-B4BD-C2A0AC60986A}" type="presParOf" srcId="{F2A35F5C-D629-F34B-9050-C981ECCC71F9}" destId="{8D0BB708-F130-A643-8487-F4382F3A7DDE}" srcOrd="11" destOrd="0" presId="urn:microsoft.com/office/officeart/2008/layout/LinedList"/>
+    <dgm:cxn modelId="{8A75C293-6A57-B549-A128-E354D657AF88}" type="presParOf" srcId="{8D0BB708-F130-A643-8487-F4382F3A7DDE}" destId="{89B77436-103A-464D-B974-59B8259548B9}" srcOrd="0" destOrd="0" presId="urn:microsoft.com/office/officeart/2008/layout/LinedList"/>
+    <dgm:cxn modelId="{3A5A3464-949A-044B-A05D-CB6C38857BCA}" type="presParOf" srcId="{8D0BB708-F130-A643-8487-F4382F3A7DDE}" destId="{E617BC2F-426F-EE49-A1A2-526A38685747}" srcOrd="1" destOrd="0" presId="urn:microsoft.com/office/officeart/2008/layout/LinedList"/>
+    <dgm:cxn modelId="{57FC1495-74FF-6C42-8B70-7BA66CC5D705}" type="presParOf" srcId="{F2A35F5C-D629-F34B-9050-C981ECCC71F9}" destId="{7D0645E0-DB94-0942-AFD2-5A5771DD6D3A}" srcOrd="12" destOrd="0" presId="urn:microsoft.com/office/officeart/2008/layout/LinedList"/>
+    <dgm:cxn modelId="{D6B7648B-B216-D54E-9BE2-D9BA555FC6B5}" type="presParOf" srcId="{F2A35F5C-D629-F34B-9050-C981ECCC71F9}" destId="{17F90831-A710-9B4F-B64C-1FA965DBC832}" srcOrd="13" destOrd="0" presId="urn:microsoft.com/office/officeart/2008/layout/LinedList"/>
+    <dgm:cxn modelId="{65BBDFB0-01F7-D14C-BCB7-44FDF8262191}" type="presParOf" srcId="{17F90831-A710-9B4F-B64C-1FA965DBC832}" destId="{BDFDC609-B24D-844B-802C-206657009EBF}" srcOrd="0" destOrd="0" presId="urn:microsoft.com/office/officeart/2008/layout/LinedList"/>
+    <dgm:cxn modelId="{39866D80-FA70-8340-97C1-B16A218FC667}" type="presParOf" srcId="{17F90831-A710-9B4F-B64C-1FA965DBC832}" destId="{C4384E87-3048-644D-B7B2-E407BD163B20}" srcOrd="1" destOrd="0" presId="urn:microsoft.com/office/officeart/2008/layout/LinedList"/>
+  </dgm:cxnLst>
+  <dgm:bg/>
+  <dgm:whole/>
+  <dgm:extLst>
+    <a:ext uri="http://schemas.microsoft.com/office/drawing/2008/diagram">
+      <dsp:dataModelExt xmlns:dsp="http://schemas.microsoft.com/office/drawing/2008/diagram" relId="rId6" minVer="http://schemas.openxmlformats.org/drawingml/2006/diagram"/>
+    </a:ext>
+  </dgm:extLst>
+</dgm:dataModel>
+</file>
+
+<file path=ppt/diagrams/drawing1.xml><?xml version="1.0" encoding="utf-8"?>
+<dsp:drawing xmlns:dgm="http://schemas.openxmlformats.org/drawingml/2006/diagram" xmlns:dsp="http://schemas.microsoft.com/office/drawing/2008/diagram" xmlns:a="http://schemas.openxmlformats.org/drawingml/2006/main">
+  <dsp:spTree>
+    <dsp:nvGrpSpPr>
+      <dsp:cNvPr id="0" name=""/>
+      <dsp:cNvGrpSpPr/>
+    </dsp:nvGrpSpPr>
+    <dsp:grpSpPr/>
+    <dsp:sp modelId="{593388A4-D340-1443-A6C2-42F4E98C34F2}">
+      <dsp:nvSpPr>
+        <dsp:cNvPr id="0" name=""/>
+        <dsp:cNvSpPr/>
+      </dsp:nvSpPr>
+      <dsp:spPr>
+        <a:xfrm>
+          <a:off x="0" y="515"/>
+          <a:ext cx="10598726" cy="0"/>
+        </a:xfrm>
+        <a:prstGeom prst="line">
+          <a:avLst/>
+        </a:prstGeom>
+        <a:gradFill rotWithShape="0">
+          <a:gsLst>
+            <a:gs pos="0">
+              <a:schemeClr val="accent2">
+                <a:hueOff val="0"/>
+                <a:satOff val="0"/>
+                <a:lumOff val="0"/>
+                <a:alphaOff val="0"/>
+                <a:satMod val="103000"/>
+                <a:lumMod val="102000"/>
+                <a:tint val="94000"/>
+              </a:schemeClr>
+            </a:gs>
+            <a:gs pos="50000">
+              <a:schemeClr val="accent2">
+                <a:hueOff val="0"/>
+                <a:satOff val="0"/>
+                <a:lumOff val="0"/>
+                <a:alphaOff val="0"/>
+                <a:satMod val="110000"/>
+                <a:lumMod val="100000"/>
+                <a:shade val="100000"/>
+              </a:schemeClr>
+            </a:gs>
+            <a:gs pos="100000">
+              <a:schemeClr val="accent2">
+                <a:hueOff val="0"/>
+                <a:satOff val="0"/>
+                <a:lumOff val="0"/>
+                <a:alphaOff val="0"/>
+                <a:lumMod val="99000"/>
+                <a:satMod val="120000"/>
+                <a:shade val="78000"/>
+              </a:schemeClr>
+            </a:gs>
+          </a:gsLst>
+          <a:lin ang="5400000" scaled="0"/>
+        </a:gradFill>
+        <a:ln w="6350" cap="flat" cmpd="sng" algn="ctr">
+          <a:solidFill>
+            <a:schemeClr val="accent2">
+              <a:hueOff val="0"/>
+              <a:satOff val="0"/>
+              <a:lumOff val="0"/>
+              <a:alphaOff val="0"/>
+            </a:schemeClr>
+          </a:solidFill>
+          <a:prstDash val="solid"/>
+          <a:miter lim="800000"/>
+        </a:ln>
+        <a:effectLst/>
+      </dsp:spPr>
+      <dsp:style>
+        <a:lnRef idx="1">
+          <a:scrgbClr r="0" g="0" b="0"/>
+        </a:lnRef>
+        <a:fillRef idx="3">
+          <a:scrgbClr r="0" g="0" b="0"/>
+        </a:fillRef>
+        <a:effectRef idx="2">
+          <a:scrgbClr r="0" g="0" b="0"/>
+        </a:effectRef>
+        <a:fontRef idx="minor">
+          <a:schemeClr val="lt1"/>
+        </a:fontRef>
+      </dsp:style>
+    </dsp:sp>
+    <dsp:sp modelId="{8A2BF7CB-C25A-8B4F-B211-6A4B60D53E59}">
+      <dsp:nvSpPr>
+        <dsp:cNvPr id="0" name=""/>
+        <dsp:cNvSpPr/>
+      </dsp:nvSpPr>
+      <dsp:spPr>
+        <a:xfrm>
+          <a:off x="0" y="515"/>
+          <a:ext cx="10592644" cy="603515"/>
+        </a:xfrm>
+        <a:prstGeom prst="rect">
+          <a:avLst/>
+        </a:prstGeom>
+        <a:noFill/>
+        <a:ln>
+          <a:noFill/>
+        </a:ln>
+        <a:effectLst/>
+      </dsp:spPr>
+      <dsp:style>
+        <a:lnRef idx="0">
+          <a:scrgbClr r="0" g="0" b="0"/>
+        </a:lnRef>
+        <a:fillRef idx="0">
+          <a:scrgbClr r="0" g="0" b="0"/>
+        </a:fillRef>
+        <a:effectRef idx="0">
+          <a:scrgbClr r="0" g="0" b="0"/>
+        </a:effectRef>
+        <a:fontRef idx="minor"/>
+      </dsp:style>
+      <dsp:txBody>
+        <a:bodyPr spcFirstLastPara="0" vert="horz" wrap="square" lIns="102870" tIns="102870" rIns="102870" bIns="102870" numCol="1" spcCol="1270" anchor="t" anchorCtr="0">
+          <a:noAutofit/>
+        </a:bodyPr>
+        <a:lstStyle/>
+        <a:p>
+          <a:pPr marL="0" lvl="0" indent="0" algn="l" defTabSz="1200150">
+            <a:lnSpc>
+              <a:spcPct val="90000"/>
+            </a:lnSpc>
+            <a:spcBef>
+              <a:spcPct val="0"/>
+            </a:spcBef>
+            <a:spcAft>
+              <a:spcPct val="35000"/>
+            </a:spcAft>
+            <a:buNone/>
+          </a:pPr>
+          <a:r>
+            <a:rPr lang="en-US" sz="2700" kern="1200" dirty="0"/>
+            <a:t>Business Opportunity</a:t>
+          </a:r>
+        </a:p>
+      </dsp:txBody>
+      <dsp:txXfrm>
+        <a:off x="0" y="515"/>
+        <a:ext cx="10592644" cy="603515"/>
+      </dsp:txXfrm>
+    </dsp:sp>
+    <dsp:sp modelId="{8B31FEDC-4082-0142-9CB1-F5361D07D5D7}">
+      <dsp:nvSpPr>
+        <dsp:cNvPr id="0" name=""/>
+        <dsp:cNvSpPr/>
+      </dsp:nvSpPr>
+      <dsp:spPr>
+        <a:xfrm>
+          <a:off x="0" y="604030"/>
+          <a:ext cx="10598726" cy="0"/>
+        </a:xfrm>
+        <a:prstGeom prst="line">
+          <a:avLst/>
+        </a:prstGeom>
+        <a:gradFill rotWithShape="0">
+          <a:gsLst>
+            <a:gs pos="0">
+              <a:schemeClr val="accent2">
+                <a:hueOff val="0"/>
+                <a:satOff val="0"/>
+                <a:lumOff val="0"/>
+                <a:alphaOff val="0"/>
+                <a:satMod val="103000"/>
+                <a:lumMod val="102000"/>
+                <a:tint val="94000"/>
+              </a:schemeClr>
+            </a:gs>
+            <a:gs pos="50000">
+              <a:schemeClr val="accent2">
+                <a:hueOff val="0"/>
+                <a:satOff val="0"/>
+                <a:lumOff val="0"/>
+                <a:alphaOff val="0"/>
+                <a:satMod val="110000"/>
+                <a:lumMod val="100000"/>
+                <a:shade val="100000"/>
+              </a:schemeClr>
+            </a:gs>
+            <a:gs pos="100000">
+              <a:schemeClr val="accent2">
+                <a:hueOff val="0"/>
+                <a:satOff val="0"/>
+                <a:lumOff val="0"/>
+                <a:alphaOff val="0"/>
+                <a:lumMod val="99000"/>
+                <a:satMod val="120000"/>
+                <a:shade val="78000"/>
+              </a:schemeClr>
+            </a:gs>
+          </a:gsLst>
+          <a:lin ang="5400000" scaled="0"/>
+        </a:gradFill>
+        <a:ln w="6350" cap="flat" cmpd="sng" algn="ctr">
+          <a:solidFill>
+            <a:schemeClr val="accent2">
+              <a:hueOff val="0"/>
+              <a:satOff val="0"/>
+              <a:lumOff val="0"/>
+              <a:alphaOff val="0"/>
+            </a:schemeClr>
+          </a:solidFill>
+          <a:prstDash val="solid"/>
+          <a:miter lim="800000"/>
+        </a:ln>
+        <a:effectLst/>
+      </dsp:spPr>
+      <dsp:style>
+        <a:lnRef idx="1">
+          <a:scrgbClr r="0" g="0" b="0"/>
+        </a:lnRef>
+        <a:fillRef idx="3">
+          <a:scrgbClr r="0" g="0" b="0"/>
+        </a:fillRef>
+        <a:effectRef idx="2">
+          <a:scrgbClr r="0" g="0" b="0"/>
+        </a:effectRef>
+        <a:fontRef idx="minor">
+          <a:schemeClr val="lt1"/>
+        </a:fontRef>
+      </dsp:style>
+    </dsp:sp>
+    <dsp:sp modelId="{6E34C315-F2FB-F346-BBFA-2FFB8DA1C12F}">
+      <dsp:nvSpPr>
+        <dsp:cNvPr id="0" name=""/>
+        <dsp:cNvSpPr/>
+      </dsp:nvSpPr>
+      <dsp:spPr>
+        <a:xfrm>
+          <a:off x="0" y="604030"/>
+          <a:ext cx="10598726" cy="603515"/>
+        </a:xfrm>
+        <a:prstGeom prst="rect">
+          <a:avLst/>
+        </a:prstGeom>
+        <a:noFill/>
+        <a:ln>
+          <a:noFill/>
+        </a:ln>
+        <a:effectLst/>
+      </dsp:spPr>
+      <dsp:style>
+        <a:lnRef idx="0">
+          <a:scrgbClr r="0" g="0" b="0"/>
+        </a:lnRef>
+        <a:fillRef idx="0">
+          <a:scrgbClr r="0" g="0" b="0"/>
+        </a:fillRef>
+        <a:effectRef idx="0">
+          <a:scrgbClr r="0" g="0" b="0"/>
+        </a:effectRef>
+        <a:fontRef idx="minor"/>
+      </dsp:style>
+      <dsp:txBody>
+        <a:bodyPr spcFirstLastPara="0" vert="horz" wrap="square" lIns="102870" tIns="102870" rIns="102870" bIns="102870" numCol="1" spcCol="1270" anchor="t" anchorCtr="0">
+          <a:noAutofit/>
+        </a:bodyPr>
+        <a:lstStyle/>
+        <a:p>
+          <a:pPr marL="0" lvl="0" indent="0" algn="l" defTabSz="1200150">
+            <a:lnSpc>
+              <a:spcPct val="90000"/>
+            </a:lnSpc>
+            <a:spcBef>
+              <a:spcPct val="0"/>
+            </a:spcBef>
+            <a:spcAft>
+              <a:spcPct val="35000"/>
+            </a:spcAft>
+            <a:buNone/>
+          </a:pPr>
+          <a:r>
+            <a:rPr lang="en-US" sz="2700" kern="1200" dirty="0"/>
+            <a:t>Summary</a:t>
+          </a:r>
+        </a:p>
+      </dsp:txBody>
+      <dsp:txXfrm>
+        <a:off x="0" y="604030"/>
+        <a:ext cx="10598726" cy="603515"/>
+      </dsp:txXfrm>
+    </dsp:sp>
+    <dsp:sp modelId="{C1FA4561-627C-5D49-90C8-26D13B7D68C7}">
+      <dsp:nvSpPr>
+        <dsp:cNvPr id="0" name=""/>
+        <dsp:cNvSpPr/>
+      </dsp:nvSpPr>
+      <dsp:spPr>
+        <a:xfrm>
+          <a:off x="0" y="1207545"/>
+          <a:ext cx="10598726" cy="0"/>
+        </a:xfrm>
+        <a:prstGeom prst="line">
+          <a:avLst/>
+        </a:prstGeom>
+        <a:gradFill rotWithShape="0">
+          <a:gsLst>
+            <a:gs pos="0">
+              <a:schemeClr val="accent2">
+                <a:hueOff val="0"/>
+                <a:satOff val="0"/>
+                <a:lumOff val="0"/>
+                <a:alphaOff val="0"/>
+                <a:satMod val="103000"/>
+                <a:lumMod val="102000"/>
+                <a:tint val="94000"/>
+              </a:schemeClr>
+            </a:gs>
+            <a:gs pos="50000">
+              <a:schemeClr val="accent2">
+                <a:hueOff val="0"/>
+                <a:satOff val="0"/>
+                <a:lumOff val="0"/>
+                <a:alphaOff val="0"/>
+                <a:satMod val="110000"/>
+                <a:lumMod val="100000"/>
+                <a:shade val="100000"/>
+              </a:schemeClr>
+            </a:gs>
+            <a:gs pos="100000">
+              <a:schemeClr val="accent2">
+                <a:hueOff val="0"/>
+                <a:satOff val="0"/>
+                <a:lumOff val="0"/>
+                <a:alphaOff val="0"/>
+                <a:lumMod val="99000"/>
+                <a:satMod val="120000"/>
+                <a:shade val="78000"/>
+              </a:schemeClr>
+            </a:gs>
+          </a:gsLst>
+          <a:lin ang="5400000" scaled="0"/>
+        </a:gradFill>
+        <a:ln w="6350" cap="flat" cmpd="sng" algn="ctr">
+          <a:solidFill>
+            <a:schemeClr val="accent2">
+              <a:hueOff val="0"/>
+              <a:satOff val="0"/>
+              <a:lumOff val="0"/>
+              <a:alphaOff val="0"/>
+            </a:schemeClr>
+          </a:solidFill>
+          <a:prstDash val="solid"/>
+          <a:miter lim="800000"/>
+        </a:ln>
+        <a:effectLst/>
+      </dsp:spPr>
+      <dsp:style>
+        <a:lnRef idx="1">
+          <a:scrgbClr r="0" g="0" b="0"/>
+        </a:lnRef>
+        <a:fillRef idx="3">
+          <a:scrgbClr r="0" g="0" b="0"/>
+        </a:fillRef>
+        <a:effectRef idx="2">
+          <a:scrgbClr r="0" g="0" b="0"/>
+        </a:effectRef>
+        <a:fontRef idx="minor">
+          <a:schemeClr val="lt1"/>
+        </a:fontRef>
+      </dsp:style>
+    </dsp:sp>
+    <dsp:sp modelId="{49EF1B3E-46CC-3A4B-98E2-AF4B455C912C}">
+      <dsp:nvSpPr>
+        <dsp:cNvPr id="0" name=""/>
+        <dsp:cNvSpPr/>
+      </dsp:nvSpPr>
+      <dsp:spPr>
+        <a:xfrm>
+          <a:off x="0" y="1207545"/>
+          <a:ext cx="10598726" cy="603515"/>
+        </a:xfrm>
+        <a:prstGeom prst="rect">
+          <a:avLst/>
+        </a:prstGeom>
+        <a:noFill/>
+        <a:ln>
+          <a:noFill/>
+        </a:ln>
+        <a:effectLst/>
+      </dsp:spPr>
+      <dsp:style>
+        <a:lnRef idx="0">
+          <a:scrgbClr r="0" g="0" b="0"/>
+        </a:lnRef>
+        <a:fillRef idx="0">
+          <a:scrgbClr r="0" g="0" b="0"/>
+        </a:fillRef>
+        <a:effectRef idx="0">
+          <a:scrgbClr r="0" g="0" b="0"/>
+        </a:effectRef>
+        <a:fontRef idx="minor"/>
+      </dsp:style>
+      <dsp:txBody>
+        <a:bodyPr spcFirstLastPara="0" vert="horz" wrap="square" lIns="102870" tIns="102870" rIns="102870" bIns="102870" numCol="1" spcCol="1270" anchor="t" anchorCtr="0">
+          <a:noAutofit/>
+        </a:bodyPr>
+        <a:lstStyle/>
+        <a:p>
+          <a:pPr marL="0" lvl="0" indent="0" algn="l" defTabSz="1200150">
+            <a:lnSpc>
+              <a:spcPct val="90000"/>
+            </a:lnSpc>
+            <a:spcBef>
+              <a:spcPct val="0"/>
+            </a:spcBef>
+            <a:spcAft>
+              <a:spcPct val="35000"/>
+            </a:spcAft>
+            <a:buNone/>
+          </a:pPr>
+          <a:r>
+            <a:rPr lang="en-US" sz="2700" kern="1200" dirty="0"/>
+            <a:t>Data</a:t>
+          </a:r>
+        </a:p>
+      </dsp:txBody>
+      <dsp:txXfrm>
+        <a:off x="0" y="1207545"/>
+        <a:ext cx="10598726" cy="603515"/>
+      </dsp:txXfrm>
+    </dsp:sp>
+    <dsp:sp modelId="{824A1AAF-8292-0A4A-9F7B-528301D7115E}">
+      <dsp:nvSpPr>
+        <dsp:cNvPr id="0" name=""/>
+        <dsp:cNvSpPr/>
+      </dsp:nvSpPr>
+      <dsp:spPr>
+        <a:xfrm>
+          <a:off x="0" y="1811060"/>
+          <a:ext cx="10598726" cy="0"/>
+        </a:xfrm>
+        <a:prstGeom prst="line">
+          <a:avLst/>
+        </a:prstGeom>
+        <a:gradFill rotWithShape="0">
+          <a:gsLst>
+            <a:gs pos="0">
+              <a:schemeClr val="accent2">
+                <a:hueOff val="0"/>
+                <a:satOff val="0"/>
+                <a:lumOff val="0"/>
+                <a:alphaOff val="0"/>
+                <a:satMod val="103000"/>
+                <a:lumMod val="102000"/>
+                <a:tint val="94000"/>
+              </a:schemeClr>
+            </a:gs>
+            <a:gs pos="50000">
+              <a:schemeClr val="accent2">
+                <a:hueOff val="0"/>
+                <a:satOff val="0"/>
+                <a:lumOff val="0"/>
+                <a:alphaOff val="0"/>
+                <a:satMod val="110000"/>
+                <a:lumMod val="100000"/>
+                <a:shade val="100000"/>
+              </a:schemeClr>
+            </a:gs>
+            <a:gs pos="100000">
+              <a:schemeClr val="accent2">
+                <a:hueOff val="0"/>
+                <a:satOff val="0"/>
+                <a:lumOff val="0"/>
+                <a:alphaOff val="0"/>
+                <a:lumMod val="99000"/>
+                <a:satMod val="120000"/>
+                <a:shade val="78000"/>
+              </a:schemeClr>
+            </a:gs>
+          </a:gsLst>
+          <a:lin ang="5400000" scaled="0"/>
+        </a:gradFill>
+        <a:ln w="6350" cap="flat" cmpd="sng" algn="ctr">
+          <a:solidFill>
+            <a:schemeClr val="accent2">
+              <a:hueOff val="0"/>
+              <a:satOff val="0"/>
+              <a:lumOff val="0"/>
+              <a:alphaOff val="0"/>
+            </a:schemeClr>
+          </a:solidFill>
+          <a:prstDash val="solid"/>
+          <a:miter lim="800000"/>
+        </a:ln>
+        <a:effectLst/>
+      </dsp:spPr>
+      <dsp:style>
+        <a:lnRef idx="1">
+          <a:scrgbClr r="0" g="0" b="0"/>
+        </a:lnRef>
+        <a:fillRef idx="3">
+          <a:scrgbClr r="0" g="0" b="0"/>
+        </a:fillRef>
+        <a:effectRef idx="2">
+          <a:scrgbClr r="0" g="0" b="0"/>
+        </a:effectRef>
+        <a:fontRef idx="minor">
+          <a:schemeClr val="lt1"/>
+        </a:fontRef>
+      </dsp:style>
+    </dsp:sp>
+    <dsp:sp modelId="{F7C01D9E-702D-784C-BC9B-FD396316A8F6}">
+      <dsp:nvSpPr>
+        <dsp:cNvPr id="0" name=""/>
+        <dsp:cNvSpPr/>
+      </dsp:nvSpPr>
+      <dsp:spPr>
+        <a:xfrm>
+          <a:off x="0" y="1811060"/>
+          <a:ext cx="10598726" cy="603515"/>
+        </a:xfrm>
+        <a:prstGeom prst="rect">
+          <a:avLst/>
+        </a:prstGeom>
+        <a:noFill/>
+        <a:ln>
+          <a:noFill/>
+        </a:ln>
+        <a:effectLst/>
+      </dsp:spPr>
+      <dsp:style>
+        <a:lnRef idx="0">
+          <a:scrgbClr r="0" g="0" b="0"/>
+        </a:lnRef>
+        <a:fillRef idx="0">
+          <a:scrgbClr r="0" g="0" b="0"/>
+        </a:fillRef>
+        <a:effectRef idx="0">
+          <a:scrgbClr r="0" g="0" b="0"/>
+        </a:effectRef>
+        <a:fontRef idx="minor"/>
+      </dsp:style>
+      <dsp:txBody>
+        <a:bodyPr spcFirstLastPara="0" vert="horz" wrap="square" lIns="102870" tIns="102870" rIns="102870" bIns="102870" numCol="1" spcCol="1270" anchor="t" anchorCtr="0">
+          <a:noAutofit/>
+        </a:bodyPr>
+        <a:lstStyle/>
+        <a:p>
+          <a:pPr marL="0" lvl="0" indent="0" algn="l" defTabSz="1200150">
+            <a:lnSpc>
+              <a:spcPct val="90000"/>
+            </a:lnSpc>
+            <a:spcBef>
+              <a:spcPct val="0"/>
+            </a:spcBef>
+            <a:spcAft>
+              <a:spcPct val="35000"/>
+            </a:spcAft>
+            <a:buNone/>
+          </a:pPr>
+          <a:r>
+            <a:rPr lang="en-US" sz="2700" kern="1200"/>
+            <a:t>Methods</a:t>
+          </a:r>
+        </a:p>
+      </dsp:txBody>
+      <dsp:txXfrm>
+        <a:off x="0" y="1811060"/>
+        <a:ext cx="10598726" cy="603515"/>
+      </dsp:txXfrm>
+    </dsp:sp>
+    <dsp:sp modelId="{41002695-AAAE-7E44-A434-A551B3CF5E22}">
+      <dsp:nvSpPr>
+        <dsp:cNvPr id="0" name=""/>
+        <dsp:cNvSpPr/>
+      </dsp:nvSpPr>
+      <dsp:spPr>
+        <a:xfrm>
+          <a:off x="0" y="2414576"/>
+          <a:ext cx="10598726" cy="0"/>
+        </a:xfrm>
+        <a:prstGeom prst="line">
+          <a:avLst/>
+        </a:prstGeom>
+        <a:gradFill rotWithShape="0">
+          <a:gsLst>
+            <a:gs pos="0">
+              <a:schemeClr val="accent2">
+                <a:hueOff val="0"/>
+                <a:satOff val="0"/>
+                <a:lumOff val="0"/>
+                <a:alphaOff val="0"/>
+                <a:satMod val="103000"/>
+                <a:lumMod val="102000"/>
+                <a:tint val="94000"/>
+              </a:schemeClr>
+            </a:gs>
+            <a:gs pos="50000">
+              <a:schemeClr val="accent2">
+                <a:hueOff val="0"/>
+                <a:satOff val="0"/>
+                <a:lumOff val="0"/>
+                <a:alphaOff val="0"/>
+                <a:satMod val="110000"/>
+                <a:lumMod val="100000"/>
+                <a:shade val="100000"/>
+              </a:schemeClr>
+            </a:gs>
+            <a:gs pos="100000">
+              <a:schemeClr val="accent2">
+                <a:hueOff val="0"/>
+                <a:satOff val="0"/>
+                <a:lumOff val="0"/>
+                <a:alphaOff val="0"/>
+                <a:lumMod val="99000"/>
+                <a:satMod val="120000"/>
+                <a:shade val="78000"/>
+              </a:schemeClr>
+            </a:gs>
+          </a:gsLst>
+          <a:lin ang="5400000" scaled="0"/>
+        </a:gradFill>
+        <a:ln w="6350" cap="flat" cmpd="sng" algn="ctr">
+          <a:solidFill>
+            <a:schemeClr val="accent2">
+              <a:hueOff val="0"/>
+              <a:satOff val="0"/>
+              <a:lumOff val="0"/>
+              <a:alphaOff val="0"/>
+            </a:schemeClr>
+          </a:solidFill>
+          <a:prstDash val="solid"/>
+          <a:miter lim="800000"/>
+        </a:ln>
+        <a:effectLst/>
+      </dsp:spPr>
+      <dsp:style>
+        <a:lnRef idx="1">
+          <a:scrgbClr r="0" g="0" b="0"/>
+        </a:lnRef>
+        <a:fillRef idx="3">
+          <a:scrgbClr r="0" g="0" b="0"/>
+        </a:fillRef>
+        <a:effectRef idx="2">
+          <a:scrgbClr r="0" g="0" b="0"/>
+        </a:effectRef>
+        <a:fontRef idx="minor">
+          <a:schemeClr val="lt1"/>
+        </a:fontRef>
+      </dsp:style>
+    </dsp:sp>
+    <dsp:sp modelId="{4B983A6B-B614-7348-BC11-ACE4FE31970D}">
+      <dsp:nvSpPr>
+        <dsp:cNvPr id="0" name=""/>
+        <dsp:cNvSpPr/>
+      </dsp:nvSpPr>
+      <dsp:spPr>
+        <a:xfrm>
+          <a:off x="0" y="2414576"/>
+          <a:ext cx="10598726" cy="603515"/>
+        </a:xfrm>
+        <a:prstGeom prst="rect">
+          <a:avLst/>
+        </a:prstGeom>
+        <a:noFill/>
+        <a:ln>
+          <a:noFill/>
+        </a:ln>
+        <a:effectLst/>
+      </dsp:spPr>
+      <dsp:style>
+        <a:lnRef idx="0">
+          <a:scrgbClr r="0" g="0" b="0"/>
+        </a:lnRef>
+        <a:fillRef idx="0">
+          <a:scrgbClr r="0" g="0" b="0"/>
+        </a:fillRef>
+        <a:effectRef idx="0">
+          <a:scrgbClr r="0" g="0" b="0"/>
+        </a:effectRef>
+        <a:fontRef idx="minor"/>
+      </dsp:style>
+      <dsp:txBody>
+        <a:bodyPr spcFirstLastPara="0" vert="horz" wrap="square" lIns="102870" tIns="102870" rIns="102870" bIns="102870" numCol="1" spcCol="1270" anchor="t" anchorCtr="0">
+          <a:noAutofit/>
+        </a:bodyPr>
+        <a:lstStyle/>
+        <a:p>
+          <a:pPr marL="0" lvl="0" indent="0" algn="l" defTabSz="1200150">
+            <a:lnSpc>
+              <a:spcPct val="90000"/>
+            </a:lnSpc>
+            <a:spcBef>
+              <a:spcPct val="0"/>
+            </a:spcBef>
+            <a:spcAft>
+              <a:spcPct val="35000"/>
+            </a:spcAft>
+            <a:buNone/>
+          </a:pPr>
+          <a:r>
+            <a:rPr lang="en-US" sz="2700" kern="1200"/>
+            <a:t>Results</a:t>
+          </a:r>
+        </a:p>
+      </dsp:txBody>
+      <dsp:txXfrm>
+        <a:off x="0" y="2414576"/>
+        <a:ext cx="10598726" cy="603515"/>
+      </dsp:txXfrm>
+    </dsp:sp>
+    <dsp:sp modelId="{1EC6FC90-DCEE-8346-BA34-A1BE099C3143}">
+      <dsp:nvSpPr>
+        <dsp:cNvPr id="0" name=""/>
+        <dsp:cNvSpPr/>
+      </dsp:nvSpPr>
+      <dsp:spPr>
+        <a:xfrm>
+          <a:off x="0" y="3018091"/>
+          <a:ext cx="10598726" cy="0"/>
+        </a:xfrm>
+        <a:prstGeom prst="line">
+          <a:avLst/>
+        </a:prstGeom>
+        <a:gradFill rotWithShape="0">
+          <a:gsLst>
+            <a:gs pos="0">
+              <a:schemeClr val="accent2">
+                <a:hueOff val="0"/>
+                <a:satOff val="0"/>
+                <a:lumOff val="0"/>
+                <a:alphaOff val="0"/>
+                <a:satMod val="103000"/>
+                <a:lumMod val="102000"/>
+                <a:tint val="94000"/>
+              </a:schemeClr>
+            </a:gs>
+            <a:gs pos="50000">
+              <a:schemeClr val="accent2">
+                <a:hueOff val="0"/>
+                <a:satOff val="0"/>
+                <a:lumOff val="0"/>
+                <a:alphaOff val="0"/>
+                <a:satMod val="110000"/>
+                <a:lumMod val="100000"/>
+                <a:shade val="100000"/>
+              </a:schemeClr>
+            </a:gs>
+            <a:gs pos="100000">
+              <a:schemeClr val="accent2">
+                <a:hueOff val="0"/>
+                <a:satOff val="0"/>
+                <a:lumOff val="0"/>
+                <a:alphaOff val="0"/>
+                <a:lumMod val="99000"/>
+                <a:satMod val="120000"/>
+                <a:shade val="78000"/>
+              </a:schemeClr>
+            </a:gs>
+          </a:gsLst>
+          <a:lin ang="5400000" scaled="0"/>
+        </a:gradFill>
+        <a:ln w="6350" cap="flat" cmpd="sng" algn="ctr">
+          <a:solidFill>
+            <a:schemeClr val="accent2">
+              <a:hueOff val="0"/>
+              <a:satOff val="0"/>
+              <a:lumOff val="0"/>
+              <a:alphaOff val="0"/>
+            </a:schemeClr>
+          </a:solidFill>
+          <a:prstDash val="solid"/>
+          <a:miter lim="800000"/>
+        </a:ln>
+        <a:effectLst/>
+      </dsp:spPr>
+      <dsp:style>
+        <a:lnRef idx="1">
+          <a:scrgbClr r="0" g="0" b="0"/>
+        </a:lnRef>
+        <a:fillRef idx="3">
+          <a:scrgbClr r="0" g="0" b="0"/>
+        </a:fillRef>
+        <a:effectRef idx="2">
+          <a:scrgbClr r="0" g="0" b="0"/>
+        </a:effectRef>
+        <a:fontRef idx="minor">
+          <a:schemeClr val="lt1"/>
+        </a:fontRef>
+      </dsp:style>
+    </dsp:sp>
+    <dsp:sp modelId="{89B77436-103A-464D-B974-59B8259548B9}">
+      <dsp:nvSpPr>
+        <dsp:cNvPr id="0" name=""/>
+        <dsp:cNvSpPr/>
+      </dsp:nvSpPr>
+      <dsp:spPr>
+        <a:xfrm>
+          <a:off x="0" y="3018091"/>
+          <a:ext cx="10598726" cy="603515"/>
+        </a:xfrm>
+        <a:prstGeom prst="rect">
+          <a:avLst/>
+        </a:prstGeom>
+        <a:noFill/>
+        <a:ln>
+          <a:noFill/>
+        </a:ln>
+        <a:effectLst/>
+      </dsp:spPr>
+      <dsp:style>
+        <a:lnRef idx="0">
+          <a:scrgbClr r="0" g="0" b="0"/>
+        </a:lnRef>
+        <a:fillRef idx="0">
+          <a:scrgbClr r="0" g="0" b="0"/>
+        </a:fillRef>
+        <a:effectRef idx="0">
+          <a:scrgbClr r="0" g="0" b="0"/>
+        </a:effectRef>
+        <a:fontRef idx="minor"/>
+      </dsp:style>
+      <dsp:txBody>
+        <a:bodyPr spcFirstLastPara="0" vert="horz" wrap="square" lIns="102870" tIns="102870" rIns="102870" bIns="102870" numCol="1" spcCol="1270" anchor="t" anchorCtr="0">
+          <a:noAutofit/>
+        </a:bodyPr>
+        <a:lstStyle/>
+        <a:p>
+          <a:pPr marL="0" lvl="0" indent="0" algn="l" defTabSz="1200150">
+            <a:lnSpc>
+              <a:spcPct val="90000"/>
+            </a:lnSpc>
+            <a:spcBef>
+              <a:spcPct val="0"/>
+            </a:spcBef>
+            <a:spcAft>
+              <a:spcPct val="35000"/>
+            </a:spcAft>
+            <a:buNone/>
+          </a:pPr>
+          <a:r>
+            <a:rPr lang="en-US" sz="2700" kern="1200" dirty="0"/>
+            <a:t>Conclusions</a:t>
+          </a:r>
+        </a:p>
+      </dsp:txBody>
+      <dsp:txXfrm>
+        <a:off x="0" y="3018091"/>
+        <a:ext cx="10598726" cy="603515"/>
+      </dsp:txXfrm>
+    </dsp:sp>
+    <dsp:sp modelId="{7D0645E0-DB94-0942-AFD2-5A5771DD6D3A}">
+      <dsp:nvSpPr>
+        <dsp:cNvPr id="0" name=""/>
+        <dsp:cNvSpPr/>
+      </dsp:nvSpPr>
+      <dsp:spPr>
+        <a:xfrm>
+          <a:off x="0" y="3621606"/>
+          <a:ext cx="10598726" cy="0"/>
+        </a:xfrm>
+        <a:prstGeom prst="line">
+          <a:avLst/>
+        </a:prstGeom>
+        <a:gradFill rotWithShape="0">
+          <a:gsLst>
+            <a:gs pos="0">
+              <a:schemeClr val="accent2">
+                <a:hueOff val="0"/>
+                <a:satOff val="0"/>
+                <a:lumOff val="0"/>
+                <a:alphaOff val="0"/>
+                <a:satMod val="103000"/>
+                <a:lumMod val="102000"/>
+                <a:tint val="94000"/>
+              </a:schemeClr>
+            </a:gs>
+            <a:gs pos="50000">
+              <a:schemeClr val="accent2">
+                <a:hueOff val="0"/>
+                <a:satOff val="0"/>
+                <a:lumOff val="0"/>
+                <a:alphaOff val="0"/>
+                <a:satMod val="110000"/>
+                <a:lumMod val="100000"/>
+                <a:shade val="100000"/>
+              </a:schemeClr>
+            </a:gs>
+            <a:gs pos="100000">
+              <a:schemeClr val="accent2">
+                <a:hueOff val="0"/>
+                <a:satOff val="0"/>
+                <a:lumOff val="0"/>
+                <a:alphaOff val="0"/>
+                <a:lumMod val="99000"/>
+                <a:satMod val="120000"/>
+                <a:shade val="78000"/>
+              </a:schemeClr>
+            </a:gs>
+          </a:gsLst>
+          <a:lin ang="5400000" scaled="0"/>
+        </a:gradFill>
+        <a:ln w="6350" cap="flat" cmpd="sng" algn="ctr">
+          <a:solidFill>
+            <a:schemeClr val="accent2">
+              <a:hueOff val="0"/>
+              <a:satOff val="0"/>
+              <a:lumOff val="0"/>
+              <a:alphaOff val="0"/>
+            </a:schemeClr>
+          </a:solidFill>
+          <a:prstDash val="solid"/>
+          <a:miter lim="800000"/>
+        </a:ln>
+        <a:effectLst/>
+      </dsp:spPr>
+      <dsp:style>
+        <a:lnRef idx="1">
+          <a:scrgbClr r="0" g="0" b="0"/>
+        </a:lnRef>
+        <a:fillRef idx="3">
+          <a:scrgbClr r="0" g="0" b="0"/>
+        </a:fillRef>
+        <a:effectRef idx="2">
+          <a:scrgbClr r="0" g="0" b="0"/>
+        </a:effectRef>
+        <a:fontRef idx="minor">
+          <a:schemeClr val="lt1"/>
+        </a:fontRef>
+      </dsp:style>
+    </dsp:sp>
+    <dsp:sp modelId="{BDFDC609-B24D-844B-802C-206657009EBF}">
+      <dsp:nvSpPr>
+        <dsp:cNvPr id="0" name=""/>
+        <dsp:cNvSpPr/>
+      </dsp:nvSpPr>
+      <dsp:spPr>
+        <a:xfrm>
+          <a:off x="0" y="3621606"/>
+          <a:ext cx="10598726" cy="603515"/>
+        </a:xfrm>
+        <a:prstGeom prst="rect">
+          <a:avLst/>
+        </a:prstGeom>
+        <a:noFill/>
+        <a:ln>
+          <a:noFill/>
+        </a:ln>
+        <a:effectLst/>
+      </dsp:spPr>
+      <dsp:style>
+        <a:lnRef idx="0">
+          <a:scrgbClr r="0" g="0" b="0"/>
+        </a:lnRef>
+        <a:fillRef idx="0">
+          <a:scrgbClr r="0" g="0" b="0"/>
+        </a:fillRef>
+        <a:effectRef idx="0">
+          <a:scrgbClr r="0" g="0" b="0"/>
+        </a:effectRef>
+        <a:fontRef idx="minor"/>
+      </dsp:style>
+      <dsp:txBody>
+        <a:bodyPr spcFirstLastPara="0" vert="horz" wrap="square" lIns="102870" tIns="102870" rIns="102870" bIns="102870" numCol="1" spcCol="1270" anchor="t" anchorCtr="0">
+          <a:noAutofit/>
+        </a:bodyPr>
+        <a:lstStyle/>
+        <a:p>
+          <a:pPr marL="0" lvl="0" indent="0" algn="l" defTabSz="1200150">
+            <a:lnSpc>
+              <a:spcPct val="90000"/>
+            </a:lnSpc>
+            <a:spcBef>
+              <a:spcPct val="0"/>
+            </a:spcBef>
+            <a:spcAft>
+              <a:spcPct val="35000"/>
+            </a:spcAft>
+            <a:buNone/>
+          </a:pPr>
+          <a:r>
+            <a:rPr lang="en-US" sz="2700" kern="1200" dirty="0"/>
+            <a:t>Further Study</a:t>
+          </a:r>
+        </a:p>
+      </dsp:txBody>
+      <dsp:txXfrm>
+        <a:off x="0" y="3621606"/>
+        <a:ext cx="10598726" cy="603515"/>
+      </dsp:txXfrm>
+    </dsp:sp>
+  </dsp:spTree>
+</dsp:drawing>
+</file>
+
+<file path=ppt/diagrams/layout1.xml><?xml version="1.0" encoding="utf-8"?>
+<dgm:layoutDef xmlns:dgm="http://schemas.openxmlformats.org/drawingml/2006/diagram" xmlns:a="http://schemas.openxmlformats.org/drawingml/2006/main" uniqueId="urn:microsoft.com/office/officeart/2008/layout/LinedList">
+  <dgm:title val=""/>
+  <dgm:desc val=""/>
+  <dgm:catLst>
+    <dgm:cat type="hierarchy" pri="8000"/>
+    <dgm:cat type="list" pri="2500"/>
+  </dgm:catLst>
+  <dgm:sampData>
+    <dgm:dataModel>
+      <dgm:ptLst>
+        <dgm:pt modelId="0" type="doc"/>
+        <dgm:pt modelId="1">
+          <dgm:prSet phldr="1"/>
+        </dgm:pt>
+        <dgm:pt modelId="11">
+          <dgm:prSet phldr="1"/>
+        </dgm:pt>
+        <dgm:pt modelId="12">
+          <dgm:prSet phldr="1"/>
+        </dgm:pt>
+        <dgm:pt modelId="13">
+          <dgm:prSet phldr="1"/>
+        </dgm:pt>
+      </dgm:ptLst>
+      <dgm:cxnLst>
+        <dgm:cxn modelId="2" srcId="0" destId="1" srcOrd="0" destOrd="0"/>
+        <dgm:cxn modelId="3" srcId="1" destId="11" srcOrd="0" destOrd="0"/>
+        <dgm:cxn modelId="4" srcId="1" destId="12" srcOrd="1" destOrd="0"/>
+        <dgm:cxn modelId="5" srcId="1" destId="13" srcOrd="2" destOrd="0"/>
+      </dgm:cxnLst>
+      <dgm:bg/>
+      <dgm:whole/>
+    </dgm:dataModel>
+  </dgm:sampData>
+  <dgm:styleData>
+    <dgm:dataModel>
+      <dgm:ptLst>
+        <dgm:pt modelId="0" type="doc"/>
+        <dgm:pt modelId="1">
+          <dgm:prSet phldr="1"/>
+        </dgm:pt>
+        <dgm:pt modelId="11">
+          <dgm:prSet phldr="1"/>
+        </dgm:pt>
+        <dgm:pt modelId="12">
+          <dgm:prSet phldr="1"/>
+        </dgm:pt>
+      </dgm:ptLst>
+      <dgm:cxnLst>
+        <dgm:cxn modelId="2" srcId="0" destId="1" srcOrd="0" destOrd="0"/>
+        <dgm:cxn modelId="3" srcId="1" destId="11" srcOrd="0" destOrd="0"/>
+        <dgm:cxn modelId="4" srcId="1" destId="12" srcOrd="1" destOrd="0"/>
+      </dgm:cxnLst>
+      <dgm:bg/>
+      <dgm:whole/>
+    </dgm:dataModel>
+  </dgm:styleData>
+  <dgm:clrData>
+    <dgm:dataModel>
+      <dgm:ptLst>
+        <dgm:pt modelId="0" type="doc"/>
+        <dgm:pt modelId="1">
+          <dgm:prSet phldr="1"/>
+        </dgm:pt>
+        <dgm:pt modelId="11">
+          <dgm:prSet phldr="1"/>
+        </dgm:pt>
+        <dgm:pt modelId="12">
+          <dgm:prSet phldr="1"/>
+        </dgm:pt>
+      </dgm:ptLst>
+      <dgm:cxnLst>
+        <dgm:cxn modelId="2" srcId="0" destId="1" srcOrd="0" destOrd="0"/>
+        <dgm:cxn modelId="3" srcId="1" destId="11" srcOrd="0" destOrd="0"/>
+        <dgm:cxn modelId="4" srcId="1" destId="12" srcOrd="1" destOrd="0"/>
+      </dgm:cxnLst>
+      <dgm:bg/>
+      <dgm:whole/>
+    </dgm:dataModel>
+  </dgm:clrData>
+  <dgm:layoutNode name="vert0">
+    <dgm:varLst>
+      <dgm:dir/>
+      <dgm:animOne val="branch"/>
+      <dgm:animLvl val="lvl"/>
+    </dgm:varLst>
+    <dgm:choose name="Name0">
+      <dgm:if name="Name1" func="var" arg="dir" op="equ" val="norm">
+        <dgm:alg type="lin">
+          <dgm:param type="linDir" val="fromT"/>
+          <dgm:param type="nodeHorzAlign" val="l"/>
+        </dgm:alg>
+      </dgm:if>
+      <dgm:else name="Name2">
+        <dgm:alg type="lin">
+          <dgm:param type="linDir" val="fromT"/>
+          <dgm:param type="nodeHorzAlign" val="r"/>
+        </dgm:alg>
+      </dgm:else>
+    </dgm:choose>
+    <dgm:shape xmlns:r="http://schemas.openxmlformats.org/officeDocument/2006/relationships" r:blip="">
+      <dgm:adjLst/>
+    </dgm:shape>
+    <dgm:presOf/>
+    <dgm:constrLst>
+      <dgm:constr type="w" for="ch" forName="horz1" refType="w"/>
+      <dgm:constr type="h" for="ch" forName="horz1" refType="h"/>
+      <dgm:constr type="h" for="des" forName="vert1" refType="h"/>
+      <dgm:constr type="h" for="des" forName="tx1" refType="h"/>
+      <dgm:constr type="h" for="des" forName="horz2" refType="h"/>
+      <dgm:constr type="h" for="des" forName="vert2" refType="h"/>
+      <dgm:constr type="h" for="des" forName="horz3" refType="h"/>
+      <dgm:constr type="h" for="des" forName="vert3" refType="h"/>
+      <dgm:constr type="h" for="des" forName="horz4" refType="h"/>
+      <dgm:constr type="h" for="des" ptType="node" refType="h"/>
+      <dgm:constr type="primFontSz" for="des" forName="tx1" op="equ" val="65"/>
+      <dgm:constr type="primFontSz" for="des" forName="tx2" op="equ" val="65"/>
+      <dgm:constr type="primFontSz" for="des" forName="tx3" op="equ" val="65"/>
+      <dgm:constr type="primFontSz" for="des" forName="tx4" op="equ" val="65"/>
+      <dgm:constr type="w" for="des" forName="thickLine" refType="w"/>
+      <dgm:constr type="h" for="des" forName="thickLine"/>
+      <dgm:constr type="h" for="des" forName="thinLine1"/>
+      <dgm:constr type="h" for="des" forName="thinLine2b"/>
+      <dgm:constr type="h" for="des" forName="thinLine3"/>
+      <dgm:constr type="h" for="des" forName="vertSpace2a" refType="h" fact="0.05"/>
+      <dgm:constr type="h" for="des" forName="vertSpace2b" refType="h" refFor="des" refForName="vertSpace2a"/>
+    </dgm:constrLst>
+    <dgm:forEach name="Name3" axis="ch" ptType="node">
+      <dgm:layoutNode name="thickLine" styleLbl="alignNode1">
+        <dgm:alg type="sp"/>
+        <dgm:shape xmlns:r="http://schemas.openxmlformats.org/officeDocument/2006/relationships" type="line" r:blip="">
+          <dgm:adjLst/>
+        </dgm:shape>
+        <dgm:presOf/>
+      </dgm:layoutNode>
+      <dgm:layoutNode name="horz1">
+        <dgm:choose name="Name4">
+          <dgm:if name="Name5" func="var" arg="dir" op="equ" val="norm">
+            <dgm:alg type="lin">
+              <dgm:param type="linDir" val="fromL"/>
+              <dgm:param type="nodeVertAlign" val="t"/>
+            </dgm:alg>
+          </dgm:if>
+          <dgm:else name="Name6">
+            <dgm:alg type="lin">
+              <dgm:param type="linDir" val="fromR"/>
+              <dgm:param type="nodeVertAlign" val="t"/>
+            </dgm:alg>
+          </dgm:else>
+        </dgm:choose>
+        <dgm:shape xmlns:r="http://schemas.openxmlformats.org/officeDocument/2006/relationships" r:blip="">
+          <dgm:adjLst/>
+        </dgm:shape>
+        <dgm:presOf/>
+        <dgm:choose name="Name7">
+          <dgm:if name="Name8" axis="root des" func="maxDepth" op="equ" val="1">
+            <dgm:constrLst>
+              <dgm:constr type="w" for="ch" forName="tx1" refType="w"/>
+            </dgm:constrLst>
+          </dgm:if>
+          <dgm:if name="Name9" axis="root des" func="maxDepth" op="equ" val="2">
+            <dgm:constrLst>
+              <dgm:constr type="w" for="ch" forName="tx1" refType="w" fact="0.2"/>
+              <dgm:constr type="w" for="des" forName="tx2" refType="w" fact="0.785"/>
+              <dgm:constr type="w" for="des" forName="horzSpace2" refType="w" fact="0.015"/>
+              <dgm:constr type="w" for="des" forName="thinLine2b" refType="w" fact="0.8"/>
+            </dgm:constrLst>
+          </dgm:if>
+          <dgm:if name="Name10" axis="root des" func="maxDepth" op="equ" val="3">
+            <dgm:constrLst>
+              <dgm:constr type="w" for="ch" forName="tx1" refType="w" fact="0.2"/>
+              <dgm:constr type="w" for="des" forName="tx2" refType="w" fact="0.385"/>
+              <dgm:constr type="w" for="des" forName="tx3" refType="w" fact="0.385"/>
+              <dgm:constr type="w" for="des" forName="horzSpace2" refType="w" fact="0.015"/>
+              <dgm:constr type="w" for="des" forName="horzSpace3" refType="w" fact="0.015"/>
+              <dgm:constr type="w" for="des" forName="thinLine2b" refType="w" fact="0.8"/>
+              <dgm:constr type="w" for="des" forName="thinLine3" refType="w" fact="0.385"/>
+            </dgm:constrLst>
+          </dgm:if>
+          <dgm:if name="Name11" axis="root des" func="maxDepth" op="gte" val="4">
+            <dgm:constrLst>
+              <dgm:constr type="w" for="ch" forName="tx1" refType="w" fact="0.2"/>
+              <dgm:constr type="w" for="des" forName="tx2" refType="w" fact="0.2516"/>
+              <dgm:constr type="w" for="des" forName="tx3" refType="w" fact="0.2516"/>
+              <dgm:constr type="w" for="des" forName="tx4" refType="w" fact="0.2516"/>
+              <dgm:constr type="w" for="des" forName="horzSpace2" refType="w" fact="0.015"/>
+              <dgm:constr type="w" for="des" forName="horzSpace3" refType="w" fact="0.015"/>
+              <dgm:constr type="w" for="des" forName="horzSpace4" refType="w" fact="0.015"/>
+              <dgm:constr type="w" for="des" forName="thinLine2b" refType="w" fact="0.8"/>
+              <dgm:constr type="w" for="des" forName="thinLine3" refType="w" fact="0.5332"/>
+            </dgm:constrLst>
+          </dgm:if>
+          <dgm:else name="Name12"/>
+        </dgm:choose>
+        <dgm:layoutNode name="tx1" styleLbl="revTx">
+          <dgm:alg type="tx">
+            <dgm:param type="parTxLTRAlign" val="l"/>
+            <dgm:param type="parTxRTLAlign" val="r"/>
+            <dgm:param type="txAnchorVert" val="t"/>
+          </dgm:alg>
+          <dgm:shape xmlns:r="http://schemas.openxmlformats.org/officeDocument/2006/relationships" type="rect" r:blip="">
+            <dgm:adjLst/>
+          </dgm:shape>
+          <dgm:presOf axis="self"/>
+          <dgm:constrLst>
+            <dgm:constr type="tMarg" refType="primFontSz" fact="0.3"/>
+            <dgm:constr type="bMarg" refType="primFontSz" fact="0.3"/>
+            <dgm:constr type="lMarg" refType="primFontSz" fact="0.3"/>
+            <dgm:constr type="rMarg" refType="primFontSz" fact="0.3"/>
+          </dgm:constrLst>
+          <dgm:ruleLst>
+            <dgm:rule type="primFontSz" val="5" fact="NaN" max="NaN"/>
+          </dgm:ruleLst>
+        </dgm:layoutNode>
+        <dgm:layoutNode name="vert1">
+          <dgm:choose name="Name13">
+            <dgm:if name="Name14" func="var" arg="dir" op="equ" val="norm">
+              <dgm:alg type="lin">
+                <dgm:param type="linDir" val="fromT"/>
+                <dgm:param type="nodeHorzAlign" val="l"/>
+              </dgm:alg>
+            </dgm:if>
+            <dgm:else name="Name15">
+              <dgm:alg type="lin">
+                <dgm:param type="linDir" val="fromT"/>
+                <dgm:param type="nodeHorzAlign" val="r"/>
+              </dgm:alg>
+            </dgm:else>
+          </dgm:choose>
+          <dgm:shape xmlns:r="http://schemas.openxmlformats.org/officeDocument/2006/relationships" r:blip="">
+            <dgm:adjLst/>
+          </dgm:shape>
+          <dgm:presOf/>
+          <dgm:forEach name="Name16" axis="ch" ptType="node">
+            <dgm:choose name="Name17">
+              <dgm:if name="Name18" axis="self" ptType="node" func="pos" op="equ" val="1">
+                <dgm:layoutNode name="vertSpace2a">
+                  <dgm:alg type="sp"/>
+                  <dgm:shape xmlns:r="http://schemas.openxmlformats.org/officeDocument/2006/relationships" r:blip="">
+                    <dgm:adjLst/>
+                  </dgm:shape>
+                  <dgm:presOf/>
+                </dgm:layoutNode>
+              </dgm:if>
+              <dgm:else name="Name19"/>
+            </dgm:choose>
+            <dgm:layoutNode name="horz2">
+              <dgm:choose name="Name20">
+                <dgm:if name="Name21" func="var" arg="dir" op="equ" val="norm">
+                  <dgm:alg type="lin">
+                    <dgm:param type="linDir" val="fromL"/>
+                    <dgm:param type="nodeVertAlign" val="t"/>
+                  </dgm:alg>
+                </dgm:if>
+                <dgm:else name="Name22">
+                  <dgm:alg type="lin">
+                    <dgm:param type="linDir" val="fromR"/>
+                    <dgm:param type="nodeVertAlign" val="t"/>
+                  </dgm:alg>
+                </dgm:else>
+              </dgm:choose>
+              <dgm:shape xmlns:r="http://schemas.openxmlformats.org/officeDocument/2006/relationships" r:blip="">
+                <dgm:adjLst/>
+              </dgm:shape>
+              <dgm:presOf/>
+              <dgm:layoutNode name="horzSpace2">
+                <dgm:alg type="sp"/>
+                <dgm:shape xmlns:r="http://schemas.openxmlformats.org/officeDocument/2006/relationships" r:blip="">
+                  <dgm:adjLst/>
+                </dgm:shape>
+                <dgm:presOf/>
+              </dgm:layoutNode>
+              <dgm:layoutNode name="tx2" styleLbl="revTx">
+                <dgm:alg type="tx">
+                  <dgm:param type="parTxLTRAlign" val="l"/>
+                  <dgm:param type="parTxRTLAlign" val="r"/>
+                  <dgm:param type="txAnchorVert" val="t"/>
+                </dgm:alg>
+                <dgm:shape xmlns:r="http://schemas.openxmlformats.org/officeDocument/2006/relationships" type="rect" r:blip="">
+                  <dgm:adjLst/>
+                </dgm:shape>
+                <dgm:presOf axis="self"/>
+                <dgm:constrLst>
+                  <dgm:constr type="tMarg" refType="primFontSz" fact="0.3"/>
+                  <dgm:constr type="bMarg" refType="primFontSz" fact="0.3"/>
+                  <dgm:constr type="lMarg" refType="primFontSz" fact="0.3"/>
+                  <dgm:constr type="rMarg" refType="primFontSz" fact="0.3"/>
+                </dgm:constrLst>
+                <dgm:ruleLst>
+                  <dgm:rule type="primFontSz" val="5" fact="NaN" max="NaN"/>
+                </dgm:ruleLst>
+              </dgm:layoutNode>
+              <dgm:layoutNode name="vert2">
+                <dgm:choose name="Name23">
+                  <dgm:if name="Name24" func="var" arg="dir" op="equ" val="norm">
+                    <dgm:alg type="lin">
+                      <dgm:param type="linDir" val="fromT"/>
+                      <dgm:param type="nodeHorzAlign" val="l"/>
+                    </dgm:alg>
+                  </dgm:if>
+                  <dgm:else name="Name25">
+                    <dgm:alg type="lin">
+                      <dgm:param type="linDir" val="fromT"/>
+                      <dgm:param type="nodeHorzAlign" val="r"/>
+                    </dgm:alg>
+                  </dgm:else>
+                </dgm:choose>
+                <dgm:shape xmlns:r="http://schemas.openxmlformats.org/officeDocument/2006/relationships" r:blip="">
+                  <dgm:adjLst/>
+                </dgm:shape>
+                <dgm:presOf/>
+                <dgm:forEach name="Name26" axis="ch" ptType="node">
+                  <dgm:layoutNode name="horz3">
+                    <dgm:choose name="Name27">
+                      <dgm:if name="Name28" func="var" arg="dir" op="equ" val="norm">
+                        <dgm:alg type="lin">
+                          <dgm:param type="linDir" val="fromL"/>
+                          <dgm:param type="nodeVertAlign" val="t"/>
+                        </dgm:alg>
+                      </dgm:if>
+                      <dgm:else name="Name29">
+                        <dgm:alg type="lin">
+                          <dgm:param type="linDir" val="fromR"/>
+                          <dgm:param type="nodeVertAlign" val="t"/>
+                        </dgm:alg>
+                      </dgm:else>
+                    </dgm:choose>
+                    <dgm:shape xmlns:r="http://schemas.openxmlformats.org/officeDocument/2006/relationships" r:blip="">
+                      <dgm:adjLst/>
+                    </dgm:shape>
+                    <dgm:presOf/>
+                    <dgm:layoutNode name="horzSpace3">
+                      <dgm:alg type="sp"/>
+                      <dgm:shape xmlns:r="http://schemas.openxmlformats.org/officeDocument/2006/relationships" r:blip="">
+                        <dgm:adjLst/>
+                      </dgm:shape>
+                      <dgm:presOf/>
+                    </dgm:layoutNode>
+                    <dgm:layoutNode name="tx3" styleLbl="revTx">
+                      <dgm:alg type="tx">
+                        <dgm:param type="parTxLTRAlign" val="l"/>
+                        <dgm:param type="parTxRTLAlign" val="r"/>
+                        <dgm:param type="txAnchorVert" val="t"/>
+                      </dgm:alg>
+                      <dgm:shape xmlns:r="http://schemas.openxmlformats.org/officeDocument/2006/relationships" type="rect" r:blip="">
+                        <dgm:adjLst/>
+                      </dgm:shape>
+                      <dgm:presOf axis="self"/>
+                      <dgm:constrLst>
+                        <dgm:constr type="tMarg" refType="primFontSz" fact="0.3"/>
+                        <dgm:constr type="bMarg" refType="primFontSz" fact="0.3"/>
+                        <dgm:constr type="lMarg" refType="primFontSz" fact="0.3"/>
+                        <dgm:constr type="rMarg" refType="primFontSz" fact="0.3"/>
+                      </dgm:constrLst>
+                      <dgm:ruleLst>
+                        <dgm:rule type="primFontSz" val="5" fact="NaN" max="NaN"/>
+                      </dgm:ruleLst>
+                    </dgm:layoutNode>
+                    <dgm:layoutNode name="vert3">
+                      <dgm:choose name="Name30">
+                        <dgm:if name="Name31" func="var" arg="dir" op="equ" val="norm">
+                          <dgm:alg type="lin">
+                            <dgm:param type="linDir" val="fromT"/>
+                            <dgm:param type="nodeHorzAlign" val="l"/>
+                          </dgm:alg>
+                        </dgm:if>
+                        <dgm:else name="Name32">
+                          <dgm:alg type="lin">
+                            <dgm:param type="linDir" val="fromT"/>
+                            <dgm:param type="nodeHorzAlign" val="r"/>
+                          </dgm:alg>
+                        </dgm:else>
+                      </dgm:choose>
+                      <dgm:shape xmlns:r="http://schemas.openxmlformats.org/officeDocument/2006/relationships" r:blip="">
+                        <dgm:adjLst/>
+                      </dgm:shape>
+                      <dgm:presOf/>
+                      <dgm:forEach name="Name33" axis="ch" ptType="node">
+                        <dgm:layoutNode name="horz4">
+                          <dgm:choose name="Name34">
+                            <dgm:if name="Name35" func="var" arg="dir" op="equ" val="norm">
+                              <dgm:alg type="lin">
+                                <dgm:param type="linDir" val="fromL"/>
+                                <dgm:param type="nodeVertAlign" val="t"/>
+                              </dgm:alg>
+                            </dgm:if>
+                            <dgm:else name="Name36">
+                              <dgm:alg type="lin">
+                                <dgm:param type="linDir" val="fromR"/>
+                                <dgm:param type="nodeVertAlign" val="t"/>
+                              </dgm:alg>
+                            </dgm:else>
+                          </dgm:choose>
+                          <dgm:shape xmlns:r="http://schemas.openxmlformats.org/officeDocument/2006/relationships" r:blip="">
+                            <dgm:adjLst/>
+                          </dgm:shape>
+                          <dgm:presOf/>
+                          <dgm:layoutNode name="horzSpace4">
+                            <dgm:alg type="sp"/>
+                            <dgm:shape xmlns:r="http://schemas.openxmlformats.org/officeDocument/2006/relationships" r:blip="">
+                              <dgm:adjLst/>
+                            </dgm:shape>
+                            <dgm:presOf/>
+                          </dgm:layoutNode>
+                          <dgm:layoutNode name="tx4" styleLbl="revTx">
+                            <dgm:varLst>
+                              <dgm:bulletEnabled val="1"/>
+                            </dgm:varLst>
+                            <dgm:alg type="tx">
+                              <dgm:param type="parTxLTRAlign" val="l"/>
+                              <dgm:param type="parTxRTLAlign" val="r"/>
+                              <dgm:param type="txAnchorVert" val="t"/>
+                            </dgm:alg>
+                            <dgm:shape xmlns:r="http://schemas.openxmlformats.org/officeDocument/2006/relationships" type="rect" r:blip="">
+                              <dgm:adjLst/>
+                            </dgm:shape>
+                            <dgm:presOf axis="desOrSelf" ptType="node"/>
+                            <dgm:constrLst>
+                              <dgm:constr type="tMarg" refType="primFontSz" fact="0.3"/>
+                              <dgm:constr type="bMarg" refType="primFontSz" fact="0.3"/>
+                              <dgm:constr type="lMarg" refType="primFontSz" fact="0.3"/>
+                              <dgm:constr type="rMarg" refType="primFontSz" fact="0.3"/>
+                            </dgm:constrLst>
+                            <dgm:ruleLst>
+                              <dgm:rule type="primFontSz" val="5" fact="NaN" max="NaN"/>
+                            </dgm:ruleLst>
+                          </dgm:layoutNode>
+                        </dgm:layoutNode>
+                      </dgm:forEach>
+                    </dgm:layoutNode>
+                  </dgm:layoutNode>
+                  <dgm:forEach name="Name37" axis="followSib" ptType="sibTrans" cnt="1">
+                    <dgm:layoutNode name="thinLine3" styleLbl="callout">
+                      <dgm:alg type="sp"/>
+                      <dgm:shape xmlns:r="http://schemas.openxmlformats.org/officeDocument/2006/relationships" type="line" r:blip="">
+                        <dgm:adjLst/>
+                      </dgm:shape>
+                      <dgm:presOf/>
+                    </dgm:layoutNode>
+                  </dgm:forEach>
+                </dgm:forEach>
+              </dgm:layoutNode>
+            </dgm:layoutNode>
+            <dgm:layoutNode name="thinLine2b" styleLbl="callout">
+              <dgm:alg type="sp"/>
+              <dgm:shape xmlns:r="http://schemas.openxmlformats.org/officeDocument/2006/relationships" type="line" r:blip="">
+                <dgm:adjLst/>
+              </dgm:shape>
+              <dgm:presOf/>
+            </dgm:layoutNode>
+            <dgm:layoutNode name="vertSpace2b">
+              <dgm:alg type="sp"/>
+              <dgm:shape xmlns:r="http://schemas.openxmlformats.org/officeDocument/2006/relationships" r:blip="">
+                <dgm:adjLst/>
+              </dgm:shape>
+              <dgm:presOf/>
+            </dgm:layoutNode>
+          </dgm:forEach>
+        </dgm:layoutNode>
+      </dgm:layoutNode>
+    </dgm:forEach>
+  </dgm:layoutNode>
+</dgm:layoutDef>
+</file>
+
+<file path=ppt/diagrams/quickStyle1.xml><?xml version="1.0" encoding="utf-8"?>
+<dgm:styleDef xmlns:dgm="http://schemas.openxmlformats.org/drawingml/2006/diagram" xmlns:a="http://schemas.openxmlformats.org/drawingml/2006/main" uniqueId="urn:microsoft.com/office/officeart/2005/8/quickstyle/simple4">
+  <dgm:title val=""/>
+  <dgm:desc val=""/>
+  <dgm:catLst>
+    <dgm:cat type="simple" pri="10400"/>
+  </dgm:catLst>
+  <dgm:scene3d>
+    <a:camera prst="orthographicFront"/>
+    <a:lightRig rig="threePt" dir="t"/>
+  </dgm:scene3d>
+  <dgm:styleLbl name="node0">
+    <dgm:scene3d>
+      <a:camera prst="orthographicFront"/>
+      <a:lightRig rig="threePt" dir="t"/>
+    </dgm:scene3d>
+    <dgm:sp3d/>
+    <dgm:txPr/>
+    <dgm:style>
+      <a:lnRef idx="0">
+        <a:scrgbClr r="0" g="0" b="0"/>
+      </a:lnRef>
+      <a:fillRef idx="3">
+        <a:scrgbClr r="0" g="0" b="0"/>
+      </a:fillRef>
+      <a:effectRef idx="2">
+        <a:scrgbClr r="0" g="0" b="0"/>
+      </a:effectRef>
+      <a:fontRef idx="minor">
+        <a:schemeClr val="lt1"/>
+      </a:fontRef>
+    </dgm:style>
+  </dgm:styleLbl>
+  <dgm:styleLbl name="lnNode1">
+    <dgm:scene3d>
+      <a:camera prst="orthographicFront"/>
+      <a:lightRig rig="threePt" dir="t"/>
+    </dgm:scene3d>
+    <dgm:sp3d/>
+    <dgm:txPr/>
+    <dgm:style>
+      <a:lnRef idx="1">
+        <a:scrgbClr r="0" g="0" b="0"/>
+      </a:lnRef>
+      <a:fillRef idx="3">
+        <a:scrgbClr r="0" g="0" b="0"/>
+      </a:fillRef>
+      <a:effectRef idx="2">
+        <a:scrgbClr r="0" g="0" b="0"/>
+      </a:effectRef>
+      <a:fontRef idx="minor">
+        <a:schemeClr val="lt1"/>
+      </a:fontRef>
+    </dgm:style>
+  </dgm:styleLbl>
+  <dgm:styleLbl name="vennNode1">
+    <dgm:scene3d>
+      <a:camera prst="orthographicFront"/>
+      <a:lightRig rig="threePt" dir="t"/>
+    </dgm:scene3d>
+    <dgm:sp3d/>
+    <dgm:txPr/>
+    <dgm:style>
+      <a:lnRef idx="0">
+        <a:scrgbClr r="0" g="0" b="0"/>
+      </a:lnRef>
+      <a:fillRef idx="3">
+        <a:scrgbClr r="0" g="0" b="0"/>
+      </a:fillRef>
+      <a:effectRef idx="0">
+        <a:scrgbClr r="0" g="0" b="0"/>
+      </a:effectRef>
+      <a:fontRef idx="minor">
+        <a:schemeClr val="tx1"/>
+      </a:fontRef>
+    </dgm:style>
+  </dgm:styleLbl>
+  <dgm:styleLbl name="alignNode1">
+    <dgm:scene3d>
+      <a:camera prst="orthographicFront"/>
+      <a:lightRig rig="threePt" dir="t"/>
+    </dgm:scene3d>
+    <dgm:sp3d/>
+    <dgm:txPr/>
+    <dgm:style>
+      <a:lnRef idx="1">
+        <a:scrgbClr r="0" g="0" b="0"/>
+      </a:lnRef>
+      <a:fillRef idx="3">
+        <a:scrgbClr r="0" g="0" b="0"/>
+      </a:fillRef>
+      <a:effectRef idx="2">
+        <a:scrgbClr r="0" g="0" b="0"/>
+      </a:effectRef>
+      <a:fontRef idx="minor">
+        <a:schemeClr val="lt1"/>
+      </a:fontRef>
+    </dgm:style>
+  </dgm:styleLbl>
+  <dgm:styleLbl name="node1">
+    <dgm:scene3d>
+      <a:camera prst="orthographicFront"/>
+      <a:lightRig rig="threePt" dir="t"/>
+    </dgm:scene3d>
+    <dgm:sp3d/>
+    <dgm:txPr/>
+    <dgm:style>
+      <a:lnRef idx="0">
+        <a:scrgbClr r="0" g="0" b="0"/>
+      </a:lnRef>
+      <a:fillRef idx="3">
+        <a:scrgbClr r="0" g="0" b="0"/>
+      </a:fillRef>
+      <a:effectRef idx="2">
+        <a:scrgbClr r="0" g="0" b="0"/>
+      </a:effectRef>
+      <a:fontRef idx="minor">
+        <a:schemeClr val="lt1"/>
+      </a:fontRef>
+    </dgm:style>
+  </dgm:styleLbl>
+  <dgm:styleLbl name="node2">
+    <dgm:scene3d>
+      <a:camera prst="orthographicFront"/>
+      <a:lightRig rig="threePt" dir="t"/>
+    </dgm:scene3d>
+    <dgm:sp3d/>
+    <dgm:txPr/>
+    <dgm:style>
+      <a:lnRef idx="0">
+        <a:scrgbClr r="0" g="0" b="0"/>
+      </a:lnRef>
+      <a:fillRef idx="3">
+        <a:scrgbClr r="0" g="0" b="0"/>
+      </a:fillRef>
+      <a:effectRef idx="2">
+        <a:scrgbClr r="0" g="0" b="0"/>
+      </a:effectRef>
+      <a:fontRef idx="minor">
+        <a:schemeClr val="lt1"/>
+      </a:fontRef>
+    </dgm:style>
+  </dgm:styleLbl>
+  <dgm:styleLbl name="node3">
+    <dgm:scene3d>
+      <a:camera prst="orthographicFront"/>
+      <a:lightRig rig="threePt" dir="t"/>
+    </dgm:scene3d>
+    <dgm:sp3d/>
+    <dgm:txPr/>
+    <dgm:style>
+      <a:lnRef idx="0">
+        <a:scrgbClr r="0" g="0" b="0"/>
+      </a:lnRef>
+      <a:fillRef idx="3">
+        <a:scrgbClr r="0" g="0" b="0"/>
+      </a:fillRef>
+      <a:effectRef idx="2">
+        <a:scrgbClr r="0" g="0" b="0"/>
+      </a:effectRef>
+      <a:fontRef idx="minor">
+        <a:schemeClr val="lt1"/>
+      </a:fontRef>
+    </dgm:style>
+  </dgm:styleLbl>
+  <dgm:styleLbl name="node4">
+    <dgm:scene3d>
+      <a:camera prst="orthographicFront"/>
+      <a:lightRig rig="threePt" dir="t"/>
+    </dgm:scene3d>
+    <dgm:sp3d/>
+    <dgm:txPr/>
+    <dgm:style>
+      <a:lnRef idx="0">
+        <a:scrgbClr r="0" g="0" b="0"/>
+      </a:lnRef>
+      <a:fillRef idx="3">
+        <a:scrgbClr r="0" g="0" b="0"/>
+      </a:fillRef>
+      <a:effectRef idx="2">
+        <a:scrgbClr r="0" g="0" b="0"/>
+      </a:effectRef>
+      <a:fontRef idx="minor">
+        <a:schemeClr val="lt1"/>
+      </a:fontRef>
+    </dgm:style>
+  </dgm:styleLbl>
+  <dgm:styleLbl name="fgImgPlace1">
+    <dgm:scene3d>
+      <a:camera prst="orthographicFront"/>
+      <a:lightRig rig="threePt" dir="t"/>
+    </dgm:scene3d>
+    <dgm:sp3d/>
+    <dgm:txPr/>
+    <dgm:style>
+      <a:lnRef idx="0">
+        <a:scrgbClr r="0" g="0" b="0"/>
+      </a:lnRef>
+      <a:fillRef idx="1">
+        <a:scrgbClr r="0" g="0" b="0"/>
+      </a:fillRef>
+      <a:effectRef idx="2">
+        <a:scrgbClr r="0" g="0" b="0"/>
+      </a:effectRef>
+      <a:fontRef idx="minor"/>
+    </dgm:style>
+  </dgm:styleLbl>
+  <dgm:styleLbl name="alignImgPlace1">
+    <dgm:scene3d>
+      <a:camera prst="orthographicFront"/>
+      <a:lightRig rig="threePt" dir="t"/>
+    </dgm:scene3d>
+    <dgm:sp3d/>
+    <dgm:txPr/>
+    <dgm:style>
+      <a:lnRef idx="0">
+        <a:scrgbClr r="0" g="0" b="0"/>
+      </a:lnRef>
+      <a:fillRef idx="1">
+        <a:scrgbClr r="0" g="0" b="0"/>
+      </a:fillRef>
+      <a:effectRef idx="2">
+        <a:scrgbClr r="0" g="0" b="0"/>
+      </a:effectRef>
+      <a:fontRef idx="minor"/>
+    </dgm:style>
+  </dgm:styleLbl>
+  <dgm:styleLbl name="bgImgPlace1">
+    <dgm:scene3d>
+      <a:camera prst="orthographicFront"/>
+      <a:lightRig rig="threePt" dir="t"/>
+    </dgm:scene3d>
+    <dgm:sp3d/>
+    <dgm:txPr/>
+    <dgm:style>
+      <a:lnRef idx="0">
+        <a:scrgbClr r="0" g="0" b="0"/>
+      </a:lnRef>
+      <a:fillRef idx="1">
+        <a:scrgbClr r="0" g="0" b="0"/>
+      </a:fillRef>
+      <a:effectRef idx="2">
+        <a:scrgbClr r="0" g="0" b="0"/>
+      </a:effectRef>
+      <a:fontRef idx="minor"/>
+    </dgm:style>
+  </dgm:styleLbl>
+  <dgm:styleLbl name="sibTrans2D1">
+    <dgm:scene3d>
+      <a:camera prst="orthographicFront"/>
+      <a:lightRig rig="threePt" dir="t"/>
+    </dgm:scene3d>
+    <dgm:sp3d/>
+    <dgm:txPr/>
+    <dgm:style>
+      <a:lnRef idx="0">
+        <a:scrgbClr r="0" g="0" b="0"/>
+      </a:lnRef>
+      <a:fillRef idx="3">
+        <a:scrgbClr r="0" g="0" b="0"/>
+      </a:fillRef>
+      <a:effectRef idx="2">
+        <a:scrgbClr r="0" g="0" b="0"/>
+      </a:effectRef>
+      <a:fontRef idx="minor">
+        <a:schemeClr val="lt1"/>
+      </a:fontRef>
+    </dgm:style>
+  </dgm:styleLbl>
+  <dgm:styleLbl name="fgSibTrans2D1">
+    <dgm:scene3d>
+      <a:camera prst="orthographicFront"/>
+      <a:lightRig rig="threePt" dir="t"/>
+    </dgm:scene3d>
+    <dgm:sp3d/>
+    <dgm:txPr/>
+    <dgm:style>
+      <a:lnRef idx="0">
+        <a:scrgbClr r="0" g="0" b="0"/>
+      </a:lnRef>
+      <a:fillRef idx="3">
+        <a:scrgbClr r="0" g="0" b="0"/>
+      </a:fillRef>
+      <a:effectRef idx="2">
+        <a:scrgbClr r="0" g="0" b="0"/>
+      </a:effectRef>
+      <a:fontRef idx="minor">
+        <a:schemeClr val="lt1"/>
+      </a:fontRef>
+    </dgm:style>
+  </dgm:styleLbl>
+  <dgm:styleLbl name="bgSibTrans2D1">
+    <dgm:scene3d>
+      <a:camera prst="orthographicFront"/>
+      <a:lightRig rig="threePt" dir="t"/>
+    </dgm:scene3d>
+    <dgm:sp3d/>
+    <dgm:txPr/>
+    <dgm:style>
+      <a:lnRef idx="0">
+        <a:scrgbClr r="0" g="0" b="0"/>
+      </a:lnRef>
+      <a:fillRef idx="3">
+        <a:scrgbClr r="0" g="0" b="0"/>
+      </a:fillRef>
+      <a:effectRef idx="2">
+        <a:scrgbClr r="0" g="0" b="0"/>
+      </a:effectRef>
+      <a:fontRef idx="minor">
+        <a:schemeClr val="lt1"/>
+      </a:fontRef>
+    </dgm:style>
+  </dgm:styleLbl>
+  <dgm:styleLbl name="sibTrans1D1">
+    <dgm:scene3d>
+      <a:camera prst="orthographicFront"/>
+      <a:lightRig rig="threePt" dir="t"/>
+    </dgm:scene3d>
+    <dgm:sp3d/>
+    <dgm:txPr/>
+    <dgm:style>
+      <a:lnRef idx="1">
+        <a:scrgbClr r="0" g="0" b="0"/>
+      </a:lnRef>
+      <a:fillRef idx="0">
+        <a:scrgbClr r="0" g="0" b="0"/>
+      </a:fillRef>
+      <a:effectRef idx="0">
+        <a:scrgbClr r="0" g="0" b="0"/>
+      </a:effectRef>
+      <a:fontRef idx="minor"/>
+    </dgm:style>
+  </dgm:styleLbl>
+  <dgm:styleLbl name="callout">
+    <dgm:scene3d>
+      <a:camera prst="orthographicFront"/>
+      <a:lightRig rig="threePt" dir="t"/>
+    </dgm:scene3d>
+    <dgm:sp3d/>
+    <dgm:txPr/>
+    <dgm:style>
+      <a:lnRef idx="2">
+        <a:scrgbClr r="0" g="0" b="0"/>
+      </a:lnRef>
+      <a:fillRef idx="1">
+        <a:scrgbClr r="0" g="0" b="0"/>
+      </a:fillRef>
+      <a:effectRef idx="1">
+        <a:scrgbClr r="0" g="0" b="0"/>
+      </a:effectRef>
+      <a:fontRef idx="minor"/>
+    </dgm:style>
+  </dgm:styleLbl>
+  <dgm:styleLbl name="asst0">
+    <dgm:scene3d>
+      <a:camera prst="orthographicFront"/>
+      <a:lightRig rig="threePt" dir="t"/>
+    </dgm:scene3d>
+    <dgm:sp3d/>
+    <dgm:txPr/>
+    <dgm:style>
+      <a:lnRef idx="0">
+        <a:scrgbClr r="0" g="0" b="0"/>
+      </a:lnRef>
+      <a:fillRef idx="3">
+        <a:scrgbClr r="0" g="0" b="0"/>
+      </a:fillRef>
+      <a:effectRef idx="2">
+        <a:scrgbClr r="0" g="0" b="0"/>
+      </a:effectRef>
+      <a:fontRef idx="minor">
+        <a:schemeClr val="lt1"/>
+      </a:fontRef>
+    </dgm:style>
+  </dgm:styleLbl>
+  <dgm:styleLbl name="asst1">
+    <dgm:scene3d>
+      <a:camera prst="orthographicFront"/>
+      <a:lightRig rig="threePt" dir="t"/>
+    </dgm:scene3d>
+    <dgm:sp3d/>
+    <dgm:txPr/>
+    <dgm:style>
+      <a:lnRef idx="0">
+        <a:scrgbClr r="0" g="0" b="0"/>
+      </a:lnRef>
+      <a:fillRef idx="3">
+        <a:scrgbClr r="0" g="0" b="0"/>
+      </a:fillRef>
+      <a:effectRef idx="2">
+        <a:scrgbClr r="0" g="0" b="0"/>
+      </a:effectRef>
+      <a:fontRef idx="minor">
+        <a:schemeClr val="lt1"/>
+      </a:fontRef>
+    </dgm:style>
+  </dgm:styleLbl>
+  <dgm:styleLbl name="asst2">
+    <dgm:scene3d>
+      <a:camera prst="orthographicFront"/>
+      <a:lightRig rig="threePt" dir="t"/>
+    </dgm:scene3d>
+    <dgm:sp3d/>
+    <dgm:txPr/>
+    <dgm:style>
+      <a:lnRef idx="0">
+        <a:scrgbClr r="0" g="0" b="0"/>
+      </a:lnRef>
+      <a:fillRef idx="3">
+        <a:scrgbClr r="0" g="0" b="0"/>
+      </a:fillRef>
+      <a:effectRef idx="2">
+        <a:scrgbClr r="0" g="0" b="0"/>
+      </a:effectRef>
+      <a:fontRef idx="minor">
+        <a:schemeClr val="lt1"/>
+      </a:fontRef>
+    </dgm:style>
+  </dgm:styleLbl>
+  <dgm:styleLbl name="asst3">
+    <dgm:scene3d>
+      <a:camera prst="orthographicFront"/>
+      <a:lightRig rig="threePt" dir="t"/>
+    </dgm:scene3d>
+    <dgm:sp3d/>
+    <dgm:txPr/>
+    <dgm:style>
+      <a:lnRef idx="0">
+        <a:scrgbClr r="0" g="0" b="0"/>
+      </a:lnRef>
+      <a:fillRef idx="3">
+        <a:scrgbClr r="0" g="0" b="0"/>
+      </a:fillRef>
+      <a:effectRef idx="2">
+        <a:scrgbClr r="0" g="0" b="0"/>
+      </a:effectRef>
+      <a:fontRef idx="minor">
+        <a:schemeClr val="lt1"/>
+      </a:fontRef>
+    </dgm:style>
+  </dgm:styleLbl>
+  <dgm:styleLbl name="asst4">
+    <dgm:scene3d>
+      <a:camera prst="orthographicFront"/>
+      <a:lightRig rig="threePt" dir="t"/>
+    </dgm:scene3d>
+    <dgm:sp3d/>
+    <dgm:txPr/>
+    <dgm:style>
+      <a:lnRef idx="0">
+        <a:scrgbClr r="0" g="0" b="0"/>
+      </a:lnRef>
+      <a:fillRef idx="3">
+        <a:scrgbClr r="0" g="0" b="0"/>
+      </a:fillRef>
+      <a:effectRef idx="2">
+        <a:scrgbClr r="0" g="0" b="0"/>
+      </a:effectRef>
+      <a:fontRef idx="minor">
+        <a:schemeClr val="lt1"/>
+      </a:fontRef>
+    </dgm:style>
+  </dgm:styleLbl>
+  <dgm:styleLbl name="parChTrans2D1">
+    <dgm:scene3d>
+      <a:camera prst="orthographicFront"/>
+      <a:lightRig rig="threePt" dir="t"/>
+    </dgm:scene3d>
+    <dgm:sp3d/>
+    <dgm:txPr/>
+    <dgm:style>
+      <a:lnRef idx="0">
+        <a:scrgbClr r="0" g="0" b="0"/>
+      </a:lnRef>
+      <a:fillRef idx="3">
+        <a:scrgbClr r="0" g="0" b="0"/>
+      </a:fillRef>
+      <a:effectRef idx="2">
+        <a:scrgbClr r="0" g="0" b="0"/>
+      </a:effectRef>
+      <a:fontRef idx="minor">
+        <a:schemeClr val="lt1"/>
+      </a:fontRef>
+    </dgm:style>
+  </dgm:styleLbl>
+  <dgm:styleLbl name="parChTrans2D2">
+    <dgm:scene3d>
+      <a:camera prst="orthographicFront"/>
+      <a:lightRig rig="threePt" dir="t"/>
+    </dgm:scene3d>
+    <dgm:sp3d/>
+    <dgm:txPr/>
+    <dgm:style>
+      <a:lnRef idx="0">
+        <a:scrgbClr r="0" g="0" b="0"/>
+      </a:lnRef>
+      <a:fillRef idx="3">
+        <a:scrgbClr r="0" g="0" b="0"/>
+      </a:fillRef>
+      <a:effectRef idx="2">
+        <a:scrgbClr r="0" g="0" b="0"/>
+      </a:effectRef>
+      <a:fontRef idx="minor">
+        <a:schemeClr val="lt1"/>
+      </a:fontRef>
+    </dgm:style>
+  </dgm:styleLbl>
+  <dgm:styleLbl name="parChTrans2D3">
+    <dgm:scene3d>
+      <a:camera prst="orthographicFront"/>
+      <a:lightRig rig="threePt" dir="t"/>
+    </dgm:scene3d>
+    <dgm:sp3d/>
+    <dgm:txPr/>
+    <dgm:style>
+      <a:lnRef idx="1">
+        <a:scrgbClr r="0" g="0" b="0"/>
+      </a:lnRef>
+      <a:fillRef idx="3">
+        <a:scrgbClr r="0" g="0" b="0"/>
+      </a:fillRef>
+      <a:effectRef idx="2">
+        <a:scrgbClr r="0" g="0" b="0"/>
+      </a:effectRef>
+      <a:fontRef idx="minor">
+        <a:schemeClr val="lt1"/>
+      </a:fontRef>
+    </dgm:style>
+  </dgm:styleLbl>
+  <dgm:styleLbl name="parChTrans2D4">
+    <dgm:scene3d>
+      <a:camera prst="orthographicFront"/>
+      <a:lightRig rig="threePt" dir="t"/>
+    </dgm:scene3d>
+    <dgm:sp3d/>
+    <dgm:txPr/>
+    <dgm:style>
+      <a:lnRef idx="1">
+        <a:scrgbClr r="0" g="0" b="0"/>
+      </a:lnRef>
+      <a:fillRef idx="3">
+        <a:scrgbClr r="0" g="0" b="0"/>
+      </a:fillRef>
+      <a:effectRef idx="2">
+        <a:scrgbClr r="0" g="0" b="0"/>
+      </a:effectRef>
+      <a:fontRef idx="minor">
+        <a:schemeClr val="lt1"/>
+      </a:fontRef>
+    </dgm:style>
+  </dgm:styleLbl>
+  <dgm:styleLbl name="parChTrans1D1">
+    <dgm:scene3d>
+      <a:camera prst="orthographicFront"/>
+      <a:lightRig rig="threePt" dir="t"/>
+    </dgm:scene3d>
+    <dgm:sp3d/>
+    <dgm:txPr/>
+    <dgm:style>
+      <a:lnRef idx="1">
+        <a:scrgbClr r="0" g="0" b="0"/>
+      </a:lnRef>
+      <a:fillRef idx="0">
+        <a:scrgbClr r="0" g="0" b="0"/>
+      </a:fillRef>
+      <a:effectRef idx="0">
+        <a:scrgbClr r="0" g="0" b="0"/>
+      </a:effectRef>
+      <a:fontRef idx="minor"/>
+    </dgm:style>
+  </dgm:styleLbl>
+  <dgm:styleLbl name="parChTrans1D2">
+    <dgm:scene3d>
+      <a:camera prst="orthographicFront"/>
+      <a:lightRig rig="threePt" dir="t"/>
+    </dgm:scene3d>
+    <dgm:sp3d/>
+    <dgm:txPr/>
+    <dgm:style>
+      <a:lnRef idx="1">
+        <a:scrgbClr r="0" g="0" b="0"/>
+      </a:lnRef>
+      <a:fillRef idx="0">
+        <a:scrgbClr r="0" g="0" b="0"/>
+      </a:fillRef>
+      <a:effectRef idx="0">
+        <a:scrgbClr r="0" g="0" b="0"/>
+      </a:effectRef>
+      <a:fontRef idx="minor"/>
+    </dgm:style>
+  </dgm:styleLbl>
+  <dgm:styleLbl name="parChTrans1D3">
+    <dgm:scene3d>
+      <a:camera prst="orthographicFront"/>
+      <a:lightRig rig="threePt" dir="t"/>
+    </dgm:scene3d>
+    <dgm:sp3d/>
+    <dgm:txPr/>
+    <dgm:style>
+      <a:lnRef idx="1">
+        <a:scrgbClr r="0" g="0" b="0"/>
+      </a:lnRef>
+      <a:fillRef idx="0">
+        <a:scrgbClr r="0" g="0" b="0"/>
+      </a:fillRef>
+      <a:effectRef idx="0">
+        <a:scrgbClr r="0" g="0" b="0"/>
+      </a:effectRef>
+      <a:fontRef idx="minor"/>
+    </dgm:style>
+  </dgm:styleLbl>
+  <dgm:styleLbl name="parChTrans1D4">
+    <dgm:scene3d>
+      <a:camera prst="orthographicFront"/>
+      <a:lightRig rig="threePt" dir="t"/>
+    </dgm:scene3d>
+    <dgm:sp3d/>
+    <dgm:txPr/>
+    <dgm:style>
+      <a:lnRef idx="1">
+        <a:scrgbClr r="0" g="0" b="0"/>
+      </a:lnRef>
+      <a:fillRef idx="0">
+        <a:scrgbClr r="0" g="0" b="0"/>
+      </a:fillRef>
+      <a:effectRef idx="0">
+        <a:scrgbClr r="0" g="0" b="0"/>
+      </a:effectRef>
+      <a:fontRef idx="minor"/>
+    </dgm:style>
+  </dgm:styleLbl>
+  <dgm:styleLbl name="fgAcc1">
+    <dgm:scene3d>
+      <a:camera prst="orthographicFront"/>
+      <a:lightRig rig="threePt" dir="t"/>
+    </dgm:scene3d>
+    <dgm:sp3d/>
+    <dgm:txPr/>
+    <dgm:style>
+      <a:lnRef idx="1">
+        <a:scrgbClr r="0" g="0" b="0"/>
+      </a:lnRef>
+      <a:fillRef idx="1">
+        <a:scrgbClr r="0" g="0" b="0"/>
+      </a:fillRef>
+      <a:effectRef idx="0">
+        <a:scrgbClr r="0" g="0" b="0"/>
+      </a:effectRef>
+      <a:fontRef idx="minor"/>
+    </dgm:style>
+  </dgm:styleLbl>
+  <dgm:styleLbl name="conFgAcc1">
+    <dgm:scene3d>
+      <a:camera prst="orthographicFront"/>
+      <a:lightRig rig="threePt" dir="t"/>
+    </dgm:scene3d>
+    <dgm:sp3d/>
+    <dgm:txPr/>
+    <dgm:style>
+      <a:lnRef idx="1">
+        <a:scrgbClr r="0" g="0" b="0"/>
+      </a:lnRef>
+      <a:fillRef idx="1">
+        <a:scrgbClr r="0" g="0" b="0"/>
+      </a:fillRef>
+      <a:effectRef idx="0">
+        <a:scrgbClr r="0" g="0" b="0"/>
+      </a:effectRef>
+      <a:fontRef idx="minor"/>
+    </dgm:style>
+  </dgm:styleLbl>
+  <dgm:styleLbl name="alignAcc1">
+    <dgm:scene3d>
+      <a:camera prst="orthographicFront"/>
+      <a:lightRig rig="threePt" dir="t"/>
+    </dgm:scene3d>
+    <dgm:sp3d/>
+    <dgm:txPr/>
+    <dgm:style>
+      <a:lnRef idx="1">
+        <a:scrgbClr r="0" g="0" b="0"/>
+      </a:lnRef>
+      <a:fillRef idx="1">
+        <a:scrgbClr r="0" g="0" b="0"/>
+      </a:fillRef>
+      <a:effectRef idx="0">
+        <a:scrgbClr r="0" g="0" b="0"/>
+      </a:effectRef>
+      <a:fontRef idx="minor"/>
+    </dgm:style>
+  </dgm:styleLbl>
+  <dgm:styleLbl name="trAlignAcc1">
+    <dgm:scene3d>
+      <a:camera prst="orthographicFront"/>
+      <a:lightRig rig="threePt" dir="t"/>
+    </dgm:scene3d>
+    <dgm:sp3d/>
+    <dgm:txPr/>
+    <dgm:style>
+      <a:lnRef idx="1">
+        <a:scrgbClr r="0" g="0" b="0"/>
+      </a:lnRef>
+      <a:fillRef idx="1">
+        <a:scrgbClr r="0" g="0" b="0"/>
+      </a:fillRef>
+      <a:effectRef idx="0">
+        <a:scrgbClr r="0" g="0" b="0"/>
+      </a:effectRef>
+      <a:fontRef idx="minor"/>
+    </dgm:style>
+  </dgm:styleLbl>
+  <dgm:styleLbl name="bgAcc1">
+    <dgm:scene3d>
+      <a:camera prst="orthographicFront"/>
+      <a:lightRig rig="threePt" dir="t"/>
+    </dgm:scene3d>
+    <dgm:sp3d/>
+    <dgm:txPr/>
+    <dgm:style>
+      <a:lnRef idx="1">
+        <a:scrgbClr r="0" g="0" b="0"/>
+      </a:lnRef>
+      <a:fillRef idx="1">
+        <a:scrgbClr r="0" g="0" b="0"/>
+      </a:fillRef>
+      <a:effectRef idx="0">
+        <a:scrgbClr r="0" g="0" b="0"/>
+      </a:effectRef>
+      <a:fontRef idx="minor"/>
+    </dgm:style>
+  </dgm:styleLbl>
+  <dgm:styleLbl name="solidFgAcc1">
+    <dgm:scene3d>
+      <a:camera prst="orthographicFront"/>
+      <a:lightRig rig="threePt" dir="t"/>
+    </dgm:scene3d>
+    <dgm:sp3d/>
+    <dgm:txPr/>
+    <dgm:style>
+      <a:lnRef idx="1">
+        <a:scrgbClr r="0" g="0" b="0"/>
+      </a:lnRef>
+      <a:fillRef idx="1">
+        <a:scrgbClr r="0" g="0" b="0"/>
+      </a:fillRef>
+      <a:effectRef idx="0">
+        <a:scrgbClr r="0" g="0" b="0"/>
+      </a:effectRef>
+      <a:fontRef idx="minor"/>
+    </dgm:style>
+  </dgm:styleLbl>
+  <dgm:styleLbl name="solidAlignAcc1">
+    <dgm:scene3d>
+      <a:camera prst="orthographicFront"/>
+      <a:lightRig rig="threePt" dir="t"/>
+    </dgm:scene3d>
+    <dgm:sp3d/>
+    <dgm:txPr/>
+    <dgm:style>
+      <a:lnRef idx="1">
+        <a:scrgbClr r="0" g="0" b="0"/>
+      </a:lnRef>
+      <a:fillRef idx="1">
+        <a:scrgbClr r="0" g="0" b="0"/>
+      </a:fillRef>
+      <a:effectRef idx="0">
+        <a:scrgbClr r="0" g="0" b="0"/>
+      </a:effectRef>
+      <a:fontRef idx="minor"/>
+    </dgm:style>
+  </dgm:styleLbl>
+  <dgm:styleLbl name="solidBgAcc1">
+    <dgm:scene3d>
+      <a:camera prst="orthographicFront"/>
+      <a:lightRig rig="threePt" dir="t"/>
+    </dgm:scene3d>
+    <dgm:sp3d/>
+    <dgm:txPr/>
+    <dgm:style>
+      <a:lnRef idx="1">
+        <a:scrgbClr r="0" g="0" b="0"/>
+      </a:lnRef>
+      <a:fillRef idx="1">
+        <a:scrgbClr r="0" g="0" b="0"/>
+      </a:fillRef>
+      <a:effectRef idx="0">
+        <a:scrgbClr r="0" g="0" b="0"/>
+      </a:effectRef>
+      <a:fontRef idx="minor"/>
+    </dgm:style>
+  </dgm:styleLbl>
+  <dgm:styleLbl name="fgAccFollowNode1">
+    <dgm:scene3d>
+      <a:camera prst="orthographicFront"/>
+      <a:lightRig rig="threePt" dir="t"/>
+    </dgm:scene3d>
+    <dgm:sp3d/>
+    <dgm:txPr/>
+    <dgm:style>
+      <a:lnRef idx="1">
+        <a:scrgbClr r="0" g="0" b="0"/>
+      </a:lnRef>
+      <a:fillRef idx="1">
+        <a:scrgbClr r="0" g="0" b="0"/>
+      </a:fillRef>
+      <a:effectRef idx="0">
+        <a:scrgbClr r="0" g="0" b="0"/>
+      </a:effectRef>
+      <a:fontRef idx="minor"/>
+    </dgm:style>
+  </dgm:styleLbl>
+  <dgm:styleLbl name="alignAccFollowNode1">
+    <dgm:scene3d>
+      <a:camera prst="orthographicFront"/>
+      <a:lightRig rig="threePt" dir="t"/>
+    </dgm:scene3d>
+    <dgm:sp3d/>
+    <dgm:txPr/>
+    <dgm:style>
+      <a:lnRef idx="1">
+        <a:scrgbClr r="0" g="0" b="0"/>
+      </a:lnRef>
+      <a:fillRef idx="1">
+        <a:scrgbClr r="0" g="0" b="0"/>
+      </a:fillRef>
+      <a:effectRef idx="0">
+        <a:scrgbClr r="0" g="0" b="0"/>
+      </a:effectRef>
+      <a:fontRef idx="minor"/>
+    </dgm:style>
+  </dgm:styleLbl>
+  <dgm:styleLbl name="bgAccFollowNode1">
+    <dgm:scene3d>
+      <a:camera prst="orthographicFront"/>
+      <a:lightRig rig="threePt" dir="t"/>
+    </dgm:scene3d>
+    <dgm:sp3d/>
+    <dgm:txPr/>
+    <dgm:style>
+      <a:lnRef idx="1">
+        <a:scrgbClr r="0" g="0" b="0"/>
+      </a:lnRef>
+      <a:fillRef idx="1">
+        <a:scrgbClr r="0" g="0" b="0"/>
+      </a:fillRef>
+      <a:effectRef idx="0">
+        <a:scrgbClr r="0" g="0" b="0"/>
+      </a:effectRef>
+      <a:fontRef idx="minor"/>
+    </dgm:style>
+  </dgm:styleLbl>
+  <dgm:styleLbl name="fgAcc0">
+    <dgm:scene3d>
+      <a:camera prst="orthographicFront"/>
+      <a:lightRig rig="threePt" dir="t"/>
+    </dgm:scene3d>
+    <dgm:sp3d/>
+    <dgm:txPr/>
+    <dgm:style>
+      <a:lnRef idx="1">
+        <a:scrgbClr r="0" g="0" b="0"/>
+      </a:lnRef>
+      <a:fillRef idx="1">
+        <a:scrgbClr r="0" g="0" b="0"/>
+      </a:fillRef>
+      <a:effectRef idx="0">
+        <a:scrgbClr r="0" g="0" b="0"/>
+      </a:effectRef>
+      <a:fontRef idx="minor"/>
+    </dgm:style>
+  </dgm:styleLbl>
+  <dgm:styleLbl name="fgAcc2">
+    <dgm:scene3d>
+      <a:camera prst="orthographicFront"/>
+      <a:lightRig rig="threePt" dir="t"/>
+    </dgm:scene3d>
+    <dgm:sp3d/>
+    <dgm:txPr/>
+    <dgm:style>
+      <a:lnRef idx="1">
+        <a:scrgbClr r="0" g="0" b="0"/>
+      </a:lnRef>
+      <a:fillRef idx="1">
+        <a:scrgbClr r="0" g="0" b="0"/>
+      </a:fillRef>
+      <a:effectRef idx="0">
+        <a:scrgbClr r="0" g="0" b="0"/>
+      </a:effectRef>
+      <a:fontRef idx="minor"/>
+    </dgm:style>
+  </dgm:styleLbl>
+  <dgm:styleLbl name="fgAcc3">
+    <dgm:scene3d>
+      <a:camera prst="orthographicFront"/>
+      <a:lightRig rig="threePt" dir="t"/>
+    </dgm:scene3d>
+    <dgm:sp3d/>
+    <dgm:txPr/>
+    <dgm:style>
+      <a:lnRef idx="1">
+        <a:scrgbClr r="0" g="0" b="0"/>
+      </a:lnRef>
+      <a:fillRef idx="1">
+        <a:scrgbClr r="0" g="0" b="0"/>
+      </a:fillRef>
+      <a:effectRef idx="0">
+        <a:scrgbClr r="0" g="0" b="0"/>
+      </a:effectRef>
+      <a:fontRef idx="minor"/>
+    </dgm:style>
+  </dgm:styleLbl>
+  <dgm:styleLbl name="fgAcc4">
+    <dgm:scene3d>
+      <a:camera prst="orthographicFront"/>
+      <a:lightRig rig="threePt" dir="t"/>
+    </dgm:scene3d>
+    <dgm:sp3d/>
+    <dgm:txPr/>
+    <dgm:style>
+      <a:lnRef idx="1">
+        <a:scrgbClr r="0" g="0" b="0"/>
+      </a:lnRef>
+      <a:fillRef idx="1">
+        <a:scrgbClr r="0" g="0" b="0"/>
+      </a:fillRef>
+      <a:effectRef idx="0">
+        <a:scrgbClr r="0" g="0" b="0"/>
+      </a:effectRef>
+      <a:fontRef idx="minor"/>
+    </dgm:style>
+  </dgm:styleLbl>
+  <dgm:styleLbl name="bgShp">
+    <dgm:scene3d>
+      <a:camera prst="orthographicFront"/>
+      <a:lightRig rig="threePt" dir="t"/>
+    </dgm:scene3d>
+    <dgm:sp3d/>
+    <dgm:txPr/>
+    <dgm:style>
+      <a:lnRef idx="0">
+        <a:scrgbClr r="0" g="0" b="0"/>
+      </a:lnRef>
+      <a:fillRef idx="1">
+        <a:scrgbClr r="0" g="0" b="0"/>
+      </a:fillRef>
+      <a:effectRef idx="2">
+        <a:scrgbClr r="0" g="0" b="0"/>
+      </a:effectRef>
+      <a:fontRef idx="minor"/>
+    </dgm:style>
+  </dgm:styleLbl>
+  <dgm:styleLbl name="dkBgShp">
+    <dgm:scene3d>
+      <a:camera prst="orthographicFront"/>
+      <a:lightRig rig="threePt" dir="t"/>
+    </dgm:scene3d>
+    <dgm:sp3d/>
+    <dgm:txPr/>
+    <dgm:style>
+      <a:lnRef idx="0">
+        <a:scrgbClr r="0" g="0" b="0"/>
+      </a:lnRef>
+      <a:fillRef idx="1">
+        <a:scrgbClr r="0" g="0" b="0"/>
+      </a:fillRef>
+      <a:effectRef idx="2">
+        <a:scrgbClr r="0" g="0" b="0"/>
+      </a:effectRef>
+      <a:fontRef idx="minor"/>
+    </dgm:style>
+  </dgm:styleLbl>
+  <dgm:styleLbl name="trBgShp">
+    <dgm:scene3d>
+      <a:camera prst="orthographicFront"/>
+      <a:lightRig rig="threePt" dir="t"/>
+    </dgm:scene3d>
+    <dgm:sp3d/>
+    <dgm:txPr/>
+    <dgm:style>
+      <a:lnRef idx="0">
+        <a:scrgbClr r="0" g="0" b="0"/>
+      </a:lnRef>
+      <a:fillRef idx="1">
+        <a:scrgbClr r="0" g="0" b="0"/>
+      </a:fillRef>
+      <a:effectRef idx="0">
+        <a:scrgbClr r="0" g="0" b="0"/>
+      </a:effectRef>
+      <a:fontRef idx="minor"/>
+    </dgm:style>
+  </dgm:styleLbl>
+  <dgm:styleLbl name="fgShp">
+    <dgm:scene3d>
+      <a:camera prst="orthographicFront"/>
+      <a:lightRig rig="threePt" dir="t"/>
+    </dgm:scene3d>
+    <dgm:sp3d/>
+    <dgm:txPr/>
+    <dgm:style>
+      <a:lnRef idx="0">
+        <a:scrgbClr r="0" g="0" b="0"/>
+      </a:lnRef>
+      <a:fillRef idx="3">
+        <a:scrgbClr r="0" g="0" b="0"/>
+      </a:fillRef>
+      <a:effectRef idx="2">
+        <a:scrgbClr r="0" g="0" b="0"/>
+      </a:effectRef>
+      <a:fontRef idx="minor"/>
+    </dgm:style>
+  </dgm:styleLbl>
+  <dgm:styleLbl name="revTx">
+    <dgm:scene3d>
+      <a:camera prst="orthographicFront"/>
+      <a:lightRig rig="threePt" dir="t"/>
+    </dgm:scene3d>
+    <dgm:sp3d/>
+    <dgm:txPr/>
+    <dgm:style>
+      <a:lnRef idx="0">
+        <a:scrgbClr r="0" g="0" b="0"/>
+      </a:lnRef>
+      <a:fillRef idx="0">
+        <a:scrgbClr r="0" g="0" b="0"/>
+      </a:fillRef>
+      <a:effectRef idx="0">
+        <a:scrgbClr r="0" g="0" b="0"/>
+      </a:effectRef>
+      <a:fontRef idx="minor"/>
+    </dgm:style>
+  </dgm:styleLbl>
+</dgm:styleDef>
 </file>
 
 <file path=ppt/slideLayouts/slideLayout1.xml><?xml version="1.0" encoding="utf-8"?>
@@ -264,7 +3954,7 @@
           <a:p>
             <a:fld id="{E7E367D1-8470-5242-8C94-6461E56D8363}" type="datetimeFigureOut">
               <a:rPr lang="en-US" smtClean="0"/>
-              <a:t>5/3/22</a:t>
+              <a:t>5/4/22</a:t>
             </a:fld>
             <a:endParaRPr lang="en-US"/>
           </a:p>
@@ -462,7 +4152,7 @@
           <a:p>
             <a:fld id="{E7E367D1-8470-5242-8C94-6461E56D8363}" type="datetimeFigureOut">
               <a:rPr lang="en-US" smtClean="0"/>
-              <a:t>5/3/22</a:t>
+              <a:t>5/4/22</a:t>
             </a:fld>
             <a:endParaRPr lang="en-US"/>
           </a:p>
@@ -670,7 +4360,7 @@
           <a:p>
             <a:fld id="{E7E367D1-8470-5242-8C94-6461E56D8363}" type="datetimeFigureOut">
               <a:rPr lang="en-US" smtClean="0"/>
-              <a:t>5/3/22</a:t>
+              <a:t>5/4/22</a:t>
             </a:fld>
             <a:endParaRPr lang="en-US"/>
           </a:p>
@@ -868,7 +4558,7 @@
           <a:p>
             <a:fld id="{E7E367D1-8470-5242-8C94-6461E56D8363}" type="datetimeFigureOut">
               <a:rPr lang="en-US" smtClean="0"/>
-              <a:t>5/3/22</a:t>
+              <a:t>5/4/22</a:t>
             </a:fld>
             <a:endParaRPr lang="en-US"/>
           </a:p>
@@ -1143,7 +4833,7 @@
           <a:p>
             <a:fld id="{E7E367D1-8470-5242-8C94-6461E56D8363}" type="datetimeFigureOut">
               <a:rPr lang="en-US" smtClean="0"/>
-              <a:t>5/3/22</a:t>
+              <a:t>5/4/22</a:t>
             </a:fld>
             <a:endParaRPr lang="en-US"/>
           </a:p>
@@ -1408,7 +5098,7 @@
           <a:p>
             <a:fld id="{E7E367D1-8470-5242-8C94-6461E56D8363}" type="datetimeFigureOut">
               <a:rPr lang="en-US" smtClean="0"/>
-              <a:t>5/3/22</a:t>
+              <a:t>5/4/22</a:t>
             </a:fld>
             <a:endParaRPr lang="en-US"/>
           </a:p>
@@ -1820,7 +5510,7 @@
           <a:p>
             <a:fld id="{E7E367D1-8470-5242-8C94-6461E56D8363}" type="datetimeFigureOut">
               <a:rPr lang="en-US" smtClean="0"/>
-              <a:t>5/3/22</a:t>
+              <a:t>5/4/22</a:t>
             </a:fld>
             <a:endParaRPr lang="en-US"/>
           </a:p>
@@ -1961,7 +5651,7 @@
           <a:p>
             <a:fld id="{E7E367D1-8470-5242-8C94-6461E56D8363}" type="datetimeFigureOut">
               <a:rPr lang="en-US" smtClean="0"/>
-              <a:t>5/3/22</a:t>
+              <a:t>5/4/22</a:t>
             </a:fld>
             <a:endParaRPr lang="en-US"/>
           </a:p>
@@ -2074,7 +5764,7 @@
           <a:p>
             <a:fld id="{E7E367D1-8470-5242-8C94-6461E56D8363}" type="datetimeFigureOut">
               <a:rPr lang="en-US" smtClean="0"/>
-              <a:t>5/3/22</a:t>
+              <a:t>5/4/22</a:t>
             </a:fld>
             <a:endParaRPr lang="en-US"/>
           </a:p>
@@ -2385,7 +6075,7 @@
           <a:p>
             <a:fld id="{E7E367D1-8470-5242-8C94-6461E56D8363}" type="datetimeFigureOut">
               <a:rPr lang="en-US" smtClean="0"/>
-              <a:t>5/3/22</a:t>
+              <a:t>5/4/22</a:t>
             </a:fld>
             <a:endParaRPr lang="en-US"/>
           </a:p>
@@ -2673,7 +6363,7 @@
           <a:p>
             <a:fld id="{E7E367D1-8470-5242-8C94-6461E56D8363}" type="datetimeFigureOut">
               <a:rPr lang="en-US" smtClean="0"/>
-              <a:t>5/3/22</a:t>
+              <a:t>5/4/22</a:t>
             </a:fld>
             <a:endParaRPr lang="en-US"/>
           </a:p>
@@ -2914,7 +6604,7 @@
           <a:p>
             <a:fld id="{E7E367D1-8470-5242-8C94-6461E56D8363}" type="datetimeFigureOut">
               <a:rPr lang="en-US" smtClean="0"/>
-              <a:t>5/3/22</a:t>
+              <a:t>5/4/22</a:t>
             </a:fld>
             <a:endParaRPr lang="en-US"/>
           </a:p>
@@ -3347,7 +7037,12 @@
             <p:ph type="ctrTitle"/>
           </p:nvPr>
         </p:nvSpPr>
-        <p:spPr/>
+        <p:spPr>
+          <a:xfrm>
+            <a:off x="1524000" y="759800"/>
+            <a:ext cx="9144000" cy="2387600"/>
+          </a:xfrm>
+        </p:spPr>
         <p:txBody>
           <a:bodyPr/>
           <a:lstStyle/>
@@ -3375,7 +7070,12 @@
             <p:ph type="subTitle" idx="1"/>
           </p:nvPr>
         </p:nvSpPr>
-        <p:spPr/>
+        <p:spPr>
+          <a:xfrm>
+            <a:off x="1524000" y="3234176"/>
+            <a:ext cx="9144000" cy="1655762"/>
+          </a:xfrm>
+        </p:spPr>
         <p:txBody>
           <a:bodyPr/>
           <a:lstStyle/>
@@ -3383,6 +7083,223 @@
             <a:r>
               <a:rPr lang="en-US" dirty="0"/>
               <a:t>Top Zip Codes in United States – 5 Year Return on Investment</a:t>
+            </a:r>
+          </a:p>
+          <a:p>
+            <a:r>
+              <a:rPr lang="en-US" dirty="0"/>
+              <a:t>A Time-Series Data Science Project</a:t>
+            </a:r>
+          </a:p>
+        </p:txBody>
+      </p:sp>
+      <p:sp>
+        <p:nvSpPr>
+          <p:cNvPr id="4" name="Subtitle 2">
+            <a:extLst>
+              <a:ext uri="{FF2B5EF4-FFF2-40B4-BE49-F238E27FC236}">
+                <a16:creationId xmlns:a16="http://schemas.microsoft.com/office/drawing/2014/main" id="{AF1EAD2B-725C-664E-84A9-804411FEAC15}"/>
+              </a:ext>
+            </a:extLst>
+          </p:cNvPr>
+          <p:cNvSpPr txBox="1">
+            <a:spLocks/>
+          </p:cNvSpPr>
+          <p:nvPr/>
+        </p:nvSpPr>
+        <p:spPr>
+          <a:xfrm>
+            <a:off x="3930869" y="4511314"/>
+            <a:ext cx="4330262" cy="1492971"/>
+          </a:xfrm>
+          <a:prstGeom prst="rect">
+            <a:avLst/>
+          </a:prstGeom>
+        </p:spPr>
+        <p:txBody>
+          <a:bodyPr vert="horz" lIns="91440" tIns="45720" rIns="91440" bIns="45720" rtlCol="0">
+            <a:normAutofit/>
+          </a:bodyPr>
+          <a:lstStyle>
+            <a:lvl1pPr marL="0" indent="0" algn="ctr" defTabSz="914400" rtl="0" eaLnBrk="1" latinLnBrk="0" hangingPunct="1">
+              <a:lnSpc>
+                <a:spcPct val="90000"/>
+              </a:lnSpc>
+              <a:spcBef>
+                <a:spcPts val="1000"/>
+              </a:spcBef>
+              <a:buFont typeface="Arial" panose="020B0604020202020204" pitchFamily="34" charset="0"/>
+              <a:buNone/>
+              <a:defRPr sz="2400" kern="1200">
+                <a:solidFill>
+                  <a:schemeClr val="tx1"/>
+                </a:solidFill>
+                <a:latin typeface="+mn-lt"/>
+                <a:ea typeface="+mn-ea"/>
+                <a:cs typeface="+mn-cs"/>
+              </a:defRPr>
+            </a:lvl1pPr>
+            <a:lvl2pPr marL="457200" indent="0" algn="ctr" defTabSz="914400" rtl="0" eaLnBrk="1" latinLnBrk="0" hangingPunct="1">
+              <a:lnSpc>
+                <a:spcPct val="90000"/>
+              </a:lnSpc>
+              <a:spcBef>
+                <a:spcPts val="500"/>
+              </a:spcBef>
+              <a:buFont typeface="Arial" panose="020B0604020202020204" pitchFamily="34" charset="0"/>
+              <a:buNone/>
+              <a:defRPr sz="2000" kern="1200">
+                <a:solidFill>
+                  <a:schemeClr val="tx1"/>
+                </a:solidFill>
+                <a:latin typeface="+mn-lt"/>
+                <a:ea typeface="+mn-ea"/>
+                <a:cs typeface="+mn-cs"/>
+              </a:defRPr>
+            </a:lvl2pPr>
+            <a:lvl3pPr marL="914400" indent="0" algn="ctr" defTabSz="914400" rtl="0" eaLnBrk="1" latinLnBrk="0" hangingPunct="1">
+              <a:lnSpc>
+                <a:spcPct val="90000"/>
+              </a:lnSpc>
+              <a:spcBef>
+                <a:spcPts val="500"/>
+              </a:spcBef>
+              <a:buFont typeface="Arial" panose="020B0604020202020204" pitchFamily="34" charset="0"/>
+              <a:buNone/>
+              <a:defRPr sz="1800" kern="1200">
+                <a:solidFill>
+                  <a:schemeClr val="tx1"/>
+                </a:solidFill>
+                <a:latin typeface="+mn-lt"/>
+                <a:ea typeface="+mn-ea"/>
+                <a:cs typeface="+mn-cs"/>
+              </a:defRPr>
+            </a:lvl3pPr>
+            <a:lvl4pPr marL="1371600" indent="0" algn="ctr" defTabSz="914400" rtl="0" eaLnBrk="1" latinLnBrk="0" hangingPunct="1">
+              <a:lnSpc>
+                <a:spcPct val="90000"/>
+              </a:lnSpc>
+              <a:spcBef>
+                <a:spcPts val="500"/>
+              </a:spcBef>
+              <a:buFont typeface="Arial" panose="020B0604020202020204" pitchFamily="34" charset="0"/>
+              <a:buNone/>
+              <a:defRPr sz="1600" kern="1200">
+                <a:solidFill>
+                  <a:schemeClr val="tx1"/>
+                </a:solidFill>
+                <a:latin typeface="+mn-lt"/>
+                <a:ea typeface="+mn-ea"/>
+                <a:cs typeface="+mn-cs"/>
+              </a:defRPr>
+            </a:lvl4pPr>
+            <a:lvl5pPr marL="1828800" indent="0" algn="ctr" defTabSz="914400" rtl="0" eaLnBrk="1" latinLnBrk="0" hangingPunct="1">
+              <a:lnSpc>
+                <a:spcPct val="90000"/>
+              </a:lnSpc>
+              <a:spcBef>
+                <a:spcPts val="500"/>
+              </a:spcBef>
+              <a:buFont typeface="Arial" panose="020B0604020202020204" pitchFamily="34" charset="0"/>
+              <a:buNone/>
+              <a:defRPr sz="1600" kern="1200">
+                <a:solidFill>
+                  <a:schemeClr val="tx1"/>
+                </a:solidFill>
+                <a:latin typeface="+mn-lt"/>
+                <a:ea typeface="+mn-ea"/>
+                <a:cs typeface="+mn-cs"/>
+              </a:defRPr>
+            </a:lvl5pPr>
+            <a:lvl6pPr marL="2286000" indent="0" algn="ctr" defTabSz="914400" rtl="0" eaLnBrk="1" latinLnBrk="0" hangingPunct="1">
+              <a:lnSpc>
+                <a:spcPct val="90000"/>
+              </a:lnSpc>
+              <a:spcBef>
+                <a:spcPts val="500"/>
+              </a:spcBef>
+              <a:buFont typeface="Arial" panose="020B0604020202020204" pitchFamily="34" charset="0"/>
+              <a:buNone/>
+              <a:defRPr sz="1600" kern="1200">
+                <a:solidFill>
+                  <a:schemeClr val="tx1"/>
+                </a:solidFill>
+                <a:latin typeface="+mn-lt"/>
+                <a:ea typeface="+mn-ea"/>
+                <a:cs typeface="+mn-cs"/>
+              </a:defRPr>
+            </a:lvl6pPr>
+            <a:lvl7pPr marL="2743200" indent="0" algn="ctr" defTabSz="914400" rtl="0" eaLnBrk="1" latinLnBrk="0" hangingPunct="1">
+              <a:lnSpc>
+                <a:spcPct val="90000"/>
+              </a:lnSpc>
+              <a:spcBef>
+                <a:spcPts val="500"/>
+              </a:spcBef>
+              <a:buFont typeface="Arial" panose="020B0604020202020204" pitchFamily="34" charset="0"/>
+              <a:buNone/>
+              <a:defRPr sz="1600" kern="1200">
+                <a:solidFill>
+                  <a:schemeClr val="tx1"/>
+                </a:solidFill>
+                <a:latin typeface="+mn-lt"/>
+                <a:ea typeface="+mn-ea"/>
+                <a:cs typeface="+mn-cs"/>
+              </a:defRPr>
+            </a:lvl7pPr>
+            <a:lvl8pPr marL="3200400" indent="0" algn="ctr" defTabSz="914400" rtl="0" eaLnBrk="1" latinLnBrk="0" hangingPunct="1">
+              <a:lnSpc>
+                <a:spcPct val="90000"/>
+              </a:lnSpc>
+              <a:spcBef>
+                <a:spcPts val="500"/>
+              </a:spcBef>
+              <a:buFont typeface="Arial" panose="020B0604020202020204" pitchFamily="34" charset="0"/>
+              <a:buNone/>
+              <a:defRPr sz="1600" kern="1200">
+                <a:solidFill>
+                  <a:schemeClr val="tx1"/>
+                </a:solidFill>
+                <a:latin typeface="+mn-lt"/>
+                <a:ea typeface="+mn-ea"/>
+                <a:cs typeface="+mn-cs"/>
+              </a:defRPr>
+            </a:lvl8pPr>
+            <a:lvl9pPr marL="3657600" indent="0" algn="ctr" defTabSz="914400" rtl="0" eaLnBrk="1" latinLnBrk="0" hangingPunct="1">
+              <a:lnSpc>
+                <a:spcPct val="90000"/>
+              </a:lnSpc>
+              <a:spcBef>
+                <a:spcPts val="500"/>
+              </a:spcBef>
+              <a:buFont typeface="Arial" panose="020B0604020202020204" pitchFamily="34" charset="0"/>
+              <a:buNone/>
+              <a:defRPr sz="1600" kern="1200">
+                <a:solidFill>
+                  <a:schemeClr val="tx1"/>
+                </a:solidFill>
+                <a:latin typeface="+mn-lt"/>
+                <a:ea typeface="+mn-ea"/>
+                <a:cs typeface="+mn-cs"/>
+              </a:defRPr>
+            </a:lvl9pPr>
+          </a:lstStyle>
+          <a:p>
+            <a:r>
+              <a:rPr lang="en-US" dirty="0"/>
+              <a:t>Jim Petoskey</a:t>
+            </a:r>
+          </a:p>
+          <a:p>
+            <a:r>
+              <a:rPr lang="en-US" dirty="0"/>
+              <a:t>Flatiron School </a:t>
+            </a:r>
+          </a:p>
+          <a:p>
+            <a:r>
+              <a:rPr lang="en-US" dirty="0"/>
+              <a:t>Phase 4</a:t>
             </a:r>
           </a:p>
         </p:txBody>
@@ -3397,6 +7314,234 @@
   <p:clrMapOvr>
     <a:masterClrMapping/>
   </p:clrMapOvr>
+  <p:timing>
+    <p:tnLst>
+      <p:par>
+        <p:cTn id="1" dur="indefinite" restart="never" nodeType="tmRoot">
+          <p:childTnLst>
+            <p:seq concurrent="1" nextAc="seek">
+              <p:cTn id="2" dur="indefinite" nodeType="mainSeq">
+                <p:childTnLst>
+                  <p:par>
+                    <p:cTn id="3" fill="hold">
+                      <p:stCondLst>
+                        <p:cond delay="indefinite"/>
+                        <p:cond evt="onBegin" delay="0">
+                          <p:tn val="2"/>
+                        </p:cond>
+                      </p:stCondLst>
+                      <p:childTnLst>
+                        <p:par>
+                          <p:cTn id="4" fill="hold">
+                            <p:stCondLst>
+                              <p:cond delay="0"/>
+                            </p:stCondLst>
+                            <p:childTnLst>
+                              <p:par>
+                                <p:cTn id="5" presetID="10" presetClass="entr" presetSubtype="0" fill="hold" grpId="0" nodeType="withEffect">
+                                  <p:stCondLst>
+                                    <p:cond delay="2000"/>
+                                  </p:stCondLst>
+                                  <p:iterate type="lt">
+                                    <p:tmPct val="10000"/>
+                                  </p:iterate>
+                                  <p:childTnLst>
+                                    <p:set>
+                                      <p:cBhvr>
+                                        <p:cTn id="6" dur="1" fill="hold">
+                                          <p:stCondLst>
+                                            <p:cond delay="0"/>
+                                          </p:stCondLst>
+                                        </p:cTn>
+                                        <p:tgtEl>
+                                          <p:spTgt spid="4">
+                                            <p:txEl>
+                                              <p:pRg st="0" end="0"/>
+                                            </p:txEl>
+                                          </p:spTgt>
+                                        </p:tgtEl>
+                                        <p:attrNameLst>
+                                          <p:attrName>style.visibility</p:attrName>
+                                        </p:attrNameLst>
+                                      </p:cBhvr>
+                                      <p:to>
+                                        <p:strVal val="visible"/>
+                                      </p:to>
+                                    </p:set>
+                                    <p:animEffect transition="in" filter="fade">
+                                      <p:cBhvr>
+                                        <p:cTn id="7" dur="400"/>
+                                        <p:tgtEl>
+                                          <p:spTgt spid="4">
+                                            <p:txEl>
+                                              <p:pRg st="0" end="0"/>
+                                            </p:txEl>
+                                          </p:spTgt>
+                                        </p:tgtEl>
+                                      </p:cBhvr>
+                                    </p:animEffect>
+                                  </p:childTnLst>
+                                </p:cTn>
+                              </p:par>
+                            </p:childTnLst>
+                          </p:cTn>
+                        </p:par>
+                      </p:childTnLst>
+                    </p:cTn>
+                  </p:par>
+                  <p:par>
+                    <p:cTn id="8" fill="hold">
+                      <p:stCondLst>
+                        <p:cond delay="indefinite"/>
+                      </p:stCondLst>
+                      <p:childTnLst>
+                        <p:par>
+                          <p:cTn id="9" fill="hold">
+                            <p:stCondLst>
+                              <p:cond delay="0"/>
+                            </p:stCondLst>
+                            <p:childTnLst>
+                              <p:par>
+                                <p:cTn id="10" presetID="10" presetClass="entr" presetSubtype="0" fill="hold" grpId="0" nodeType="clickEffect">
+                                  <p:stCondLst>
+                                    <p:cond delay="2000"/>
+                                  </p:stCondLst>
+                                  <p:iterate type="lt">
+                                    <p:tmPct val="10000"/>
+                                  </p:iterate>
+                                  <p:childTnLst>
+                                    <p:set>
+                                      <p:cBhvr>
+                                        <p:cTn id="11" dur="1" fill="hold">
+                                          <p:stCondLst>
+                                            <p:cond delay="0"/>
+                                          </p:stCondLst>
+                                        </p:cTn>
+                                        <p:tgtEl>
+                                          <p:spTgt spid="4">
+                                            <p:txEl>
+                                              <p:pRg st="1" end="1"/>
+                                            </p:txEl>
+                                          </p:spTgt>
+                                        </p:tgtEl>
+                                        <p:attrNameLst>
+                                          <p:attrName>style.visibility</p:attrName>
+                                        </p:attrNameLst>
+                                      </p:cBhvr>
+                                      <p:to>
+                                        <p:strVal val="visible"/>
+                                      </p:to>
+                                    </p:set>
+                                    <p:animEffect transition="in" filter="fade">
+                                      <p:cBhvr>
+                                        <p:cTn id="12" dur="400"/>
+                                        <p:tgtEl>
+                                          <p:spTgt spid="4">
+                                            <p:txEl>
+                                              <p:pRg st="1" end="1"/>
+                                            </p:txEl>
+                                          </p:spTgt>
+                                        </p:tgtEl>
+                                      </p:cBhvr>
+                                    </p:animEffect>
+                                  </p:childTnLst>
+                                </p:cTn>
+                              </p:par>
+                            </p:childTnLst>
+                          </p:cTn>
+                        </p:par>
+                      </p:childTnLst>
+                    </p:cTn>
+                  </p:par>
+                  <p:par>
+                    <p:cTn id="13" fill="hold">
+                      <p:stCondLst>
+                        <p:cond delay="indefinite"/>
+                      </p:stCondLst>
+                      <p:childTnLst>
+                        <p:par>
+                          <p:cTn id="14" fill="hold">
+                            <p:stCondLst>
+                              <p:cond delay="0"/>
+                            </p:stCondLst>
+                            <p:childTnLst>
+                              <p:par>
+                                <p:cTn id="15" presetID="10" presetClass="entr" presetSubtype="0" fill="hold" grpId="0" nodeType="clickEffect">
+                                  <p:stCondLst>
+                                    <p:cond delay="2000"/>
+                                  </p:stCondLst>
+                                  <p:iterate type="lt">
+                                    <p:tmPct val="10000"/>
+                                  </p:iterate>
+                                  <p:childTnLst>
+                                    <p:set>
+                                      <p:cBhvr>
+                                        <p:cTn id="16" dur="1" fill="hold">
+                                          <p:stCondLst>
+                                            <p:cond delay="0"/>
+                                          </p:stCondLst>
+                                        </p:cTn>
+                                        <p:tgtEl>
+                                          <p:spTgt spid="4">
+                                            <p:txEl>
+                                              <p:pRg st="2" end="2"/>
+                                            </p:txEl>
+                                          </p:spTgt>
+                                        </p:tgtEl>
+                                        <p:attrNameLst>
+                                          <p:attrName>style.visibility</p:attrName>
+                                        </p:attrNameLst>
+                                      </p:cBhvr>
+                                      <p:to>
+                                        <p:strVal val="visible"/>
+                                      </p:to>
+                                    </p:set>
+                                    <p:animEffect transition="in" filter="fade">
+                                      <p:cBhvr>
+                                        <p:cTn id="17" dur="400"/>
+                                        <p:tgtEl>
+                                          <p:spTgt spid="4">
+                                            <p:txEl>
+                                              <p:pRg st="2" end="2"/>
+                                            </p:txEl>
+                                          </p:spTgt>
+                                        </p:tgtEl>
+                                      </p:cBhvr>
+                                    </p:animEffect>
+                                  </p:childTnLst>
+                                </p:cTn>
+                              </p:par>
+                            </p:childTnLst>
+                          </p:cTn>
+                        </p:par>
+                      </p:childTnLst>
+                    </p:cTn>
+                  </p:par>
+                </p:childTnLst>
+              </p:cTn>
+              <p:prevCondLst>
+                <p:cond evt="onPrev" delay="0">
+                  <p:tgtEl>
+                    <p:sldTgt/>
+                  </p:tgtEl>
+                </p:cond>
+              </p:prevCondLst>
+              <p:nextCondLst>
+                <p:cond evt="onNext" delay="0">
+                  <p:tgtEl>
+                    <p:sldTgt/>
+                  </p:tgtEl>
+                </p:cond>
+              </p:nextCondLst>
+            </p:seq>
+          </p:childTnLst>
+        </p:cTn>
+      </p:par>
+    </p:tnLst>
+    <p:bldLst>
+      <p:bldP spid="4" grpId="0" build="p"/>
+    </p:bldLst>
+  </p:timing>
 </p:sld>
 </file>
 
@@ -3422,7 +7567,7 @@
           <p:cNvPr id="2" name="Title 1">
             <a:extLst>
               <a:ext uri="{FF2B5EF4-FFF2-40B4-BE49-F238E27FC236}">
-                <a16:creationId xmlns:a16="http://schemas.microsoft.com/office/drawing/2014/main" id="{B4164CC8-3314-0A46-9035-86FD3C16281C}"/>
+                <a16:creationId xmlns:a16="http://schemas.microsoft.com/office/drawing/2014/main" id="{6F7EF8E0-626F-1440-AD0B-500DA4F50897}"/>
               </a:ext>
             </a:extLst>
           </p:cNvPr>
@@ -3440,7 +7585,204 @@
           <a:p>
             <a:r>
               <a:rPr lang="en-US" dirty="0"/>
-              <a:t>Results – Boise, Idaho </a:t>
+              <a:t>Results – Seasonal Pattern</a:t>
+            </a:r>
+          </a:p>
+        </p:txBody>
+      </p:sp>
+      <p:pic>
+        <p:nvPicPr>
+          <p:cNvPr id="1026" name="Picture 2">
+            <a:extLst>
+              <a:ext uri="{FF2B5EF4-FFF2-40B4-BE49-F238E27FC236}">
+                <a16:creationId xmlns:a16="http://schemas.microsoft.com/office/drawing/2014/main" id="{1F34063B-F3EC-234C-8537-52E317C48D41}"/>
+              </a:ext>
+            </a:extLst>
+          </p:cNvPr>
+          <p:cNvPicPr>
+            <a:picLocks noGrp="1" noChangeAspect="1" noChangeArrowheads="1"/>
+          </p:cNvPicPr>
+          <p:nvPr>
+            <p:ph idx="1"/>
+          </p:nvPr>
+        </p:nvPicPr>
+        <p:blipFill>
+          <a:blip r:embed="rId2">
+            <a:extLst>
+              <a:ext uri="{28A0092B-C50C-407E-A947-70E740481C1C}">
+                <a14:useLocalDpi xmlns:a14="http://schemas.microsoft.com/office/drawing/2010/main" val="0"/>
+              </a:ext>
+            </a:extLst>
+          </a:blip>
+          <a:stretch>
+            <a:fillRect/>
+          </a:stretch>
+        </p:blipFill>
+        <p:spPr bwMode="auto">
+          <a:xfrm>
+            <a:off x="4682942" y="1911137"/>
+            <a:ext cx="6557650" cy="4351338"/>
+          </a:xfrm>
+          <a:prstGeom prst="rect">
+            <a:avLst/>
+          </a:prstGeom>
+          <a:noFill/>
+          <a:extLst>
+            <a:ext uri="{909E8E84-426E-40DD-AFC4-6F175D3DCCD1}">
+              <a14:hiddenFill xmlns:a14="http://schemas.microsoft.com/office/drawing/2010/main">
+                <a:solidFill>
+                  <a:srgbClr val="FFFFFF"/>
+                </a:solidFill>
+              </a14:hiddenFill>
+            </a:ext>
+          </a:extLst>
+        </p:spPr>
+      </p:pic>
+      <p:sp>
+        <p:nvSpPr>
+          <p:cNvPr id="4" name="Right Arrow 3">
+            <a:extLst>
+              <a:ext uri="{FF2B5EF4-FFF2-40B4-BE49-F238E27FC236}">
+                <a16:creationId xmlns:a16="http://schemas.microsoft.com/office/drawing/2014/main" id="{D047D766-4BB9-C248-855D-1776000CB617}"/>
+              </a:ext>
+            </a:extLst>
+          </p:cNvPr>
+          <p:cNvSpPr/>
+          <p:nvPr/>
+        </p:nvSpPr>
+        <p:spPr>
+          <a:xfrm>
+            <a:off x="3857296" y="4335075"/>
+            <a:ext cx="825645" cy="594910"/>
+          </a:xfrm>
+          <a:prstGeom prst="rightArrow">
+            <a:avLst/>
+          </a:prstGeom>
+        </p:spPr>
+        <p:style>
+          <a:lnRef idx="2">
+            <a:schemeClr val="accent1">
+              <a:shade val="50000"/>
+            </a:schemeClr>
+          </a:lnRef>
+          <a:fillRef idx="1">
+            <a:schemeClr val="accent1"/>
+          </a:fillRef>
+          <a:effectRef idx="0">
+            <a:schemeClr val="accent1"/>
+          </a:effectRef>
+          <a:fontRef idx="minor">
+            <a:schemeClr val="lt1"/>
+          </a:fontRef>
+        </p:style>
+        <p:txBody>
+          <a:bodyPr rtlCol="0" anchor="ctr"/>
+          <a:lstStyle/>
+          <a:p>
+            <a:pPr algn="ctr"/>
+            <a:endParaRPr lang="en-US"/>
+          </a:p>
+        </p:txBody>
+      </p:sp>
+      <p:sp>
+        <p:nvSpPr>
+          <p:cNvPr id="5" name="TextBox 4">
+            <a:extLst>
+              <a:ext uri="{FF2B5EF4-FFF2-40B4-BE49-F238E27FC236}">
+                <a16:creationId xmlns:a16="http://schemas.microsoft.com/office/drawing/2014/main" id="{DFFD1DA5-6857-234C-8C42-F4A984147093}"/>
+              </a:ext>
+            </a:extLst>
+          </p:cNvPr>
+          <p:cNvSpPr txBox="1"/>
+          <p:nvPr/>
+        </p:nvSpPr>
+        <p:spPr>
+          <a:xfrm>
+            <a:off x="215523" y="1911137"/>
+            <a:ext cx="2848800" cy="4154984"/>
+          </a:xfrm>
+          <a:prstGeom prst="rect">
+            <a:avLst/>
+          </a:prstGeom>
+          <a:noFill/>
+        </p:spPr>
+        <p:txBody>
+          <a:bodyPr wrap="square" rtlCol="0">
+            <a:spAutoFit/>
+          </a:bodyPr>
+          <a:lstStyle/>
+          <a:p>
+            <a:r>
+              <a:rPr lang="en-US" sz="2400" dirty="0"/>
+              <a:t>Seasonal Pattern</a:t>
+            </a:r>
+          </a:p>
+          <a:p>
+            <a:pPr marL="342900" indent="-342900">
+              <a:buFont typeface="Arial" panose="020B0604020202020204" pitchFamily="34" charset="0"/>
+              <a:buChar char="•"/>
+            </a:pPr>
+            <a:r>
+              <a:rPr lang="en-US" sz="2400" dirty="0"/>
+              <a:t>Not visible in raw data, so important to note that seasonality is present in every zip code and prices are higher in the summer and lower in the winter.</a:t>
+            </a:r>
+          </a:p>
+        </p:txBody>
+      </p:sp>
+    </p:spTree>
+    <p:extLst>
+      <p:ext uri="{BB962C8B-B14F-4D97-AF65-F5344CB8AC3E}">
+        <p14:creationId xmlns:p14="http://schemas.microsoft.com/office/powerpoint/2010/main" val="3310793426"/>
+      </p:ext>
+    </p:extLst>
+  </p:cSld>
+  <p:clrMapOvr>
+    <a:masterClrMapping/>
+  </p:clrMapOvr>
+</p:sld>
+</file>
+
+<file path=ppt/slides/slide11.xml><?xml version="1.0" encoding="utf-8"?>
+<p:sld xmlns:a="http://schemas.openxmlformats.org/drawingml/2006/main" xmlns:r="http://schemas.openxmlformats.org/officeDocument/2006/relationships" xmlns:p="http://schemas.openxmlformats.org/presentationml/2006/main">
+  <p:cSld>
+    <p:spTree>
+      <p:nvGrpSpPr>
+        <p:cNvPr id="1" name=""/>
+        <p:cNvGrpSpPr/>
+        <p:nvPr/>
+      </p:nvGrpSpPr>
+      <p:grpSpPr>
+        <a:xfrm>
+          <a:off x="0" y="0"/>
+          <a:ext cx="0" cy="0"/>
+          <a:chOff x="0" y="0"/>
+          <a:chExt cx="0" cy="0"/>
+        </a:xfrm>
+      </p:grpSpPr>
+      <p:sp>
+        <p:nvSpPr>
+          <p:cNvPr id="2" name="Title 1">
+            <a:extLst>
+              <a:ext uri="{FF2B5EF4-FFF2-40B4-BE49-F238E27FC236}">
+                <a16:creationId xmlns:a16="http://schemas.microsoft.com/office/drawing/2014/main" id="{BEDF7918-31C8-3D47-93E5-3D70A209E038}"/>
+              </a:ext>
+            </a:extLst>
+          </p:cNvPr>
+          <p:cNvSpPr>
+            <a:spLocks noGrp="1"/>
+          </p:cNvSpPr>
+          <p:nvPr>
+            <p:ph type="title"/>
+          </p:nvPr>
+        </p:nvSpPr>
+        <p:spPr/>
+        <p:txBody>
+          <a:bodyPr/>
+          <a:lstStyle/>
+          <a:p>
+            <a:r>
+              <a:rPr lang="en-US" dirty="0"/>
+              <a:t>Conclusions</a:t>
             </a:r>
           </a:p>
         </p:txBody>
@@ -3450,7 +7792,7 @@
           <p:cNvPr id="3" name="Content Placeholder 2">
             <a:extLst>
               <a:ext uri="{FF2B5EF4-FFF2-40B4-BE49-F238E27FC236}">
-                <a16:creationId xmlns:a16="http://schemas.microsoft.com/office/drawing/2014/main" id="{847706E4-6461-4041-8627-94A21E94B2B7}"/>
+                <a16:creationId xmlns:a16="http://schemas.microsoft.com/office/drawing/2014/main" id="{2EF1998F-455F-4B47-AFEA-9D53D97BCA5F}"/>
               </a:ext>
             </a:extLst>
           </p:cNvPr>
@@ -3467,44 +7809,62 @@
           <a:lstStyle/>
           <a:p>
             <a:r>
-              <a:rPr lang="en-US" b="1" dirty="0"/>
-              <a:t>8.3  Boise, ID 83703</a:t>
-            </a:r>
-          </a:p>
-          <a:p>
-            <a:r>
               <a:rPr lang="en-US" dirty="0"/>
-              <a:t>Fairly high predicted return of 55.1%</a:t>
-            </a:r>
-          </a:p>
-          <a:p>
+              <a:t>Invest in all three recommended zip codes.</a:t>
+            </a:r>
+          </a:p>
+          <a:p>
+            <a:pPr lvl="1"/>
             <a:r>
               <a:rPr lang="en-US" dirty="0"/>
-              <a:t>Low risk, with lowest confidence interval value being substantially higher than the models for other zip codes.</a:t>
+              <a:t>They offer a greater likelihood of strong returns when all are part of the investment portfolio.</a:t>
             </a:r>
           </a:p>
           <a:p>
             <a:r>
               <a:rPr lang="en-US" dirty="0"/>
-              <a:t>Moderate level of model accuracy:</a:t>
+              <a:t>Optimize for highest returns, higher risk:</a:t>
             </a:r>
           </a:p>
           <a:p>
             <a:pPr lvl="1"/>
             <a:r>
               <a:rPr lang="en-US" dirty="0"/>
-              <a:t>Predictions within 8% of median value on average.</a:t>
-            </a:r>
-          </a:p>
-          <a:p>
-            <a:endParaRPr lang="en-US" dirty="0"/>
+              <a:t>Allocate greater percentage of investment to Lake Worth</a:t>
+            </a:r>
+          </a:p>
+          <a:p>
+            <a:r>
+              <a:rPr lang="en-US" dirty="0"/>
+              <a:t>Optimize for lower risk, still high returns:</a:t>
+            </a:r>
+          </a:p>
+          <a:p>
+            <a:pPr lvl="1"/>
+            <a:r>
+              <a:rPr lang="en-US" dirty="0"/>
+              <a:t>Allocate greater percentage of investment to Boise and Oakland</a:t>
+            </a:r>
+          </a:p>
+          <a:p>
+            <a:r>
+              <a:rPr lang="en-US" dirty="0"/>
+              <a:t>Note that if units of investment are of concern:</a:t>
+            </a:r>
+          </a:p>
+          <a:p>
+            <a:pPr lvl="1"/>
+            <a:r>
+              <a:rPr lang="en-US" dirty="0"/>
+              <a:t>Lake Worth and Boise have lower overall cost per house, so more houses will need to be purchased to obtain the same return</a:t>
+            </a:r>
           </a:p>
         </p:txBody>
       </p:sp>
     </p:spTree>
     <p:extLst>
       <p:ext uri="{BB962C8B-B14F-4D97-AF65-F5344CB8AC3E}">
-        <p14:creationId xmlns:p14="http://schemas.microsoft.com/office/powerpoint/2010/main" val="4200637529"/>
+        <p14:creationId xmlns:p14="http://schemas.microsoft.com/office/powerpoint/2010/main" val="931290219"/>
       </p:ext>
     </p:extLst>
   </p:cSld>
@@ -3514,7 +7874,186 @@
 </p:sld>
 </file>
 
-<file path=ppt/slides/slide11.xml><?xml version="1.0" encoding="utf-8"?>
+<file path=ppt/slides/slide12.xml><?xml version="1.0" encoding="utf-8"?>
+<p:sld xmlns:a="http://schemas.openxmlformats.org/drawingml/2006/main" xmlns:r="http://schemas.openxmlformats.org/officeDocument/2006/relationships" xmlns:p="http://schemas.openxmlformats.org/presentationml/2006/main">
+  <p:cSld>
+    <p:spTree>
+      <p:nvGrpSpPr>
+        <p:cNvPr id="1" name=""/>
+        <p:cNvGrpSpPr/>
+        <p:nvPr/>
+      </p:nvGrpSpPr>
+      <p:grpSpPr>
+        <a:xfrm>
+          <a:off x="0" y="0"/>
+          <a:ext cx="0" cy="0"/>
+          <a:chOff x="0" y="0"/>
+          <a:chExt cx="0" cy="0"/>
+        </a:xfrm>
+      </p:grpSpPr>
+      <p:sp>
+        <p:nvSpPr>
+          <p:cNvPr id="2" name="Title 1">
+            <a:extLst>
+              <a:ext uri="{FF2B5EF4-FFF2-40B4-BE49-F238E27FC236}">
+                <a16:creationId xmlns:a16="http://schemas.microsoft.com/office/drawing/2014/main" id="{DE6F4B78-2B34-0049-95CA-4AC22EE056D5}"/>
+              </a:ext>
+            </a:extLst>
+          </p:cNvPr>
+          <p:cNvSpPr>
+            <a:spLocks noGrp="1"/>
+          </p:cNvSpPr>
+          <p:nvPr>
+            <p:ph type="title"/>
+          </p:nvPr>
+        </p:nvSpPr>
+        <p:spPr/>
+        <p:txBody>
+          <a:bodyPr/>
+          <a:lstStyle/>
+          <a:p>
+            <a:r>
+              <a:rPr lang="en-US" dirty="0"/>
+              <a:t>Further Study</a:t>
+            </a:r>
+          </a:p>
+        </p:txBody>
+      </p:sp>
+      <p:sp>
+        <p:nvSpPr>
+          <p:cNvPr id="3" name="Content Placeholder 2">
+            <a:extLst>
+              <a:ext uri="{FF2B5EF4-FFF2-40B4-BE49-F238E27FC236}">
+                <a16:creationId xmlns:a16="http://schemas.microsoft.com/office/drawing/2014/main" id="{550FE7BB-A2FF-544B-B63C-75D5E54E192D}"/>
+              </a:ext>
+            </a:extLst>
+          </p:cNvPr>
+          <p:cNvSpPr>
+            <a:spLocks noGrp="1"/>
+          </p:cNvSpPr>
+          <p:nvPr>
+            <p:ph idx="1"/>
+          </p:nvPr>
+        </p:nvSpPr>
+        <p:spPr>
+          <a:xfrm>
+            <a:off x="838200" y="1690687"/>
+            <a:ext cx="10633364" cy="4904077"/>
+          </a:xfrm>
+        </p:spPr>
+        <p:txBody>
+          <a:bodyPr>
+            <a:normAutofit lnSpcReduction="10000"/>
+          </a:bodyPr>
+          <a:lstStyle/>
+          <a:p>
+            <a:r>
+              <a:rPr lang="en-US" b="1" dirty="0"/>
+              <a:t>Adding to the model</a:t>
+            </a:r>
+          </a:p>
+          <a:p>
+            <a:pPr lvl="1"/>
+            <a:r>
+              <a:rPr lang="en-US" dirty="0"/>
+              <a:t>Need more recent data</a:t>
+            </a:r>
+          </a:p>
+          <a:p>
+            <a:pPr lvl="1"/>
+            <a:r>
+              <a:rPr lang="en-US" dirty="0"/>
+              <a:t>Add external influences with more complex models, such as:</a:t>
+            </a:r>
+          </a:p>
+          <a:p>
+            <a:pPr lvl="2"/>
+            <a:r>
+              <a:rPr lang="en-US" dirty="0"/>
+              <a:t>Average interest rates for mortgages</a:t>
+            </a:r>
+          </a:p>
+          <a:p>
+            <a:pPr lvl="2"/>
+            <a:r>
+              <a:rPr lang="en-US" dirty="0"/>
+              <a:t>Overall employment, nationally or locally</a:t>
+            </a:r>
+          </a:p>
+          <a:p>
+            <a:pPr lvl="2"/>
+            <a:r>
+              <a:rPr lang="en-US" dirty="0"/>
+              <a:t>Percent Increase or decrease in jobs in the county of that zip code</a:t>
+            </a:r>
+          </a:p>
+          <a:p>
+            <a:pPr marL="914400" lvl="2" indent="0">
+              <a:buNone/>
+            </a:pPr>
+            <a:endParaRPr lang="en-US" dirty="0"/>
+          </a:p>
+          <a:p>
+            <a:r>
+              <a:rPr lang="en-US" b="1" dirty="0"/>
+              <a:t>Ongoing testing</a:t>
+            </a:r>
+          </a:p>
+          <a:p>
+            <a:pPr lvl="1"/>
+            <a:r>
+              <a:rPr lang="en-US" dirty="0"/>
+              <a:t>Need monitoring and testing of price changes in real-time</a:t>
+            </a:r>
+          </a:p>
+          <a:p>
+            <a:pPr lvl="1"/>
+            <a:r>
+              <a:rPr lang="en-US" dirty="0"/>
+              <a:t>Increase frequency of median house sale measures, if possible. (i.e. weekly)</a:t>
+            </a:r>
+          </a:p>
+          <a:p>
+            <a:pPr marL="457200" lvl="1" indent="0">
+              <a:buNone/>
+            </a:pPr>
+            <a:endParaRPr lang="en-US" dirty="0"/>
+          </a:p>
+          <a:p>
+            <a:r>
+              <a:rPr lang="en-US" b="1" dirty="0"/>
+              <a:t>Additional zip codes</a:t>
+            </a:r>
+          </a:p>
+          <a:p>
+            <a:pPr lvl="1"/>
+            <a:r>
+              <a:rPr lang="en-US" dirty="0"/>
+              <a:t>Ensure big cities, such as New York, Los Angeles, and Chicago are represented.</a:t>
+            </a:r>
+          </a:p>
+          <a:p>
+            <a:endParaRPr lang="en-US" b="1" dirty="0"/>
+          </a:p>
+          <a:p>
+            <a:endParaRPr lang="en-US" dirty="0"/>
+          </a:p>
+        </p:txBody>
+      </p:sp>
+    </p:spTree>
+    <p:extLst>
+      <p:ext uri="{BB962C8B-B14F-4D97-AF65-F5344CB8AC3E}">
+        <p14:creationId xmlns:p14="http://schemas.microsoft.com/office/powerpoint/2010/main" val="3931525779"/>
+      </p:ext>
+    </p:extLst>
+  </p:cSld>
+  <p:clrMapOvr>
+    <a:masterClrMapping/>
+  </p:clrMapOvr>
+</p:sld>
+</file>
+
+<file path=ppt/slides/slide13.xml><?xml version="1.0" encoding="utf-8"?>
 <p:sld xmlns:a="http://schemas.openxmlformats.org/drawingml/2006/main" xmlns:r="http://schemas.openxmlformats.org/officeDocument/2006/relationships" xmlns:p="http://schemas.openxmlformats.org/presentationml/2006/main">
   <p:cSld>
     <p:spTree>
@@ -3706,7 +8245,7 @@
           <p:cNvPr id="2" name="Title 1">
             <a:extLst>
               <a:ext uri="{FF2B5EF4-FFF2-40B4-BE49-F238E27FC236}">
-                <a16:creationId xmlns:a16="http://schemas.microsoft.com/office/drawing/2014/main" id="{E5F7557C-BAF2-1A40-A0BB-D0D806BDF784}"/>
+                <a16:creationId xmlns:a16="http://schemas.microsoft.com/office/drawing/2014/main" id="{7883C910-9320-904D-9968-5EE1CE64C4A6}"/>
               </a:ext>
             </a:extLst>
           </p:cNvPr>
@@ -3717,71 +8256,61 @@
             <p:ph type="title"/>
           </p:nvPr>
         </p:nvSpPr>
-        <p:spPr/>
+        <p:spPr>
+          <a:xfrm>
+            <a:off x="955965" y="629268"/>
+            <a:ext cx="6586491" cy="1286160"/>
+          </a:xfrm>
+        </p:spPr>
         <p:txBody>
-          <a:bodyPr/>
+          <a:bodyPr anchor="b">
+            <a:normAutofit/>
+          </a:bodyPr>
           <a:lstStyle/>
           <a:p>
             <a:r>
-              <a:rPr lang="en-US" dirty="0"/>
-              <a:t>Predicted Rate of Return for zip codes with highly accurate modeling.</a:t>
-            </a:r>
+              <a:rPr lang="en-US" sz="6600" dirty="0"/>
+              <a:t>Outline</a:t>
+            </a:r>
+            <a:endParaRPr lang="en-US" sz="5400" dirty="0"/>
           </a:p>
         </p:txBody>
       </p:sp>
-      <p:pic>
-        <p:nvPicPr>
-          <p:cNvPr id="3074" name="Picture 2">
+      <p:graphicFrame>
+        <p:nvGraphicFramePr>
+          <p:cNvPr id="5" name="Content Placeholder 2">
             <a:extLst>
               <a:ext uri="{FF2B5EF4-FFF2-40B4-BE49-F238E27FC236}">
-                <a16:creationId xmlns:a16="http://schemas.microsoft.com/office/drawing/2014/main" id="{F19E1C3C-43B5-F349-818A-D269012D6018}"/>
+                <a16:creationId xmlns:a16="http://schemas.microsoft.com/office/drawing/2014/main" id="{A88C1C49-DC2C-4131-9773-E940070AB8A5}"/>
               </a:ext>
             </a:extLst>
           </p:cNvPr>
-          <p:cNvPicPr>
-            <a:picLocks noGrp="1" noChangeAspect="1" noChangeArrowheads="1"/>
-          </p:cNvPicPr>
+          <p:cNvGraphicFramePr>
+            <a:graphicFrameLocks noGrp="1"/>
+          </p:cNvGraphicFramePr>
           <p:nvPr>
             <p:ph idx="1"/>
+            <p:extLst>
+              <p:ext uri="{D42A27DB-BD31-4B8C-83A1-F6EECF244321}">
+                <p14:modId xmlns:p14="http://schemas.microsoft.com/office/powerpoint/2010/main" val="3119949454"/>
+              </p:ext>
+            </p:extLst>
           </p:nvPr>
-        </p:nvPicPr>
-        <p:blipFill>
-          <a:blip r:embed="rId2">
-            <a:extLst>
-              <a:ext uri="{28A0092B-C50C-407E-A947-70E740481C1C}">
-                <a14:useLocalDpi xmlns:a14="http://schemas.microsoft.com/office/drawing/2010/main" val="0"/>
-              </a:ext>
-            </a:extLst>
-          </a:blip>
-          <a:srcRect/>
-          <a:stretch>
-            <a:fillRect/>
-          </a:stretch>
-        </p:blipFill>
-        <p:spPr bwMode="auto">
-          <a:xfrm>
-            <a:off x="3219450" y="1854994"/>
-            <a:ext cx="5753100" cy="4292600"/>
-          </a:xfrm>
-          <a:prstGeom prst="rect">
-            <a:avLst/>
-          </a:prstGeom>
-          <a:noFill/>
-          <a:extLst>
-            <a:ext uri="{909E8E84-426E-40DD-AFC4-6F175D3DCCD1}">
-              <a14:hiddenFill xmlns:a14="http://schemas.microsoft.com/office/drawing/2010/main">
-                <a:solidFill>
-                  <a:srgbClr val="FFFFFF"/>
-                </a:solidFill>
-              </a14:hiddenFill>
-            </a:ext>
-          </a:extLst>
-        </p:spPr>
-      </p:pic>
+        </p:nvGraphicFramePr>
+        <p:xfrm>
+          <a:off x="955965" y="2244436"/>
+          <a:ext cx="10598726" cy="4225637"/>
+        </p:xfrm>
+        <a:graphic>
+          <a:graphicData uri="http://schemas.openxmlformats.org/drawingml/2006/diagram">
+            <dgm:relIds xmlns:dgm="http://schemas.openxmlformats.org/drawingml/2006/diagram" xmlns:r="http://schemas.openxmlformats.org/officeDocument/2006/relationships" r:dm="rId2" r:lo="rId3" r:qs="rId4" r:cs="rId5"/>
+          </a:graphicData>
+        </a:graphic>
+      </p:graphicFrame>
     </p:spTree>
     <p:extLst>
       <p:ext uri="{BB962C8B-B14F-4D97-AF65-F5344CB8AC3E}">
-        <p14:creationId xmlns:p14="http://schemas.microsoft.com/office/powerpoint/2010/main" val="2833552947"/>
+        <p14:creationId xmlns:p14="http://schemas.microsoft.com/office/powerpoint/2010/main" val="1179609272"/>
       </p:ext>
     </p:extLst>
   </p:cSld>
@@ -3813,7 +8342,7 @@
           <p:cNvPr id="2" name="Title 1">
             <a:extLst>
               <a:ext uri="{FF2B5EF4-FFF2-40B4-BE49-F238E27FC236}">
-                <a16:creationId xmlns:a16="http://schemas.microsoft.com/office/drawing/2014/main" id="{E8F89F5D-2777-D04C-8B52-E02B3FC99CF7}"/>
+                <a16:creationId xmlns:a16="http://schemas.microsoft.com/office/drawing/2014/main" id="{6EBFC826-18A1-3340-92C6-F1D2A207F34D}"/>
               </a:ext>
             </a:extLst>
           </p:cNvPr>
@@ -3824,71 +8353,91 @@
             <p:ph type="title"/>
           </p:nvPr>
         </p:nvSpPr>
-        <p:spPr/>
+        <p:spPr>
+          <a:xfrm>
+            <a:off x="1288473" y="634181"/>
+            <a:ext cx="6586491" cy="1286160"/>
+          </a:xfrm>
+        </p:spPr>
         <p:txBody>
-          <a:bodyPr/>
+          <a:bodyPr anchor="b">
+            <a:normAutofit/>
+          </a:bodyPr>
           <a:lstStyle/>
           <a:p>
             <a:r>
-              <a:rPr lang="en-US" dirty="0"/>
-              <a:t>Lake Worth Forecast</a:t>
+              <a:rPr lang="en-US" b="1" dirty="0"/>
+              <a:t>Business Opportunity</a:t>
             </a:r>
           </a:p>
         </p:txBody>
       </p:sp>
-      <p:pic>
-        <p:nvPicPr>
-          <p:cNvPr id="5122" name="Picture 2">
+      <p:sp>
+        <p:nvSpPr>
+          <p:cNvPr id="3" name="Content Placeholder 2">
             <a:extLst>
               <a:ext uri="{FF2B5EF4-FFF2-40B4-BE49-F238E27FC236}">
-                <a16:creationId xmlns:a16="http://schemas.microsoft.com/office/drawing/2014/main" id="{A1312219-CF7C-1F4B-A3C6-7EF2108B5A85}"/>
+                <a16:creationId xmlns:a16="http://schemas.microsoft.com/office/drawing/2014/main" id="{8FCC37E3-CD66-5C4F-A965-D37ECB2BD875}"/>
               </a:ext>
             </a:extLst>
           </p:cNvPr>
-          <p:cNvPicPr>
-            <a:picLocks noGrp="1" noChangeAspect="1" noChangeArrowheads="1"/>
-          </p:cNvPicPr>
+          <p:cNvSpPr>
+            <a:spLocks noGrp="1"/>
+          </p:cNvSpPr>
           <p:nvPr>
             <p:ph idx="1"/>
           </p:nvPr>
-        </p:nvPicPr>
-        <p:blipFill>
-          <a:blip r:embed="rId2">
-            <a:extLst>
-              <a:ext uri="{28A0092B-C50C-407E-A947-70E740481C1C}">
-                <a14:useLocalDpi xmlns:a14="http://schemas.microsoft.com/office/drawing/2010/main" val="0"/>
-              </a:ext>
-            </a:extLst>
-          </a:blip>
-          <a:srcRect/>
-          <a:stretch>
-            <a:fillRect/>
-          </a:stretch>
-        </p:blipFill>
-        <p:spPr bwMode="auto">
+        </p:nvSpPr>
+        <p:spPr>
           <a:xfrm>
-            <a:off x="3217387" y="1825625"/>
-            <a:ext cx="5757225" cy="4351338"/>
+            <a:off x="1288473" y="2438400"/>
+            <a:ext cx="10263447" cy="3785419"/>
           </a:xfrm>
-          <a:prstGeom prst="rect">
-            <a:avLst/>
-          </a:prstGeom>
-          <a:noFill/>
-          <a:extLst>
-            <a:ext uri="{909E8E84-426E-40DD-AFC4-6F175D3DCCD1}">
-              <a14:hiddenFill xmlns:a14="http://schemas.microsoft.com/office/drawing/2010/main">
-                <a:solidFill>
-                  <a:srgbClr val="FFFFFF"/>
-                </a:solidFill>
-              </a14:hiddenFill>
-            </a:ext>
-          </a:extLst>
         </p:spPr>
-      </p:pic>
+        <p:txBody>
+          <a:bodyPr>
+            <a:normAutofit/>
+          </a:bodyPr>
+          <a:lstStyle/>
+          <a:p>
+            <a:pPr>
+              <a:spcAft>
+                <a:spcPts val="600"/>
+              </a:spcAft>
+            </a:pPr>
+            <a:r>
+              <a:rPr lang="en-US" dirty="0"/>
+              <a:t>High rate of return likely over the next 5 years.</a:t>
+            </a:r>
+          </a:p>
+          <a:p>
+            <a:pPr lvl="1">
+              <a:spcAft>
+                <a:spcPts val="600"/>
+              </a:spcAft>
+            </a:pPr>
+            <a:r>
+              <a:rPr lang="en-US" dirty="0"/>
+              <a:t>Models for top zip codes predict price within 3% of market value</a:t>
+            </a:r>
+          </a:p>
+          <a:p>
+            <a:pPr>
+              <a:spcAft>
+                <a:spcPts val="600"/>
+              </a:spcAft>
+            </a:pPr>
+            <a:r>
+              <a:rPr lang="en-US" dirty="0"/>
+              <a:t>All zip codes in the United States have been parsed for the best returns over the past 6 years, in addition to analyzing top mid-size cities and mountain towns, which have become more attractive since the covid pandemic.</a:t>
+            </a:r>
+          </a:p>
+        </p:txBody>
+      </p:sp>
     </p:spTree>
     <p:extLst>
       <p:ext uri="{BB962C8B-B14F-4D97-AF65-F5344CB8AC3E}">
-        <p14:creationId xmlns:p14="http://schemas.microsoft.com/office/powerpoint/2010/main" val="434215933"/>
+        <p14:creationId xmlns:p14="http://schemas.microsoft.com/office/powerpoint/2010/main" val="963744748"/>
       </p:ext>
     </p:extLst>
   </p:cSld>
@@ -3920,7 +8469,7 @@
           <p:cNvPr id="2" name="Title 1">
             <a:extLst>
               <a:ext uri="{FF2B5EF4-FFF2-40B4-BE49-F238E27FC236}">
-                <a16:creationId xmlns:a16="http://schemas.microsoft.com/office/drawing/2014/main" id="{1F0D58B8-7433-EE4C-A182-64271996025B}"/>
+                <a16:creationId xmlns:a16="http://schemas.microsoft.com/office/drawing/2014/main" id="{E5F7557C-BAF2-1A40-A0BB-D0D806BDF784}"/>
               </a:ext>
             </a:extLst>
           </p:cNvPr>
@@ -3938,17 +8487,17 @@
           <a:p>
             <a:r>
               <a:rPr lang="en-US" dirty="0"/>
-              <a:t>Oakland Forecast</a:t>
+              <a:t>Summary</a:t>
             </a:r>
           </a:p>
         </p:txBody>
       </p:sp>
       <p:pic>
         <p:nvPicPr>
-          <p:cNvPr id="6146" name="Picture 2">
+          <p:cNvPr id="3074" name="Picture 2">
             <a:extLst>
               <a:ext uri="{FF2B5EF4-FFF2-40B4-BE49-F238E27FC236}">
-                <a16:creationId xmlns:a16="http://schemas.microsoft.com/office/drawing/2014/main" id="{48DC6B4B-714F-AE4B-95FD-EB81DFBC6C09}"/>
+                <a16:creationId xmlns:a16="http://schemas.microsoft.com/office/drawing/2014/main" id="{F19E1C3C-43B5-F349-818A-D269012D6018}"/>
               </a:ext>
             </a:extLst>
           </p:cNvPr>
@@ -3974,8 +8523,8 @@
         </p:blipFill>
         <p:spPr bwMode="auto">
           <a:xfrm>
-            <a:off x="3318795" y="1825625"/>
-            <a:ext cx="5554409" cy="4351338"/>
+            <a:off x="5016718" y="1181974"/>
+            <a:ext cx="6434897" cy="4801314"/>
           </a:xfrm>
           <a:prstGeom prst="rect">
             <a:avLst/>
@@ -3992,10 +8541,117 @@
           </a:extLst>
         </p:spPr>
       </p:pic>
+      <p:sp>
+        <p:nvSpPr>
+          <p:cNvPr id="3" name="TextBox 2">
+            <a:extLst>
+              <a:ext uri="{FF2B5EF4-FFF2-40B4-BE49-F238E27FC236}">
+                <a16:creationId xmlns:a16="http://schemas.microsoft.com/office/drawing/2014/main" id="{AF552C8B-7614-984F-9276-C157700F4857}"/>
+              </a:ext>
+            </a:extLst>
+          </p:cNvPr>
+          <p:cNvSpPr txBox="1"/>
+          <p:nvPr/>
+        </p:nvSpPr>
+        <p:spPr>
+          <a:xfrm>
+            <a:off x="273268" y="1818289"/>
+            <a:ext cx="4487917" cy="4801314"/>
+          </a:xfrm>
+          <a:prstGeom prst="rect">
+            <a:avLst/>
+          </a:prstGeom>
+          <a:noFill/>
+        </p:spPr>
+        <p:txBody>
+          <a:bodyPr wrap="square" rtlCol="0">
+            <a:spAutoFit/>
+          </a:bodyPr>
+          <a:lstStyle/>
+          <a:p>
+            <a:pPr marL="285750" indent="-285750">
+              <a:buFont typeface="Arial" panose="020B0604020202020204" pitchFamily="34" charset="0"/>
+              <a:buChar char="•"/>
+            </a:pPr>
+            <a:r>
+              <a:rPr lang="en-US" dirty="0"/>
+              <a:t>Top 15 zip codes by rate of return from April 2012 – April 2018 were modeled, in addition to 20 zip codes from 5 Mountain Towns and 5  Mid-Size Cities.</a:t>
+            </a:r>
+          </a:p>
+          <a:p>
+            <a:pPr marL="742950" lvl="1" indent="-285750">
+              <a:buFont typeface="Arial" panose="020B0604020202020204" pitchFamily="34" charset="0"/>
+              <a:buChar char="•"/>
+            </a:pPr>
+            <a:r>
+              <a:rPr lang="en-US" dirty="0"/>
+              <a:t>Boise is the only city added from Mountain Towns and Mid-Size cities due to high return and low risk.</a:t>
+            </a:r>
+          </a:p>
+          <a:p>
+            <a:pPr marL="285750" indent="-285750">
+              <a:buFont typeface="Arial" panose="020B0604020202020204" pitchFamily="34" charset="0"/>
+              <a:buChar char="•"/>
+            </a:pPr>
+            <a:endParaRPr lang="en-US" dirty="0"/>
+          </a:p>
+          <a:p>
+            <a:pPr marL="285750" indent="-285750">
+              <a:buFont typeface="Arial" panose="020B0604020202020204" pitchFamily="34" charset="0"/>
+              <a:buChar char="•"/>
+            </a:pPr>
+            <a:r>
+              <a:rPr lang="en-US" dirty="0"/>
+              <a:t>Highly accurate modeling.</a:t>
+            </a:r>
+          </a:p>
+          <a:p>
+            <a:pPr marL="742950" lvl="1" indent="-285750">
+              <a:buFont typeface="Arial" panose="020B0604020202020204" pitchFamily="34" charset="0"/>
+              <a:buChar char="•"/>
+            </a:pPr>
+            <a:r>
+              <a:rPr lang="en-US" dirty="0"/>
+              <a:t>Each model in this visualization predicted median price within 3% of market value.</a:t>
+            </a:r>
+          </a:p>
+          <a:p>
+            <a:pPr marL="742950" lvl="1" indent="-285750">
+              <a:buFont typeface="Arial" panose="020B0604020202020204" pitchFamily="34" charset="0"/>
+              <a:buChar char="•"/>
+            </a:pPr>
+            <a:endParaRPr lang="en-US" dirty="0"/>
+          </a:p>
+          <a:p>
+            <a:pPr marL="742950" lvl="1" indent="-285750">
+              <a:buFont typeface="Arial" panose="020B0604020202020204" pitchFamily="34" charset="0"/>
+              <a:buChar char="•"/>
+            </a:pPr>
+            <a:r>
+              <a:rPr lang="en-US" dirty="0"/>
+              <a:t>Except for Boise, which predicted price within 8% of market value. </a:t>
+            </a:r>
+          </a:p>
+          <a:p>
+            <a:pPr marL="742950" lvl="1" indent="-285750">
+              <a:buFont typeface="Arial" panose="020B0604020202020204" pitchFamily="34" charset="0"/>
+              <a:buChar char="•"/>
+            </a:pPr>
+            <a:endParaRPr lang="en-US" dirty="0"/>
+          </a:p>
+          <a:p>
+            <a:pPr marL="742950" lvl="1" indent="-285750">
+              <a:buFont typeface="Arial" panose="020B0604020202020204" pitchFamily="34" charset="0"/>
+              <a:buChar char="•"/>
+            </a:pPr>
+            <a:endParaRPr lang="en-US" dirty="0"/>
+          </a:p>
+        </p:txBody>
+      </p:sp>
     </p:spTree>
     <p:extLst>
       <p:ext uri="{BB962C8B-B14F-4D97-AF65-F5344CB8AC3E}">
-        <p14:creationId xmlns:p14="http://schemas.microsoft.com/office/powerpoint/2010/main" val="4083066032"/>
+        <p14:creationId xmlns:p14="http://schemas.microsoft.com/office/powerpoint/2010/main" val="2833552947"/>
       </p:ext>
     </p:extLst>
   </p:cSld>
@@ -4027,7 +8683,7 @@
           <p:cNvPr id="2" name="Title 1">
             <a:extLst>
               <a:ext uri="{FF2B5EF4-FFF2-40B4-BE49-F238E27FC236}">
-                <a16:creationId xmlns:a16="http://schemas.microsoft.com/office/drawing/2014/main" id="{79C11A08-7DE2-C643-A615-1C932BA8B490}"/>
+                <a16:creationId xmlns:a16="http://schemas.microsoft.com/office/drawing/2014/main" id="{A34CBF9F-C221-0A49-89FA-8FC24A6858C5}"/>
               </a:ext>
             </a:extLst>
           </p:cNvPr>
@@ -4045,64 +8701,74 @@
           <a:p>
             <a:r>
               <a:rPr lang="en-US" dirty="0"/>
-              <a:t>Boise Forecast</a:t>
+              <a:t>Data</a:t>
             </a:r>
           </a:p>
         </p:txBody>
       </p:sp>
-      <p:pic>
-        <p:nvPicPr>
-          <p:cNvPr id="4098" name="Picture 2">
+      <p:sp>
+        <p:nvSpPr>
+          <p:cNvPr id="3" name="Content Placeholder 2">
             <a:extLst>
               <a:ext uri="{FF2B5EF4-FFF2-40B4-BE49-F238E27FC236}">
-                <a16:creationId xmlns:a16="http://schemas.microsoft.com/office/drawing/2014/main" id="{0850BA44-5AB1-7E49-A928-92A397815805}"/>
+                <a16:creationId xmlns:a16="http://schemas.microsoft.com/office/drawing/2014/main" id="{F937223E-5307-C743-98BF-4E4417E6C5CE}"/>
               </a:ext>
             </a:extLst>
           </p:cNvPr>
-          <p:cNvPicPr>
-            <a:picLocks noGrp="1" noChangeAspect="1" noChangeArrowheads="1"/>
-          </p:cNvPicPr>
+          <p:cNvSpPr>
+            <a:spLocks noGrp="1"/>
+          </p:cNvSpPr>
           <p:nvPr>
             <p:ph idx="1"/>
           </p:nvPr>
-        </p:nvPicPr>
-        <p:blipFill>
-          <a:blip r:embed="rId2">
-            <a:extLst>
-              <a:ext uri="{28A0092B-C50C-407E-A947-70E740481C1C}">
-                <a14:useLocalDpi xmlns:a14="http://schemas.microsoft.com/office/drawing/2010/main" val="0"/>
-              </a:ext>
-            </a:extLst>
-          </a:blip>
-          <a:srcRect/>
-          <a:stretch>
-            <a:fillRect/>
-          </a:stretch>
-        </p:blipFill>
-        <p:spPr bwMode="auto">
-          <a:xfrm>
-            <a:off x="3217387" y="1825625"/>
-            <a:ext cx="5757225" cy="4351338"/>
-          </a:xfrm>
-          <a:prstGeom prst="rect">
-            <a:avLst/>
-          </a:prstGeom>
-          <a:noFill/>
-          <a:extLst>
-            <a:ext uri="{909E8E84-426E-40DD-AFC4-6F175D3DCCD1}">
-              <a14:hiddenFill xmlns:a14="http://schemas.microsoft.com/office/drawing/2010/main">
-                <a:solidFill>
-                  <a:srgbClr val="FFFFFF"/>
-                </a:solidFill>
-              </a14:hiddenFill>
-            </a:ext>
-          </a:extLst>
-        </p:spPr>
-      </p:pic>
+        </p:nvSpPr>
+        <p:spPr/>
+        <p:txBody>
+          <a:bodyPr/>
+          <a:lstStyle/>
+          <a:p>
+            <a:r>
+              <a:rPr lang="en-US" dirty="0"/>
+              <a:t>Represents 14,723 zip codes, including all 50 states in the US</a:t>
+            </a:r>
+          </a:p>
+          <a:p>
+            <a:pPr marL="0" indent="0">
+              <a:buNone/>
+            </a:pPr>
+            <a:endParaRPr lang="en-US" dirty="0"/>
+          </a:p>
+          <a:p>
+            <a:r>
+              <a:rPr lang="en-US" dirty="0"/>
+              <a:t>Contains median price of homes in each zip code on a monthly basis from April 1996 to April 2018.</a:t>
+            </a:r>
+          </a:p>
+          <a:p>
+            <a:pPr lvl="1"/>
+            <a:r>
+              <a:rPr lang="en-US" dirty="0"/>
+              <a:t>Some zip codes contain missing data – one of these zip codes was removed from the top 15 zip codes by rate of return from April 2012-2018.</a:t>
+            </a:r>
+          </a:p>
+          <a:p>
+            <a:pPr marL="457200" lvl="1" indent="0">
+              <a:buNone/>
+            </a:pPr>
+            <a:endParaRPr lang="en-US" dirty="0"/>
+          </a:p>
+          <a:p>
+            <a:r>
+              <a:rPr lang="en-US" dirty="0"/>
+              <a:t>Initially, stored in wide format, converted to long format with time-series index for modeling purposes.</a:t>
+            </a:r>
+          </a:p>
+        </p:txBody>
+      </p:sp>
     </p:spTree>
     <p:extLst>
       <p:ext uri="{BB962C8B-B14F-4D97-AF65-F5344CB8AC3E}">
-        <p14:creationId xmlns:p14="http://schemas.microsoft.com/office/powerpoint/2010/main" val="2997730422"/>
+        <p14:creationId xmlns:p14="http://schemas.microsoft.com/office/powerpoint/2010/main" val="361467070"/>
       </p:ext>
     </p:extLst>
   </p:cSld>
@@ -4134,7 +8800,7 @@
           <p:cNvPr id="2" name="Title 1">
             <a:extLst>
               <a:ext uri="{FF2B5EF4-FFF2-40B4-BE49-F238E27FC236}">
-                <a16:creationId xmlns:a16="http://schemas.microsoft.com/office/drawing/2014/main" id="{7A498DD6-A87D-FC4F-B36E-DCC84994CF42}"/>
+                <a16:creationId xmlns:a16="http://schemas.microsoft.com/office/drawing/2014/main" id="{AE00B1F7-0450-954B-A8EB-B7345269B3CC}"/>
               </a:ext>
             </a:extLst>
           </p:cNvPr>
@@ -4152,64 +8818,90 @@
           <a:p>
             <a:r>
               <a:rPr lang="en-US" dirty="0"/>
-              <a:t>Sacramento Forecast (Non-Example)	</a:t>
+              <a:t>Methods</a:t>
             </a:r>
           </a:p>
         </p:txBody>
       </p:sp>
-      <p:pic>
-        <p:nvPicPr>
-          <p:cNvPr id="7170" name="Picture 2">
+      <p:sp>
+        <p:nvSpPr>
+          <p:cNvPr id="3" name="Content Placeholder 2">
             <a:extLst>
               <a:ext uri="{FF2B5EF4-FFF2-40B4-BE49-F238E27FC236}">
-                <a16:creationId xmlns:a16="http://schemas.microsoft.com/office/drawing/2014/main" id="{17EA93C0-E70C-AA42-BFF9-CBE3ED28DA46}"/>
+                <a16:creationId xmlns:a16="http://schemas.microsoft.com/office/drawing/2014/main" id="{CFEE7882-F555-764C-9096-73B41F62D02A}"/>
               </a:ext>
             </a:extLst>
           </p:cNvPr>
-          <p:cNvPicPr>
-            <a:picLocks noGrp="1" noChangeAspect="1" noChangeArrowheads="1"/>
-          </p:cNvPicPr>
+          <p:cNvSpPr>
+            <a:spLocks noGrp="1"/>
+          </p:cNvSpPr>
           <p:nvPr>
             <p:ph idx="1"/>
           </p:nvPr>
-        </p:nvPicPr>
-        <p:blipFill>
-          <a:blip r:embed="rId2">
-            <a:extLst>
-              <a:ext uri="{28A0092B-C50C-407E-A947-70E740481C1C}">
-                <a14:useLocalDpi xmlns:a14="http://schemas.microsoft.com/office/drawing/2010/main" val="0"/>
-              </a:ext>
-            </a:extLst>
-          </a:blip>
-          <a:srcRect/>
-          <a:stretch>
-            <a:fillRect/>
-          </a:stretch>
-        </p:blipFill>
-        <p:spPr bwMode="auto">
-          <a:xfrm>
-            <a:off x="3217387" y="1825625"/>
-            <a:ext cx="5757225" cy="4351338"/>
-          </a:xfrm>
-          <a:prstGeom prst="rect">
-            <a:avLst/>
-          </a:prstGeom>
-          <a:noFill/>
-          <a:extLst>
-            <a:ext uri="{909E8E84-426E-40DD-AFC4-6F175D3DCCD1}">
-              <a14:hiddenFill xmlns:a14="http://schemas.microsoft.com/office/drawing/2010/main">
-                <a:solidFill>
-                  <a:srgbClr val="FFFFFF"/>
-                </a:solidFill>
-              </a14:hiddenFill>
-            </a:ext>
-          </a:extLst>
-        </p:spPr>
-      </p:pic>
+        </p:nvSpPr>
+        <p:spPr/>
+        <p:txBody>
+          <a:bodyPr>
+            <a:normAutofit lnSpcReduction="10000"/>
+          </a:bodyPr>
+          <a:lstStyle/>
+          <a:p>
+            <a:r>
+              <a:rPr lang="en-US" dirty="0"/>
+              <a:t>SARIMA model used – currently best model for time series</a:t>
+            </a:r>
+          </a:p>
+          <a:p>
+            <a:pPr lvl="1"/>
+            <a:r>
+              <a:rPr lang="en-US" dirty="0"/>
+              <a:t>Best parameters for model determined for each zip code individually.</a:t>
+            </a:r>
+          </a:p>
+          <a:p>
+            <a:pPr marL="457200" lvl="1" indent="0">
+              <a:buNone/>
+            </a:pPr>
+            <a:endParaRPr lang="en-US" dirty="0"/>
+          </a:p>
+          <a:p>
+            <a:r>
+              <a:rPr lang="en-US" dirty="0"/>
+              <a:t>RMSE ratio to median market value calculated to determine accuracy of models.</a:t>
+            </a:r>
+          </a:p>
+          <a:p>
+            <a:pPr lvl="1"/>
+            <a:r>
+              <a:rPr lang="en-US" dirty="0"/>
+              <a:t>Models for each zip code can reliably be compared to each other to determine which zip code is being modeled more accurately. </a:t>
+            </a:r>
+          </a:p>
+          <a:p>
+            <a:pPr marL="457200" lvl="1" indent="0">
+              <a:buNone/>
+            </a:pPr>
+            <a:endParaRPr lang="en-US" dirty="0"/>
+          </a:p>
+          <a:p>
+            <a:r>
+              <a:rPr lang="en-US" dirty="0"/>
+              <a:t>Model Forecast predicts price of homes in 5 years.</a:t>
+            </a:r>
+          </a:p>
+          <a:p>
+            <a:pPr lvl="1"/>
+            <a:r>
+              <a:rPr lang="en-US" dirty="0"/>
+              <a:t>Percent Market Value Increase and Confidence Interval calculated and plotted in visualizations for recommended zip codes.</a:t>
+            </a:r>
+          </a:p>
+        </p:txBody>
+      </p:sp>
     </p:spTree>
     <p:extLst>
       <p:ext uri="{BB962C8B-B14F-4D97-AF65-F5344CB8AC3E}">
-        <p14:creationId xmlns:p14="http://schemas.microsoft.com/office/powerpoint/2010/main" val="3283253667"/>
+        <p14:creationId xmlns:p14="http://schemas.microsoft.com/office/powerpoint/2010/main" val="2864234993"/>
       </p:ext>
     </p:extLst>
   </p:cSld>
@@ -4241,7 +8933,7 @@
           <p:cNvPr id="2" name="Title 1">
             <a:extLst>
               <a:ext uri="{FF2B5EF4-FFF2-40B4-BE49-F238E27FC236}">
-                <a16:creationId xmlns:a16="http://schemas.microsoft.com/office/drawing/2014/main" id="{6F7EF8E0-626F-1440-AD0B-500DA4F50897}"/>
+                <a16:creationId xmlns:a16="http://schemas.microsoft.com/office/drawing/2014/main" id="{E8F89F5D-2777-D04C-8B52-E02B3FC99CF7}"/>
               </a:ext>
             </a:extLst>
           </p:cNvPr>
@@ -4252,24 +8944,29 @@
             <p:ph type="title"/>
           </p:nvPr>
         </p:nvSpPr>
-        <p:spPr/>
+        <p:spPr>
+          <a:xfrm>
+            <a:off x="684079" y="184687"/>
+            <a:ext cx="10515600" cy="1325563"/>
+          </a:xfrm>
+        </p:spPr>
         <p:txBody>
           <a:bodyPr/>
           <a:lstStyle/>
           <a:p>
             <a:r>
               <a:rPr lang="en-US" dirty="0"/>
-              <a:t>Lake Worth Seasonality</a:t>
+              <a:t>Results - Lake Worth, FL 33460</a:t>
             </a:r>
           </a:p>
         </p:txBody>
       </p:sp>
       <p:pic>
         <p:nvPicPr>
-          <p:cNvPr id="1026" name="Picture 2">
+          <p:cNvPr id="5122" name="Picture 2">
             <a:extLst>
               <a:ext uri="{FF2B5EF4-FFF2-40B4-BE49-F238E27FC236}">
-                <a16:creationId xmlns:a16="http://schemas.microsoft.com/office/drawing/2014/main" id="{1F34063B-F3EC-234C-8537-52E317C48D41}"/>
+                <a16:creationId xmlns:a16="http://schemas.microsoft.com/office/drawing/2014/main" id="{A1312219-CF7C-1F4B-A3C6-7EF2108B5A85}"/>
               </a:ext>
             </a:extLst>
           </p:cNvPr>
@@ -4288,15 +8985,14 @@
               </a:ext>
             </a:extLst>
           </a:blip>
-          <a:srcRect/>
           <a:stretch>
             <a:fillRect/>
           </a:stretch>
         </p:blipFill>
         <p:spPr bwMode="auto">
           <a:xfrm>
-            <a:off x="3193090" y="1383178"/>
-            <a:ext cx="7891221" cy="5236231"/>
+            <a:off x="4915445" y="1510250"/>
+            <a:ext cx="6592476" cy="4982625"/>
           </a:xfrm>
           <a:prstGeom prst="rect">
             <a:avLst/>
@@ -4315,56 +9011,10 @@
       </p:pic>
       <p:sp>
         <p:nvSpPr>
-          <p:cNvPr id="4" name="Right Arrow 3">
+          <p:cNvPr id="3" name="TextBox 2">
             <a:extLst>
               <a:ext uri="{FF2B5EF4-FFF2-40B4-BE49-F238E27FC236}">
-                <a16:creationId xmlns:a16="http://schemas.microsoft.com/office/drawing/2014/main" id="{D047D766-4BB9-C248-855D-1776000CB617}"/>
-              </a:ext>
-            </a:extLst>
-          </p:cNvPr>
-          <p:cNvSpPr/>
-          <p:nvPr/>
-        </p:nvSpPr>
-        <p:spPr>
-          <a:xfrm>
-            <a:off x="1014470" y="4219461"/>
-            <a:ext cx="1651612" cy="594910"/>
-          </a:xfrm>
-          <a:prstGeom prst="rightArrow">
-            <a:avLst/>
-          </a:prstGeom>
-        </p:spPr>
-        <p:style>
-          <a:lnRef idx="2">
-            <a:schemeClr val="accent1">
-              <a:shade val="50000"/>
-            </a:schemeClr>
-          </a:lnRef>
-          <a:fillRef idx="1">
-            <a:schemeClr val="accent1"/>
-          </a:fillRef>
-          <a:effectRef idx="0">
-            <a:schemeClr val="accent1"/>
-          </a:effectRef>
-          <a:fontRef idx="minor">
-            <a:schemeClr val="lt1"/>
-          </a:fontRef>
-        </p:style>
-        <p:txBody>
-          <a:bodyPr rtlCol="0" anchor="ctr"/>
-          <a:lstStyle/>
-          <a:p>
-            <a:pPr algn="ctr"/>
-            <a:endParaRPr lang="en-US"/>
-          </a:p>
-        </p:txBody>
-      </p:sp>
-      <p:sp>
-        <p:nvSpPr>
-          <p:cNvPr id="5" name="TextBox 4">
-            <a:extLst>
-              <a:ext uri="{FF2B5EF4-FFF2-40B4-BE49-F238E27FC236}">
-                <a16:creationId xmlns:a16="http://schemas.microsoft.com/office/drawing/2014/main" id="{DFFD1DA5-6857-234C-8C42-F4A984147093}"/>
+                <a16:creationId xmlns:a16="http://schemas.microsoft.com/office/drawing/2014/main" id="{5FDE6743-B4E3-104C-AF3C-0E1AA6809BD0}"/>
               </a:ext>
             </a:extLst>
           </p:cNvPr>
@@ -4373,8 +9023,8 @@
         </p:nvSpPr>
         <p:spPr>
           <a:xfrm>
-            <a:off x="162030" y="3539629"/>
-            <a:ext cx="2848800" cy="461665"/>
+            <a:off x="483476" y="2102070"/>
+            <a:ext cx="3552496" cy="3416320"/>
           </a:xfrm>
           <a:prstGeom prst="rect">
             <a:avLst/>
@@ -4387,17 +9037,65 @@
           </a:bodyPr>
           <a:lstStyle/>
           <a:p>
-            <a:r>
-              <a:rPr lang="en-US" sz="2400" dirty="0"/>
-              <a:t>Seasonality Visual</a:t>
-            </a:r>
+            <a:pPr marL="285750" indent="-285750">
+              <a:buFont typeface="Arial" panose="020B0604020202020204" pitchFamily="34" charset="0"/>
+              <a:buChar char="•"/>
+            </a:pPr>
+            <a:r>
+              <a:rPr lang="en-US" dirty="0"/>
+              <a:t>Highest predicted return of 93.0%</a:t>
+            </a:r>
+          </a:p>
+          <a:p>
+            <a:endParaRPr lang="en-US" dirty="0"/>
+          </a:p>
+          <a:p>
+            <a:pPr marL="285750" indent="-285750">
+              <a:buFont typeface="Arial" panose="020B0604020202020204" pitchFamily="34" charset="0"/>
+              <a:buChar char="•"/>
+            </a:pPr>
+            <a:r>
+              <a:rPr lang="en-US" dirty="0"/>
+              <a:t>High risk with wide range and large negative potential for the confidence interval price at 5 years</a:t>
+            </a:r>
+          </a:p>
+          <a:p>
+            <a:pPr lvl="1"/>
+            <a:endParaRPr lang="en-US" dirty="0"/>
+          </a:p>
+          <a:p>
+            <a:pPr marL="285750" indent="-285750">
+              <a:buFont typeface="Arial" panose="020B0604020202020204" pitchFamily="34" charset="0"/>
+              <a:buChar char="•"/>
+            </a:pPr>
+            <a:r>
+              <a:rPr lang="en-US" dirty="0"/>
+              <a:t>High level of model accuracy:</a:t>
+            </a:r>
+          </a:p>
+          <a:p>
+            <a:pPr marL="742950" lvl="1" indent="-285750">
+              <a:buFont typeface="Arial" panose="020B0604020202020204" pitchFamily="34" charset="0"/>
+              <a:buChar char="•"/>
+            </a:pPr>
+            <a:r>
+              <a:rPr lang="en-US" dirty="0"/>
+              <a:t>Predictions within 1.3% of median value on average.</a:t>
+            </a:r>
+          </a:p>
+          <a:p>
+            <a:pPr marL="285750" indent="-285750">
+              <a:buFont typeface="Arial" panose="020B0604020202020204" pitchFamily="34" charset="0"/>
+              <a:buChar char="•"/>
+            </a:pPr>
+            <a:endParaRPr lang="en-US" dirty="0"/>
           </a:p>
         </p:txBody>
       </p:sp>
     </p:spTree>
     <p:extLst>
       <p:ext uri="{BB962C8B-B14F-4D97-AF65-F5344CB8AC3E}">
-        <p14:creationId xmlns:p14="http://schemas.microsoft.com/office/powerpoint/2010/main" val="3310793426"/>
+        <p14:creationId xmlns:p14="http://schemas.microsoft.com/office/powerpoint/2010/main" val="434215933"/>
       </p:ext>
     </p:extLst>
   </p:cSld>
@@ -4429,7 +9127,7 @@
           <p:cNvPr id="2" name="Title 1">
             <a:extLst>
               <a:ext uri="{FF2B5EF4-FFF2-40B4-BE49-F238E27FC236}">
-                <a16:creationId xmlns:a16="http://schemas.microsoft.com/office/drawing/2014/main" id="{8A4F6DD7-5184-2E4E-9D89-F1590896D7BB}"/>
+                <a16:creationId xmlns:a16="http://schemas.microsoft.com/office/drawing/2014/main" id="{1F0D58B8-7433-EE4C-A182-64271996025B}"/>
               </a:ext>
             </a:extLst>
           </p:cNvPr>
@@ -4440,70 +9138,153 @@
             <p:ph type="title"/>
           </p:nvPr>
         </p:nvSpPr>
-        <p:spPr/>
+        <p:spPr>
+          <a:xfrm>
+            <a:off x="690001" y="144408"/>
+            <a:ext cx="10515600" cy="1325563"/>
+          </a:xfrm>
+        </p:spPr>
         <p:txBody>
           <a:bodyPr/>
           <a:lstStyle/>
           <a:p>
             <a:r>
               <a:rPr lang="en-US" dirty="0"/>
-              <a:t>Results – Oakland, California</a:t>
+              <a:t>Results - Oakland, CA 94606</a:t>
             </a:r>
           </a:p>
         </p:txBody>
       </p:sp>
-      <p:sp>
-        <p:nvSpPr>
-          <p:cNvPr id="4" name="Content Placeholder 3">
+      <p:pic>
+        <p:nvPicPr>
+          <p:cNvPr id="6146" name="Picture 2">
             <a:extLst>
               <a:ext uri="{FF2B5EF4-FFF2-40B4-BE49-F238E27FC236}">
-                <a16:creationId xmlns:a16="http://schemas.microsoft.com/office/drawing/2014/main" id="{F67F179B-BA96-D940-B473-C4C775F50A1D}"/>
+                <a16:creationId xmlns:a16="http://schemas.microsoft.com/office/drawing/2014/main" id="{48DC6B4B-714F-AE4B-95FD-EB81DFBC6C09}"/>
               </a:ext>
             </a:extLst>
           </p:cNvPr>
-          <p:cNvSpPr>
-            <a:spLocks noGrp="1"/>
-          </p:cNvSpPr>
+          <p:cNvPicPr>
+            <a:picLocks noGrp="1" noChangeAspect="1" noChangeArrowheads="1"/>
+          </p:cNvPicPr>
           <p:nvPr>
             <p:ph idx="1"/>
           </p:nvPr>
+        </p:nvPicPr>
+        <p:blipFill>
+          <a:blip r:embed="rId2">
+            <a:extLst>
+              <a:ext uri="{28A0092B-C50C-407E-A947-70E740481C1C}">
+                <a14:useLocalDpi xmlns:a14="http://schemas.microsoft.com/office/drawing/2010/main" val="0"/>
+              </a:ext>
+            </a:extLst>
+          </a:blip>
+          <a:stretch>
+            <a:fillRect/>
+          </a:stretch>
+        </p:blipFill>
+        <p:spPr bwMode="auto">
+          <a:xfrm>
+            <a:off x="4937388" y="1443804"/>
+            <a:ext cx="6564611" cy="5142733"/>
+          </a:xfrm>
+          <a:prstGeom prst="rect">
+            <a:avLst/>
+          </a:prstGeom>
+          <a:noFill/>
+          <a:extLst>
+            <a:ext uri="{909E8E84-426E-40DD-AFC4-6F175D3DCCD1}">
+              <a14:hiddenFill xmlns:a14="http://schemas.microsoft.com/office/drawing/2010/main">
+                <a:solidFill>
+                  <a:srgbClr val="FFFFFF"/>
+                </a:solidFill>
+              </a14:hiddenFill>
+            </a:ext>
+          </a:extLst>
+        </p:spPr>
+      </p:pic>
+      <p:sp>
+        <p:nvSpPr>
+          <p:cNvPr id="4" name="TextBox 3">
+            <a:extLst>
+              <a:ext uri="{FF2B5EF4-FFF2-40B4-BE49-F238E27FC236}">
+                <a16:creationId xmlns:a16="http://schemas.microsoft.com/office/drawing/2014/main" id="{88099568-2769-874C-98BB-E1939A4F387C}"/>
+              </a:ext>
+            </a:extLst>
+          </p:cNvPr>
+          <p:cNvSpPr txBox="1"/>
+          <p:nvPr/>
         </p:nvSpPr>
-        <p:spPr/>
+        <p:spPr>
+          <a:xfrm>
+            <a:off x="511325" y="1753012"/>
+            <a:ext cx="3552496" cy="4524315"/>
+          </a:xfrm>
+          <a:prstGeom prst="rect">
+            <a:avLst/>
+          </a:prstGeom>
+          <a:noFill/>
+        </p:spPr>
         <p:txBody>
-          <a:bodyPr/>
+          <a:bodyPr wrap="square" rtlCol="0">
+            <a:spAutoFit/>
+          </a:bodyPr>
           <a:lstStyle/>
           <a:p>
-            <a:r>
-              <a:rPr lang="en-US" b="1" dirty="0"/>
-              <a:t>8.1  Oakland, CA 94606</a:t>
-            </a:r>
-          </a:p>
-          <a:p>
+            <a:pPr marL="285750" indent="-285750">
+              <a:buFont typeface="Arial" panose="020B0604020202020204" pitchFamily="34" charset="0"/>
+              <a:buChar char="•"/>
+            </a:pPr>
             <a:r>
               <a:rPr lang="en-US" dirty="0"/>
               <a:t>Has a predicted rate of return of 68.1% over the next 5 years (assuming we are in April of 2018 when this dataset was current)</a:t>
             </a:r>
           </a:p>
           <a:p>
+            <a:pPr marL="285750" indent="-285750">
+              <a:buFont typeface="Arial" panose="020B0604020202020204" pitchFamily="34" charset="0"/>
+              <a:buChar char="•"/>
+            </a:pPr>
+            <a:endParaRPr lang="en-US" dirty="0"/>
+          </a:p>
+          <a:p>
+            <a:pPr marL="285750" indent="-285750">
+              <a:buFont typeface="Arial" panose="020B0604020202020204" pitchFamily="34" charset="0"/>
+              <a:buChar char="•"/>
+            </a:pPr>
             <a:r>
               <a:rPr lang="en-US" dirty="0"/>
               <a:t>Has the lowest margin of risk - with the lowest confidence interval value being substantially higher than the models for other zip codes.</a:t>
             </a:r>
           </a:p>
           <a:p>
+            <a:endParaRPr lang="en-US" dirty="0"/>
+          </a:p>
+          <a:p>
+            <a:pPr marL="285750" indent="-285750">
+              <a:buFont typeface="Arial" panose="020B0604020202020204" pitchFamily="34" charset="0"/>
+              <a:buChar char="•"/>
+            </a:pPr>
             <a:r>
               <a:rPr lang="en-US" dirty="0"/>
               <a:t>High level of model accuracy:</a:t>
             </a:r>
           </a:p>
           <a:p>
-            <a:pPr lvl="1"/>
+            <a:pPr marL="742950" lvl="1" indent="-285750">
+              <a:buFont typeface="Arial" panose="020B0604020202020204" pitchFamily="34" charset="0"/>
+              <a:buChar char="•"/>
+            </a:pPr>
             <a:r>
               <a:rPr lang="en-US" dirty="0"/>
               <a:t>Predictions within 3% of median value on average.</a:t>
             </a:r>
           </a:p>
           <a:p>
+            <a:pPr marL="285750" indent="-285750">
+              <a:buFont typeface="Arial" panose="020B0604020202020204" pitchFamily="34" charset="0"/>
+              <a:buChar char="•"/>
+            </a:pPr>
             <a:endParaRPr lang="en-US" dirty="0"/>
           </a:p>
         </p:txBody>
@@ -4511,7 +9292,7 @@
     </p:spTree>
     <p:extLst>
       <p:ext uri="{BB962C8B-B14F-4D97-AF65-F5344CB8AC3E}">
-        <p14:creationId xmlns:p14="http://schemas.microsoft.com/office/powerpoint/2010/main" val="3532948667"/>
+        <p14:creationId xmlns:p14="http://schemas.microsoft.com/office/powerpoint/2010/main" val="4083066032"/>
       </p:ext>
     </p:extLst>
   </p:cSld>
@@ -4543,7 +9324,7 @@
           <p:cNvPr id="2" name="Title 1">
             <a:extLst>
               <a:ext uri="{FF2B5EF4-FFF2-40B4-BE49-F238E27FC236}">
-                <a16:creationId xmlns:a16="http://schemas.microsoft.com/office/drawing/2014/main" id="{82ECE517-A3FD-C94E-B858-4D50F111431A}"/>
+                <a16:creationId xmlns:a16="http://schemas.microsoft.com/office/drawing/2014/main" id="{79C11A08-7DE2-C643-A615-1C932BA8B490}"/>
               </a:ext>
             </a:extLst>
           </p:cNvPr>
@@ -4554,77 +9335,153 @@
             <p:ph type="title"/>
           </p:nvPr>
         </p:nvSpPr>
-        <p:spPr/>
+        <p:spPr>
+          <a:xfrm>
+            <a:off x="563876" y="207471"/>
+            <a:ext cx="10515600" cy="1325563"/>
+          </a:xfrm>
+        </p:spPr>
         <p:txBody>
           <a:bodyPr/>
           <a:lstStyle/>
           <a:p>
             <a:r>
               <a:rPr lang="en-US" dirty="0"/>
-              <a:t>Results – Lake Worth, Florida</a:t>
+              <a:t>Results – Boise, ID 83703</a:t>
             </a:r>
           </a:p>
         </p:txBody>
       </p:sp>
-      <p:sp>
-        <p:nvSpPr>
-          <p:cNvPr id="3" name="Content Placeholder 2">
+      <p:pic>
+        <p:nvPicPr>
+          <p:cNvPr id="4098" name="Picture 2">
             <a:extLst>
               <a:ext uri="{FF2B5EF4-FFF2-40B4-BE49-F238E27FC236}">
-                <a16:creationId xmlns:a16="http://schemas.microsoft.com/office/drawing/2014/main" id="{0E0F6DC1-324E-4B42-A193-5685D9F4766D}"/>
+                <a16:creationId xmlns:a16="http://schemas.microsoft.com/office/drawing/2014/main" id="{0850BA44-5AB1-7E49-A928-92A397815805}"/>
               </a:ext>
             </a:extLst>
           </p:cNvPr>
-          <p:cNvSpPr>
-            <a:spLocks noGrp="1"/>
-          </p:cNvSpPr>
+          <p:cNvPicPr>
+            <a:picLocks noGrp="1" noChangeAspect="1" noChangeArrowheads="1"/>
+          </p:cNvPicPr>
           <p:nvPr>
             <p:ph idx="1"/>
           </p:nvPr>
+        </p:nvPicPr>
+        <p:blipFill>
+          <a:blip r:embed="rId2">
+            <a:extLst>
+              <a:ext uri="{28A0092B-C50C-407E-A947-70E740481C1C}">
+                <a14:useLocalDpi xmlns:a14="http://schemas.microsoft.com/office/drawing/2010/main" val="0"/>
+              </a:ext>
+            </a:extLst>
+          </a:blip>
+          <a:stretch>
+            <a:fillRect/>
+          </a:stretch>
+        </p:blipFill>
+        <p:spPr bwMode="auto">
+          <a:xfrm>
+            <a:off x="5067208" y="1289597"/>
+            <a:ext cx="6734784" cy="5090182"/>
+          </a:xfrm>
+          <a:prstGeom prst="rect">
+            <a:avLst/>
+          </a:prstGeom>
+          <a:noFill/>
+          <a:extLst>
+            <a:ext uri="{909E8E84-426E-40DD-AFC4-6F175D3DCCD1}">
+              <a14:hiddenFill xmlns:a14="http://schemas.microsoft.com/office/drawing/2010/main">
+                <a:solidFill>
+                  <a:srgbClr val="FFFFFF"/>
+                </a:solidFill>
+              </a14:hiddenFill>
+            </a:ext>
+          </a:extLst>
+        </p:spPr>
+      </p:pic>
+      <p:sp>
+        <p:nvSpPr>
+          <p:cNvPr id="4" name="TextBox 3">
+            <a:extLst>
+              <a:ext uri="{FF2B5EF4-FFF2-40B4-BE49-F238E27FC236}">
+                <a16:creationId xmlns:a16="http://schemas.microsoft.com/office/drawing/2014/main" id="{ED661FA1-6CEC-C846-A014-7910922EA86E}"/>
+              </a:ext>
+            </a:extLst>
+          </p:cNvPr>
+          <p:cNvSpPr txBox="1"/>
+          <p:nvPr/>
         </p:nvSpPr>
-        <p:spPr/>
+        <p:spPr>
+          <a:xfrm>
+            <a:off x="563876" y="1859339"/>
+            <a:ext cx="3713834" cy="3139321"/>
+          </a:xfrm>
+          <a:prstGeom prst="rect">
+            <a:avLst/>
+          </a:prstGeom>
+          <a:noFill/>
+        </p:spPr>
         <p:txBody>
-          <a:bodyPr/>
+          <a:bodyPr wrap="square" rtlCol="0">
+            <a:spAutoFit/>
+          </a:bodyPr>
           <a:lstStyle/>
           <a:p>
-            <a:r>
-              <a:rPr lang="en-US" b="1" dirty="0"/>
-              <a:t>8.2  Lake Worth, FL 33460</a:t>
-            </a:r>
-            <a:r>
-              <a:rPr lang="en-US" b="1" dirty="0">
-                <a:hlinkClick r:id="rId2"/>
-              </a:rPr>
-              <a:t>¶</a:t>
-            </a:r>
-            <a:endParaRPr lang="en-US" b="1" dirty="0"/>
-          </a:p>
-          <a:p>
+            <a:pPr marL="285750" indent="-285750">
+              <a:buFont typeface="Arial" panose="020B0604020202020204" pitchFamily="34" charset="0"/>
+              <a:buChar char="•"/>
+            </a:pPr>
             <a:r>
               <a:rPr lang="en-US" dirty="0"/>
-              <a:t>Highest predicted return of 93.0%</a:t>
-            </a:r>
-          </a:p>
-          <a:p>
+              <a:t>High predicted return of 55.1%</a:t>
+            </a:r>
+          </a:p>
+          <a:p>
+            <a:endParaRPr lang="en-US" dirty="0"/>
+          </a:p>
+          <a:p>
+            <a:pPr marL="285750" indent="-285750">
+              <a:buFont typeface="Arial" panose="020B0604020202020204" pitchFamily="34" charset="0"/>
+              <a:buChar char="•"/>
+            </a:pPr>
             <a:r>
               <a:rPr lang="en-US" dirty="0"/>
-              <a:t>Much higher risk with wide range and large negative potential for the confidence interval price at 5 years</a:t>
-            </a:r>
-          </a:p>
-          <a:p>
+              <a:t>Low risk, with lowest confidence interval value being substantially higher than the models for other zip codes.</a:t>
+            </a:r>
+          </a:p>
+          <a:p>
+            <a:pPr marL="285750" indent="-285750">
+              <a:buFont typeface="Arial" panose="020B0604020202020204" pitchFamily="34" charset="0"/>
+              <a:buChar char="•"/>
+            </a:pPr>
+            <a:endParaRPr lang="en-US" dirty="0"/>
+          </a:p>
+          <a:p>
+            <a:pPr marL="285750" indent="-285750">
+              <a:buFont typeface="Arial" panose="020B0604020202020204" pitchFamily="34" charset="0"/>
+              <a:buChar char="•"/>
+            </a:pPr>
             <a:r>
               <a:rPr lang="en-US" dirty="0"/>
-              <a:t>High level of model accuracy:</a:t>
-            </a:r>
-          </a:p>
-          <a:p>
-            <a:pPr lvl="1"/>
+              <a:t>Moderate level of model accuracy:</a:t>
+            </a:r>
+          </a:p>
+          <a:p>
+            <a:pPr marL="742950" lvl="1" indent="-285750">
+              <a:buFont typeface="Arial" panose="020B0604020202020204" pitchFamily="34" charset="0"/>
+              <a:buChar char="•"/>
+            </a:pPr>
             <a:r>
               <a:rPr lang="en-US" dirty="0"/>
-              <a:t>Predictions within 1.3% of median value on average.</a:t>
-            </a:r>
-          </a:p>
-          <a:p>
+              <a:t>Predictions within 8% of median value on average.</a:t>
+            </a:r>
+          </a:p>
+          <a:p>
+            <a:pPr marL="285750" indent="-285750">
+              <a:buFont typeface="Arial" panose="020B0604020202020204" pitchFamily="34" charset="0"/>
+              <a:buChar char="•"/>
+            </a:pPr>
             <a:endParaRPr lang="en-US" dirty="0"/>
           </a:p>
         </p:txBody>
@@ -4632,7 +9489,7 @@
     </p:spTree>
     <p:extLst>
       <p:ext uri="{BB962C8B-B14F-4D97-AF65-F5344CB8AC3E}">
-        <p14:creationId xmlns:p14="http://schemas.microsoft.com/office/powerpoint/2010/main" val="3853910457"/>
+        <p14:creationId xmlns:p14="http://schemas.microsoft.com/office/powerpoint/2010/main" val="2997730422"/>
       </p:ext>
     </p:extLst>
   </p:cSld>

--- a/Real Estate Investment - Top Zip Codespptx.pptx
+++ b/Real Estate Investment - Top Zip Codespptx.pptx
@@ -7810,7 +7810,7 @@
           <a:p>
             <a:r>
               <a:rPr lang="en-US" dirty="0"/>
-              <a:t>Invest in all three recommended zip codes.</a:t>
+              <a:t>Allocate partial investment to all three recommended zip codes.</a:t>
             </a:r>
           </a:p>
           <a:p>
@@ -8390,8 +8390,8 @@
         </p:nvSpPr>
         <p:spPr>
           <a:xfrm>
-            <a:off x="1288473" y="2438400"/>
-            <a:ext cx="10263447" cy="3785419"/>
+            <a:off x="1288473" y="2656114"/>
+            <a:ext cx="10263447" cy="3567705"/>
           </a:xfrm>
         </p:spPr>
         <p:txBody>
@@ -8406,7 +8406,7 @@
               </a:spcAft>
             </a:pPr>
             <a:r>
-              <a:rPr lang="en-US" dirty="0"/>
+              <a:rPr lang="en-US" sz="3200" dirty="0"/>
               <a:t>High rate of return likely over the next 5 years.</a:t>
             </a:r>
           </a:p>
@@ -8417,19 +8417,30 @@
               </a:spcAft>
             </a:pPr>
             <a:r>
-              <a:rPr lang="en-US" dirty="0"/>
+              <a:rPr lang="en-US" sz="2800" dirty="0"/>
               <a:t>Models for top zip codes predict price within 3% of market value</a:t>
             </a:r>
           </a:p>
           <a:p>
-            <a:pPr>
+            <a:pPr lvl="1">
               <a:spcAft>
                 <a:spcPts val="600"/>
               </a:spcAft>
             </a:pPr>
             <a:r>
-              <a:rPr lang="en-US" dirty="0"/>
-              <a:t>All zip codes in the United States have been parsed for the best returns over the past 6 years, in addition to analyzing top mid-size cities and mountain towns, which have become more attractive since the covid pandemic.</a:t>
+              <a:rPr lang="en-US" sz="2800" dirty="0"/>
+              <a:t>Market Value Increase of 55% - 93% for top zip codes</a:t>
+            </a:r>
+          </a:p>
+          <a:p>
+            <a:pPr lvl="1">
+              <a:spcAft>
+                <a:spcPts val="600"/>
+              </a:spcAft>
+            </a:pPr>
+            <a:r>
+              <a:rPr lang="en-US" sz="2800" dirty="0"/>
+              <a:t>Options for higher or lower risk investments </a:t>
             </a:r>
           </a:p>
         </p:txBody>
